--- a/Pitch.pptx
+++ b/Pitch.pptx
@@ -45037,7 +45037,7 @@
         </p:nvSpPr>
         <p:spPr>
           <a:xfrm>
-            <a:off x="522020" y="4075143"/>
+            <a:off x="455978" y="4075143"/>
             <a:ext cx="5074459" cy="1724824"/>
           </a:xfrm>
           <a:prstGeom prst="roundRect">
@@ -45223,8 +45223,8 @@
         </p:nvSpPr>
         <p:spPr>
           <a:xfrm>
-            <a:off x="6880755" y="2061076"/>
-            <a:ext cx="4529317" cy="1571366"/>
+            <a:off x="6877994" y="2472896"/>
+            <a:ext cx="4529317" cy="774889"/>
           </a:xfrm>
         </p:spPr>
         <p:txBody>
@@ -45233,9 +45233,11 @@
           </a:bodyPr>
           <a:lstStyle/>
           <a:p>
-            <a:pPr algn="ctr"/>
-            <a:r>
-              <a:rPr lang="en-US" sz="2000" b="1" dirty="0">
+            <a:pPr marL="0" indent="0" algn="ctr">
+              <a:buNone/>
+            </a:pPr>
+            <a:r>
+              <a:rPr lang="en-US" sz="2800" b="1" dirty="0">
                 <a:solidFill>
                   <a:schemeClr val="bg2"/>
                 </a:solidFill>
@@ -45243,171 +45245,24 @@
               <a:t>Jogo </a:t>
             </a:r>
             <a:r>
-              <a:rPr lang="en-US" sz="2000" b="1" dirty="0" err="1">
+              <a:rPr lang="en-US" sz="2800" b="1" dirty="0" err="1">
                 <a:solidFill>
                   <a:schemeClr val="bg2"/>
                 </a:solidFill>
               </a:rPr>
               <a:t>minimalista</a:t>
             </a:r>
-            <a:endParaRPr lang="en-US" sz="2000" b="1" dirty="0">
+            <a:endParaRPr lang="en-US" sz="2800" b="1" dirty="0">
               <a:solidFill>
                 <a:schemeClr val="bg2"/>
               </a:solidFill>
             </a:endParaRPr>
           </a:p>
           <a:p>
-            <a:pPr algn="ctr"/>
-            <a:r>
-              <a:rPr lang="en-US" sz="2000" b="1" dirty="0" err="1">
-                <a:solidFill>
-                  <a:schemeClr val="bg2"/>
-                </a:solidFill>
-              </a:rPr>
-              <a:t>Pouco</a:t>
-            </a:r>
-            <a:r>
-              <a:rPr lang="en-US" sz="2000" b="1" dirty="0">
-                <a:solidFill>
-                  <a:schemeClr val="bg2"/>
-                </a:solidFill>
-              </a:rPr>
-              <a:t> </a:t>
-            </a:r>
-            <a:r>
-              <a:rPr lang="en-US" sz="2000" b="1" dirty="0" err="1">
-                <a:solidFill>
-                  <a:schemeClr val="bg2"/>
-                </a:solidFill>
-              </a:rPr>
-              <a:t>suporte</a:t>
-            </a:r>
-            <a:r>
-              <a:rPr lang="en-US" sz="2000" b="1" dirty="0">
-                <a:solidFill>
-                  <a:schemeClr val="bg2"/>
-                </a:solidFill>
-              </a:rPr>
-              <a:t> para </a:t>
-            </a:r>
-            <a:r>
-              <a:rPr lang="en-US" sz="2000" b="1" dirty="0" err="1">
-                <a:solidFill>
-                  <a:schemeClr val="bg2"/>
-                </a:solidFill>
-              </a:rPr>
-              <a:t>outras</a:t>
-            </a:r>
-            <a:r>
-              <a:rPr lang="en-US" sz="2000" b="1" dirty="0">
-                <a:solidFill>
-                  <a:schemeClr val="bg2"/>
-                </a:solidFill>
-              </a:rPr>
-              <a:t> </a:t>
-            </a:r>
-            <a:r>
-              <a:rPr lang="en-US" sz="2000" b="1" dirty="0" err="1">
-                <a:solidFill>
-                  <a:schemeClr val="bg2"/>
-                </a:solidFill>
-              </a:rPr>
-              <a:t>plataformas</a:t>
-            </a:r>
-            <a:r>
-              <a:rPr lang="en-US" sz="2000" b="1" dirty="0">
-                <a:solidFill>
-                  <a:schemeClr val="bg2"/>
-                </a:solidFill>
-              </a:rPr>
-              <a:t> </a:t>
-            </a:r>
-            <a:r>
-              <a:rPr lang="en-US" sz="2000" b="1" dirty="0" err="1">
-                <a:solidFill>
-                  <a:schemeClr val="bg2"/>
-                </a:solidFill>
-              </a:rPr>
-              <a:t>além</a:t>
-            </a:r>
-            <a:r>
-              <a:rPr lang="en-US" sz="2000" b="1" dirty="0">
-                <a:solidFill>
-                  <a:schemeClr val="bg2"/>
-                </a:solidFill>
-              </a:rPr>
-              <a:t> do android</a:t>
-            </a:r>
-          </a:p>
-          <a:p>
-            <a:pPr algn="ctr"/>
-            <a:r>
-              <a:rPr lang="en-US" sz="2000" b="1" dirty="0" err="1">
-                <a:solidFill>
-                  <a:schemeClr val="bg2"/>
-                </a:solidFill>
-              </a:rPr>
-              <a:t>Não</a:t>
-            </a:r>
-            <a:r>
-              <a:rPr lang="en-US" sz="2000" b="1" dirty="0">
-                <a:solidFill>
-                  <a:schemeClr val="bg2"/>
-                </a:solidFill>
-              </a:rPr>
-              <a:t> </a:t>
-            </a:r>
-            <a:r>
-              <a:rPr lang="en-US" sz="2000" b="1" dirty="0" err="1">
-                <a:solidFill>
-                  <a:schemeClr val="bg2"/>
-                </a:solidFill>
-              </a:rPr>
-              <a:t>muito</a:t>
-            </a:r>
-            <a:r>
-              <a:rPr lang="en-US" sz="2000" b="1" dirty="0">
-                <a:solidFill>
-                  <a:schemeClr val="bg2"/>
-                </a:solidFill>
-              </a:rPr>
-              <a:t> </a:t>
-            </a:r>
-            <a:r>
-              <a:rPr lang="en-US" sz="2000" b="1" dirty="0" err="1">
-                <a:solidFill>
-                  <a:schemeClr val="bg2"/>
-                </a:solidFill>
-              </a:rPr>
-              <a:t>atrativo</a:t>
-            </a:r>
-            <a:r>
-              <a:rPr lang="en-US" sz="2000" b="1" dirty="0">
-                <a:solidFill>
-                  <a:schemeClr val="bg2"/>
-                </a:solidFill>
-              </a:rPr>
-              <a:t> para </a:t>
-            </a:r>
-            <a:r>
-              <a:rPr lang="en-US" sz="2000" b="1" dirty="0" err="1">
-                <a:solidFill>
-                  <a:schemeClr val="bg2"/>
-                </a:solidFill>
-              </a:rPr>
-              <a:t>crianças</a:t>
-            </a:r>
-            <a:endParaRPr lang="en-US" sz="2000" b="1" dirty="0">
-              <a:solidFill>
-                <a:schemeClr val="bg2"/>
-              </a:solidFill>
-            </a:endParaRPr>
-          </a:p>
-          <a:p>
-            <a:pPr marL="0" indent="0">
+            <a:pPr marL="0" indent="0" algn="ctr">
               <a:buNone/>
             </a:pPr>
-            <a:endParaRPr lang="ru-RU" dirty="0"/>
+            <a:endParaRPr lang="ru-RU" sz="2800" dirty="0"/>
           </a:p>
         </p:txBody>
       </p:sp>
@@ -45427,7 +45282,7 @@
         </p:nvSpPr>
         <p:spPr>
           <a:xfrm>
-            <a:off x="757047" y="4373217"/>
+            <a:off x="757047" y="4466682"/>
             <a:ext cx="4583579" cy="1245705"/>
           </a:xfrm>
           <a:prstGeom prst="rect">
@@ -45622,7 +45477,9 @@
             </a:lvl9pPr>
           </a:lstStyle>
           <a:p>
-            <a:pPr algn="ctr"/>
+            <a:pPr marL="0" indent="0" algn="ctr">
+              <a:buNone/>
+            </a:pPr>
             <a:r>
               <a:rPr lang="en-US" sz="2400" b="1" dirty="0" err="1">
                 <a:solidFill>
@@ -45657,7 +45514,9 @@
             </a:r>
           </a:p>
           <a:p>
-            <a:pPr algn="ctr"/>
+            <a:pPr marL="0" indent="0" algn="ctr">
+              <a:buNone/>
+            </a:pPr>
             <a:r>
               <a:rPr lang="en-US" sz="2400" b="1" dirty="0" err="1">
                 <a:solidFill>
@@ -45700,8 +45559,8 @@
         </p:nvSpPr>
         <p:spPr>
           <a:xfrm>
-            <a:off x="6850860" y="4338432"/>
-            <a:ext cx="4578419" cy="1540288"/>
+            <a:off x="6877994" y="4712275"/>
+            <a:ext cx="4578419" cy="701000"/>
           </a:xfrm>
           <a:prstGeom prst="rect">
             <a:avLst/>
@@ -45897,98 +45756,7 @@
           <a:p>
             <a:pPr algn="ctr"/>
             <a:r>
-              <a:rPr lang="en-US" sz="2000" b="1" dirty="0">
-                <a:solidFill>
-                  <a:schemeClr val="bg2"/>
-                </a:solidFill>
-              </a:rPr>
-              <a:t>A </a:t>
-            </a:r>
-            <a:r>
-              <a:rPr lang="en-US" sz="2000" b="1" dirty="0" err="1">
-                <a:solidFill>
-                  <a:schemeClr val="bg2"/>
-                </a:solidFill>
-              </a:rPr>
-              <a:t>falta</a:t>
-            </a:r>
-            <a:r>
-              <a:rPr lang="en-US" sz="2000" b="1" dirty="0">
-                <a:solidFill>
-                  <a:schemeClr val="bg2"/>
-                </a:solidFill>
-              </a:rPr>
-              <a:t> de </a:t>
-            </a:r>
-            <a:r>
-              <a:rPr lang="en-US" sz="2000" b="1" dirty="0" err="1">
-                <a:solidFill>
-                  <a:schemeClr val="bg2"/>
-                </a:solidFill>
-              </a:rPr>
-              <a:t>mecânicas</a:t>
-            </a:r>
-            <a:r>
-              <a:rPr lang="en-US" sz="2000" b="1" dirty="0">
-                <a:solidFill>
-                  <a:schemeClr val="bg2"/>
-                </a:solidFill>
-              </a:rPr>
-              <a:t> para </a:t>
-            </a:r>
-            <a:r>
-              <a:rPr lang="en-US" sz="2000" b="1" dirty="0" err="1">
-                <a:solidFill>
-                  <a:schemeClr val="bg2"/>
-                </a:solidFill>
-              </a:rPr>
-              <a:t>auxiliar</a:t>
-            </a:r>
-            <a:r>
-              <a:rPr lang="en-US" sz="2000" b="1" dirty="0">
-                <a:solidFill>
-                  <a:schemeClr val="bg2"/>
-                </a:solidFill>
-              </a:rPr>
-              <a:t> </a:t>
-            </a:r>
-            <a:r>
-              <a:rPr lang="en-US" sz="2000" b="1" dirty="0" err="1">
-                <a:solidFill>
-                  <a:schemeClr val="bg2"/>
-                </a:solidFill>
-              </a:rPr>
-              <a:t>pessoas</a:t>
-            </a:r>
-            <a:r>
-              <a:rPr lang="en-US" sz="2000" b="1" dirty="0">
-                <a:solidFill>
-                  <a:schemeClr val="bg2"/>
-                </a:solidFill>
-              </a:rPr>
-              <a:t> com </a:t>
-            </a:r>
-            <a:r>
-              <a:rPr lang="en-US" sz="2000" b="1" dirty="0" err="1">
-                <a:solidFill>
-                  <a:schemeClr val="bg2"/>
-                </a:solidFill>
-              </a:rPr>
-              <a:t>deficiencias</a:t>
-            </a:r>
-            <a:r>
-              <a:rPr lang="en-US" sz="2000" b="1" dirty="0">
-                <a:solidFill>
-                  <a:schemeClr val="bg2"/>
-                </a:solidFill>
-              </a:rPr>
-              <a:t> </a:t>
-            </a:r>
-          </a:p>
-          <a:p>
-            <a:pPr algn="ctr"/>
-            <a:r>
-              <a:rPr lang="en-US" sz="2000" b="1" dirty="0">
+              <a:rPr lang="en-US" sz="2800" b="1" dirty="0">
                 <a:solidFill>
                   <a:schemeClr val="bg2"/>
                 </a:solidFill>
@@ -45996,7 +45764,7 @@
               <a:t>Tempo de </a:t>
             </a:r>
             <a:r>
-              <a:rPr lang="en-US" sz="2000" b="1" dirty="0" err="1">
+              <a:rPr lang="en-US" sz="2800" b="1" dirty="0" err="1">
                 <a:solidFill>
                   <a:schemeClr val="bg2"/>
                 </a:solidFill>
@@ -46049,7 +45817,9 @@
           </a:bodyPr>
           <a:lstStyle/>
           <a:p>
-            <a:pPr algn="ctr"/>
+            <a:pPr marL="0" indent="0" algn="ctr">
+              <a:buNone/>
+            </a:pPr>
             <a:r>
               <a:rPr lang="en-US" sz="2200" b="1" dirty="0" err="1">
                 <a:solidFill>
@@ -46081,14 +45851,16 @@
             </a:endParaRPr>
           </a:p>
           <a:p>
-            <a:pPr algn="ctr"/>
+            <a:pPr marL="0" indent="0" algn="ctr">
+              <a:buNone/>
+            </a:pPr>
             <a:r>
               <a:rPr lang="en-US" sz="2200" b="1" dirty="0">
                 <a:solidFill>
                   <a:schemeClr val="bg2"/>
                 </a:solidFill>
               </a:rPr>
-              <a:t>Jogo simples e </a:t>
+              <a:t> Simples e </a:t>
             </a:r>
             <a:r>
               <a:rPr lang="en-US" sz="2200" b="1" dirty="0" err="1">
@@ -46108,7 +45880,9 @@
             </a:r>
           </a:p>
           <a:p>
-            <a:pPr algn="ctr"/>
+            <a:pPr marL="0" indent="0" algn="ctr">
+              <a:buNone/>
+            </a:pPr>
             <a:r>
               <a:rPr lang="en-US" sz="2200" b="1" dirty="0" err="1">
                 <a:solidFill>
@@ -46226,7 +46000,7 @@
                   <a:srgbClr val="00BBBB"/>
                 </a:solidFill>
               </a:rPr>
-              <a:t>ADS (Propagandas</a:t>
+              <a:t> ADS (Propagandas</a:t>
             </a:r>
             <a:r>
               <a:rPr lang="en-US" sz="1800" b="1" dirty="0">
@@ -46544,7 +46318,7 @@
             </a:pPr>
             <a:r>
               <a:rPr lang="pt-BR" sz="2400" dirty="0" err="1"/>
-              <a:t>GameJooj</a:t>
+              <a:t>GameJolt</a:t>
             </a:r>
             <a:endParaRPr lang="pt-BR" sz="2400" dirty="0"/>
           </a:p>
@@ -49978,7 +49752,20 @@
             </a:r>
           </a:p>
           <a:p>
-            <a:pPr algn="ctr"/>
+            <a:pPr marL="0" indent="0" algn="ctr">
+              <a:buNone/>
+            </a:pPr>
+            <a:endParaRPr lang="pt-BR" sz="2800" dirty="0">
+              <a:solidFill>
+                <a:schemeClr val="bg2"/>
+              </a:solidFill>
+              <a:latin typeface="+mj-lt"/>
+            </a:endParaRPr>
+          </a:p>
+          <a:p>
+            <a:pPr marL="0" indent="0" algn="ctr">
+              <a:buNone/>
+            </a:pPr>
             <a:r>
               <a:rPr lang="pt-BR" sz="4000" dirty="0">
                 <a:solidFill>
@@ -50131,7 +49918,7 @@
       </p:grpSpPr>
       <p:pic>
         <p:nvPicPr>
-          <p:cNvPr id="20" name="Picture Placeholder 19" descr="Abstract background&#10;">
+          <p:cNvPr id="20" name="Picture Placeholder 19">
             <a:extLst>
               <a:ext uri="{FF2B5EF4-FFF2-40B4-BE49-F238E27FC236}">
                 <a16:creationId xmlns:a16="http://schemas.microsoft.com/office/drawing/2014/main" id="{3330B498-1497-4DA8-99F4-8F8159B24FF9}"/>
@@ -50146,22 +49933,15 @@
           </p:nvPr>
         </p:nvPicPr>
         <p:blipFill>
-          <a:blip r:embed="rId2">
-            <a:extLst>
-              <a:ext uri="{28A0092B-C50C-407E-A947-70E740481C1C}">
-                <a14:useLocalDpi xmlns:a14="http://schemas.microsoft.com/office/drawing/2010/main" val="0"/>
-              </a:ext>
-            </a:extLst>
-          </a:blip>
-          <a:srcRect/>
+          <a:blip r:embed="rId2"/>
           <a:stretch>
             <a:fillRect/>
           </a:stretch>
         </p:blipFill>
         <p:spPr>
           <a:xfrm>
-            <a:off x="1017802" y="1472184"/>
-            <a:ext cx="3246204" cy="5385816"/>
+            <a:off x="1017802" y="1730439"/>
+            <a:ext cx="3246204" cy="4869306"/>
           </a:xfrm>
         </p:spPr>
       </p:pic>
@@ -50465,7 +50245,7 @@
       </p:grpSpPr>
       <p:pic>
         <p:nvPicPr>
-          <p:cNvPr id="20" name="Picture Placeholder 19" descr="Abstract background&#10;">
+          <p:cNvPr id="20" name="Picture Placeholder 19">
             <a:extLst>
               <a:ext uri="{FF2B5EF4-FFF2-40B4-BE49-F238E27FC236}">
                 <a16:creationId xmlns:a16="http://schemas.microsoft.com/office/drawing/2014/main" id="{3330B498-1497-4DA8-99F4-8F8159B24FF9}"/>
@@ -50480,22 +50260,15 @@
           </p:nvPr>
         </p:nvPicPr>
         <p:blipFill>
-          <a:blip r:embed="rId2">
-            <a:extLst>
-              <a:ext uri="{28A0092B-C50C-407E-A947-70E740481C1C}">
-                <a14:useLocalDpi xmlns:a14="http://schemas.microsoft.com/office/drawing/2010/main" val="0"/>
-              </a:ext>
-            </a:extLst>
-          </a:blip>
-          <a:srcRect/>
+          <a:blip r:embed="rId2"/>
           <a:stretch>
             <a:fillRect/>
           </a:stretch>
         </p:blipFill>
         <p:spPr>
           <a:xfrm>
-            <a:off x="1017802" y="1472184"/>
-            <a:ext cx="3246204" cy="5385816"/>
+            <a:off x="1017802" y="1930140"/>
+            <a:ext cx="3246204" cy="4469903"/>
           </a:xfrm>
         </p:spPr>
       </p:pic>

--- a/Pitch.pptx
+++ b/Pitch.pptx
@@ -5,10 +5,10 @@
     <p:sldMasterId id="2147483648" r:id="rId1"/>
   </p:sldMasterIdLst>
   <p:notesMasterIdLst>
-    <p:notesMasterId r:id="rId16"/>
+    <p:notesMasterId r:id="rId20"/>
   </p:notesMasterIdLst>
   <p:handoutMasterIdLst>
-    <p:handoutMasterId r:id="rId17"/>
+    <p:handoutMasterId r:id="rId21"/>
   </p:handoutMasterIdLst>
   <p:sldIdLst>
     <p:sldId id="256" r:id="rId2"/>
@@ -18,13 +18,17 @@
     <p:sldId id="260" r:id="rId6"/>
     <p:sldId id="285" r:id="rId7"/>
     <p:sldId id="286" r:id="rId8"/>
-    <p:sldId id="259" r:id="rId9"/>
-    <p:sldId id="284" r:id="rId10"/>
-    <p:sldId id="267" r:id="rId11"/>
-    <p:sldId id="283" r:id="rId12"/>
-    <p:sldId id="265" r:id="rId13"/>
-    <p:sldId id="276" r:id="rId14"/>
-    <p:sldId id="277" r:id="rId15"/>
+    <p:sldId id="288" r:id="rId9"/>
+    <p:sldId id="289" r:id="rId10"/>
+    <p:sldId id="287" r:id="rId11"/>
+    <p:sldId id="290" r:id="rId12"/>
+    <p:sldId id="291" r:id="rId13"/>
+    <p:sldId id="284" r:id="rId14"/>
+    <p:sldId id="267" r:id="rId15"/>
+    <p:sldId id="283" r:id="rId16"/>
+    <p:sldId id="265" r:id="rId17"/>
+    <p:sldId id="276" r:id="rId18"/>
+    <p:sldId id="277" r:id="rId19"/>
   </p:sldIdLst>
   <p:sldSz cx="12192000" cy="6858000"/>
   <p:notesSz cx="6858000" cy="9144000"/>
@@ -43898,10 +43902,10 @@
       </p:grpSpPr>
       <p:sp>
         <p:nvSpPr>
-          <p:cNvPr id="5" name="Title 4">
-            <a:extLst>
-              <a:ext uri="{FF2B5EF4-FFF2-40B4-BE49-F238E27FC236}">
-                <a16:creationId xmlns:a16="http://schemas.microsoft.com/office/drawing/2014/main" id="{CAA634A5-7FE6-42E8-939A-FEBD82600891}"/>
+          <p:cNvPr id="2" name="Title 1">
+            <a:extLst>
+              <a:ext uri="{FF2B5EF4-FFF2-40B4-BE49-F238E27FC236}">
+                <a16:creationId xmlns:a16="http://schemas.microsoft.com/office/drawing/2014/main" id="{B0406C22-D0C4-4D8E-86F7-1A902F1CA7AB}"/>
               </a:ext>
             </a:extLst>
           </p:cNvPr>
@@ -43912,14 +43916,20 @@
             <p:ph type="title"/>
           </p:nvPr>
         </p:nvSpPr>
-        <p:spPr/>
+        <p:spPr>
+          <a:xfrm>
+            <a:off x="203083" y="899132"/>
+            <a:ext cx="5021940" cy="804338"/>
+          </a:xfrm>
+        </p:spPr>
         <p:txBody>
           <a:bodyPr/>
           <a:lstStyle/>
           <a:p>
+            <a:pPr algn="ctr"/>
             <a:r>
               <a:rPr lang="en-US" dirty="0"/>
-              <a:t>SEGMENTO</a:t>
+              <a:t>Gameplay do Jogo</a:t>
             </a:r>
             <a:endParaRPr lang="ru-RU" dirty="0"/>
           </a:p>
@@ -43927,10 +43937,10 @@
       </p:sp>
       <p:sp>
         <p:nvSpPr>
-          <p:cNvPr id="9" name="Text Placeholder 8">
-            <a:extLst>
-              <a:ext uri="{FF2B5EF4-FFF2-40B4-BE49-F238E27FC236}">
-                <a16:creationId xmlns:a16="http://schemas.microsoft.com/office/drawing/2014/main" id="{8E71FA33-E828-4801-B104-D9EE37E432DE}"/>
+          <p:cNvPr id="7" name="Text Placeholder 6">
+            <a:extLst>
+              <a:ext uri="{FF2B5EF4-FFF2-40B4-BE49-F238E27FC236}">
+                <a16:creationId xmlns:a16="http://schemas.microsoft.com/office/drawing/2014/main" id="{1EBE5B37-5B62-411B-BD45-E04DD958A3F9}"/>
               </a:ext>
             </a:extLst>
           </p:cNvPr>
@@ -43938,237 +43948,88 @@
             <a:spLocks noGrp="1"/>
           </p:cNvSpPr>
           <p:nvPr>
-            <p:ph type="body" idx="29"/>
+            <p:ph type="body" idx="14"/>
           </p:nvPr>
         </p:nvSpPr>
-        <p:spPr/>
-        <p:txBody>
-          <a:bodyPr>
-            <a:noAutofit/>
-          </a:bodyPr>
-          <a:lstStyle/>
-          <a:p>
-            <a:r>
-              <a:rPr lang="en-US" sz="2800" dirty="0"/>
-              <a:t>PLATAFORMA</a:t>
-            </a:r>
-            <a:endParaRPr lang="ru-RU" sz="2800" dirty="0"/>
-          </a:p>
-        </p:txBody>
-      </p:sp>
-      <p:sp>
-        <p:nvSpPr>
-          <p:cNvPr id="8" name="Text Placeholder 7">
-            <a:extLst>
-              <a:ext uri="{FF2B5EF4-FFF2-40B4-BE49-F238E27FC236}">
-                <a16:creationId xmlns:a16="http://schemas.microsoft.com/office/drawing/2014/main" id="{99DFBDB4-30C1-4168-A5E2-42A184496F62}"/>
-              </a:ext>
-            </a:extLst>
-          </p:cNvPr>
-          <p:cNvSpPr>
-            <a:spLocks noGrp="1"/>
-          </p:cNvSpPr>
-          <p:nvPr>
-            <p:ph type="body" idx="27"/>
-          </p:nvPr>
-        </p:nvSpPr>
-        <p:spPr/>
+        <p:spPr>
+          <a:xfrm>
+            <a:off x="-97014" y="2218376"/>
+            <a:ext cx="5622133" cy="4829852"/>
+          </a:xfrm>
+        </p:spPr>
         <p:txBody>
           <a:bodyPr>
             <a:normAutofit/>
           </a:bodyPr>
           <a:lstStyle/>
           <a:p>
-            <a:r>
-              <a:rPr lang="en-US" sz="2400" b="1" dirty="0">
-                <a:solidFill>
-                  <a:srgbClr val="01ACAD"/>
-                </a:solidFill>
+            <a:pPr marL="0" indent="0" algn="ctr">
+              <a:buNone/>
+            </a:pPr>
+            <a:r>
+              <a:rPr lang="pt-BR" sz="2800" dirty="0" err="1">
+                <a:solidFill>
+                  <a:schemeClr val="bg2"/>
+                </a:solidFill>
+                <a:latin typeface="+mj-lt"/>
               </a:rPr>
-              <a:t> PC</a:t>
-            </a:r>
-          </a:p>
-          <a:p>
-            <a:r>
-              <a:rPr lang="en-US" sz="2400" b="1" dirty="0">
-                <a:solidFill>
-                  <a:srgbClr val="01ACAD"/>
-                </a:solidFill>
-              </a:rPr>
-              <a:t> </a:t>
-            </a:r>
-            <a:r>
-              <a:rPr lang="en-US" sz="2400" b="1" dirty="0" err="1">
-                <a:solidFill>
-                  <a:srgbClr val="01ACAD"/>
-                </a:solidFill>
-              </a:rPr>
-              <a:t>Usuários</a:t>
-            </a:r>
-            <a:r>
-              <a:rPr lang="en-US" sz="2400" b="1" dirty="0">
-                <a:solidFill>
-                  <a:srgbClr val="01ACAD"/>
-                </a:solidFill>
-              </a:rPr>
-              <a:t> de </a:t>
-            </a:r>
-            <a:r>
-              <a:rPr lang="en-US" sz="2400" b="1" dirty="0" err="1">
-                <a:solidFill>
-                  <a:srgbClr val="01ACAD"/>
-                </a:solidFill>
-              </a:rPr>
-              <a:t>dispositivos</a:t>
-            </a:r>
-            <a:r>
-              <a:rPr lang="en-US" sz="2400" b="1" dirty="0">
-                <a:solidFill>
-                  <a:srgbClr val="01ACAD"/>
-                </a:solidFill>
-              </a:rPr>
-              <a:t> android</a:t>
-            </a:r>
-          </a:p>
-          <a:p>
-            <a:pPr marL="0" indent="0">
+              <a:t>Screenshot</a:t>
+            </a:r>
+            <a:endParaRPr lang="pt-BR" sz="2800" dirty="0">
+              <a:solidFill>
+                <a:schemeClr val="bg2"/>
+              </a:solidFill>
+              <a:latin typeface="+mj-lt"/>
+            </a:endParaRPr>
+          </a:p>
+          <a:p>
+            <a:pPr marL="0" indent="0" algn="ctr">
               <a:buNone/>
             </a:pPr>
-            <a:endParaRPr lang="ru-RU" dirty="0"/>
-          </a:p>
-        </p:txBody>
-      </p:sp>
-      <p:sp>
-        <p:nvSpPr>
-          <p:cNvPr id="11" name="Text Placeholder 10">
-            <a:extLst>
-              <a:ext uri="{FF2B5EF4-FFF2-40B4-BE49-F238E27FC236}">
-                <a16:creationId xmlns:a16="http://schemas.microsoft.com/office/drawing/2014/main" id="{FCE7D97E-00B7-4F79-BFF8-2D7EDFAE5F02}"/>
-              </a:ext>
-            </a:extLst>
-          </p:cNvPr>
-          <p:cNvSpPr>
-            <a:spLocks noGrp="1"/>
-          </p:cNvSpPr>
+            <a:endParaRPr lang="pt-BR" sz="2800" dirty="0">
+              <a:solidFill>
+                <a:schemeClr val="bg2"/>
+              </a:solidFill>
+              <a:latin typeface="+mj-lt"/>
+            </a:endParaRPr>
+          </a:p>
+        </p:txBody>
+      </p:sp>
+      <p:pic>
+        <p:nvPicPr>
+          <p:cNvPr id="18" name="Picture Placeholder 17">
+            <a:extLst>
+              <a:ext uri="{FF2B5EF4-FFF2-40B4-BE49-F238E27FC236}">
+                <a16:creationId xmlns:a16="http://schemas.microsoft.com/office/drawing/2014/main" id="{FA9DAA9F-5926-4BC1-8F7B-06E0B1C2F013}"/>
+              </a:ext>
+            </a:extLst>
+          </p:cNvPr>
+          <p:cNvPicPr>
+            <a:picLocks noGrp="1" noChangeAspect="1"/>
+          </p:cNvPicPr>
           <p:nvPr>
-            <p:ph type="body" idx="31"/>
+            <p:ph type="pic" sz="quarter" idx="15"/>
           </p:nvPr>
-        </p:nvSpPr>
-        <p:spPr/>
-        <p:txBody>
-          <a:bodyPr>
-            <a:noAutofit/>
-          </a:bodyPr>
-          <a:lstStyle/>
-          <a:p>
-            <a:r>
-              <a:rPr lang="en-US" sz="2800" dirty="0"/>
-              <a:t>PÚBLICO</a:t>
-            </a:r>
-            <a:endParaRPr lang="ru-RU" sz="2800" dirty="0"/>
-          </a:p>
-        </p:txBody>
-      </p:sp>
-      <p:sp>
-        <p:nvSpPr>
-          <p:cNvPr id="10" name="Text Placeholder 9">
-            <a:extLst>
-              <a:ext uri="{FF2B5EF4-FFF2-40B4-BE49-F238E27FC236}">
-                <a16:creationId xmlns:a16="http://schemas.microsoft.com/office/drawing/2014/main" id="{80D2D95B-77BF-49F5-AFBD-07FDD7C43B82}"/>
-              </a:ext>
-            </a:extLst>
-          </p:cNvPr>
-          <p:cNvSpPr>
-            <a:spLocks noGrp="1"/>
-          </p:cNvSpPr>
-          <p:nvPr>
-            <p:ph type="body" idx="30"/>
-          </p:nvPr>
-        </p:nvSpPr>
-        <p:spPr>
-          <a:xfrm>
-            <a:off x="6098826" y="3335524"/>
-            <a:ext cx="5311245" cy="2248846"/>
-          </a:xfrm>
-        </p:spPr>
-        <p:txBody>
-          <a:bodyPr>
-            <a:normAutofit/>
-          </a:bodyPr>
-          <a:lstStyle/>
-          <a:p>
-            <a:r>
-              <a:rPr lang="en-US" sz="2400" b="1" dirty="0">
-                <a:solidFill>
-                  <a:schemeClr val="tx1"/>
-                </a:solidFill>
-              </a:rPr>
-              <a:t> </a:t>
-            </a:r>
-            <a:r>
-              <a:rPr lang="en-US" sz="2400" b="1" dirty="0" err="1">
-                <a:solidFill>
-                  <a:schemeClr val="tx1"/>
-                </a:solidFill>
-              </a:rPr>
-              <a:t>Jovens</a:t>
-            </a:r>
-            <a:r>
-              <a:rPr lang="en-US" sz="2400" b="1" dirty="0">
-                <a:solidFill>
-                  <a:schemeClr val="tx1"/>
-                </a:solidFill>
-              </a:rPr>
-              <a:t> e </a:t>
-            </a:r>
-            <a:r>
-              <a:rPr lang="en-US" sz="2400" b="1" dirty="0" err="1">
-                <a:solidFill>
-                  <a:schemeClr val="tx1"/>
-                </a:solidFill>
-              </a:rPr>
-              <a:t>adultos</a:t>
-            </a:r>
-            <a:endParaRPr lang="en-US" sz="2400" b="1" dirty="0">
-              <a:solidFill>
-                <a:schemeClr val="tx1"/>
-              </a:solidFill>
-            </a:endParaRPr>
-          </a:p>
-          <a:p>
-            <a:r>
-              <a:rPr lang="en-US" sz="2400" b="1" dirty="0">
-                <a:solidFill>
-                  <a:schemeClr val="tx1"/>
-                </a:solidFill>
-              </a:rPr>
-              <a:t> Entre 12 e 35 </a:t>
-            </a:r>
-            <a:r>
-              <a:rPr lang="en-US" sz="2400" b="1" dirty="0" err="1">
-                <a:solidFill>
-                  <a:schemeClr val="tx1"/>
-                </a:solidFill>
-              </a:rPr>
-              <a:t>anos</a:t>
-            </a:r>
-            <a:r>
-              <a:rPr lang="en-US" sz="2400" b="1" dirty="0">
-                <a:solidFill>
-                  <a:schemeClr val="tx1"/>
-                </a:solidFill>
-              </a:rPr>
-              <a:t>.</a:t>
-            </a:r>
-          </a:p>
-        </p:txBody>
-      </p:sp>
-      <p:sp>
-        <p:nvSpPr>
-          <p:cNvPr id="4" name="Slide Number Placeholder 3">
-            <a:extLst>
-              <a:ext uri="{FF2B5EF4-FFF2-40B4-BE49-F238E27FC236}">
-                <a16:creationId xmlns:a16="http://schemas.microsoft.com/office/drawing/2014/main" id="{670F84A1-DCA9-4894-82EA-A83237ACA8B7}"/>
+        </p:nvPicPr>
+        <p:blipFill>
+          <a:blip r:embed="rId2"/>
+          <a:stretch>
+            <a:fillRect/>
+          </a:stretch>
+        </p:blipFill>
+        <p:spPr>
+          <a:xfrm>
+            <a:off x="5047046" y="340007"/>
+            <a:ext cx="6678646" cy="3756738"/>
+          </a:xfrm>
+        </p:spPr>
+      </p:pic>
+      <p:sp>
+        <p:nvSpPr>
+          <p:cNvPr id="5" name="Slide Number Placeholder 4">
+            <a:extLst>
+              <a:ext uri="{FF2B5EF4-FFF2-40B4-BE49-F238E27FC236}">
+                <a16:creationId xmlns:a16="http://schemas.microsoft.com/office/drawing/2014/main" id="{1C5328BF-D489-4F39-BA27-5AD38E9116D8}"/>
               </a:ext>
             </a:extLst>
           </p:cNvPr>
@@ -44186,86 +44047,31 @@
           <a:p>
             <a:fld id="{8D581BC7-E183-40DB-AC97-C19EA4EB8894}" type="slidenum">
               <a:rPr lang="ru-RU" smtClean="0"/>
+              <a:pPr/>
               <a:t>10</a:t>
             </a:fld>
             <a:endParaRPr lang="ru-RU" dirty="0"/>
           </a:p>
         </p:txBody>
       </p:sp>
-      <p:sp>
-        <p:nvSpPr>
-          <p:cNvPr id="3" name="Footer Placeholder 2">
-            <a:extLst>
-              <a:ext uri="{FF2B5EF4-FFF2-40B4-BE49-F238E27FC236}">
-                <a16:creationId xmlns:a16="http://schemas.microsoft.com/office/drawing/2014/main" id="{375E9DB8-C5FF-491C-87D4-2A6ED2915442}"/>
-              </a:ext>
-            </a:extLst>
-          </p:cNvPr>
-          <p:cNvSpPr>
-            <a:spLocks noGrp="1"/>
-          </p:cNvSpPr>
-          <p:nvPr>
-            <p:ph type="ftr" sz="quarter" idx="11"/>
-          </p:nvPr>
-        </p:nvSpPr>
-        <p:spPr/>
-        <p:txBody>
-          <a:bodyPr/>
-          <a:lstStyle/>
-          <a:p>
-            <a:r>
-              <a:rPr lang="en-US" dirty="0"/>
-              <a:t>ADD A FOOTER</a:t>
-            </a:r>
-            <a:endParaRPr lang="ru-RU" dirty="0"/>
-          </a:p>
-        </p:txBody>
-      </p:sp>
-      <p:sp>
-        <p:nvSpPr>
-          <p:cNvPr id="2" name="Date Placeholder 1">
-            <a:extLst>
-              <a:ext uri="{FF2B5EF4-FFF2-40B4-BE49-F238E27FC236}">
-                <a16:creationId xmlns:a16="http://schemas.microsoft.com/office/drawing/2014/main" id="{FC52B98C-5C1E-46B1-B54D-F830C622743A}"/>
-              </a:ext>
-            </a:extLst>
-          </p:cNvPr>
-          <p:cNvSpPr>
-            <a:spLocks noGrp="1"/>
-          </p:cNvSpPr>
-          <p:nvPr>
-            <p:ph type="dt" sz="half" idx="10"/>
-          </p:nvPr>
-        </p:nvSpPr>
-        <p:spPr/>
-        <p:txBody>
-          <a:bodyPr/>
-          <a:lstStyle/>
-          <a:p>
-            <a:r>
-              <a:rPr lang="en-US" dirty="0"/>
-              <a:t>MM.DD.20XX</a:t>
-            </a:r>
-            <a:endParaRPr lang="ru-RU" dirty="0"/>
-          </a:p>
-        </p:txBody>
-      </p:sp>
       <p:pic>
         <p:nvPicPr>
-          <p:cNvPr id="12" name="Espaço Reservado para Imagem 9">
-            <a:extLst>
-              <a:ext uri="{FF2B5EF4-FFF2-40B4-BE49-F238E27FC236}">
-                <a16:creationId xmlns:a16="http://schemas.microsoft.com/office/drawing/2014/main" id="{10DC1DC6-C93B-4735-B07E-59C751C1858F}"/>
+          <p:cNvPr id="11" name="Espaço Reservado para Imagem 9">
+            <a:extLst>
+              <a:ext uri="{FF2B5EF4-FFF2-40B4-BE49-F238E27FC236}">
+                <a16:creationId xmlns:a16="http://schemas.microsoft.com/office/drawing/2014/main" id="{ABF365D2-3D5D-48CB-99B0-A369EB174678}"/>
               </a:ext>
             </a:extLst>
           </p:cNvPr>
           <p:cNvPicPr>
-            <a:picLocks noChangeAspect="1"/>
+            <a:picLocks noGrp="1" noChangeAspect="1"/>
           </p:cNvPicPr>
-          <p:nvPr/>
+          <p:nvPr>
+            <p:ph type="pic" sz="quarter" idx="13"/>
+          </p:nvPr>
         </p:nvPicPr>
         <p:blipFill>
-          <a:blip r:embed="rId2"/>
+          <a:blip r:embed="rId3"/>
           <a:srcRect l="579" r="579"/>
           <a:stretch>
             <a:fillRect/>
@@ -44273,18 +44079,15 @@
         </p:blipFill>
         <p:spPr>
           <a:xfrm>
-            <a:off x="624155" y="329286"/>
-            <a:ext cx="663468" cy="537965"/>
-          </a:xfrm>
-          <a:prstGeom prst="rect">
-            <a:avLst/>
-          </a:prstGeom>
+            <a:off x="466308" y="174531"/>
+            <a:ext cx="624669" cy="506506"/>
+          </a:xfrm>
         </p:spPr>
       </p:pic>
     </p:spTree>
     <p:extLst>
       <p:ext uri="{BB962C8B-B14F-4D97-AF65-F5344CB8AC3E}">
-        <p14:creationId xmlns:p14="http://schemas.microsoft.com/office/powerpoint/2010/main" val="265098036"/>
+        <p14:creationId xmlns:p14="http://schemas.microsoft.com/office/powerpoint/2010/main" val="2367124586"/>
       </p:ext>
     </p:extLst>
   </p:cSld>
@@ -44313,10 +44116,10 @@
       </p:grpSpPr>
       <p:sp>
         <p:nvSpPr>
-          <p:cNvPr id="5" name="Title 4">
-            <a:extLst>
-              <a:ext uri="{FF2B5EF4-FFF2-40B4-BE49-F238E27FC236}">
-                <a16:creationId xmlns:a16="http://schemas.microsoft.com/office/drawing/2014/main" id="{CAA634A5-7FE6-42E8-939A-FEBD82600891}"/>
+          <p:cNvPr id="2" name="Title 1">
+            <a:extLst>
+              <a:ext uri="{FF2B5EF4-FFF2-40B4-BE49-F238E27FC236}">
+                <a16:creationId xmlns:a16="http://schemas.microsoft.com/office/drawing/2014/main" id="{B0406C22-D0C4-4D8E-86F7-1A902F1CA7AB}"/>
               </a:ext>
             </a:extLst>
           </p:cNvPr>
@@ -44327,14 +44130,20 @@
             <p:ph type="title"/>
           </p:nvPr>
         </p:nvSpPr>
-        <p:spPr/>
+        <p:spPr>
+          <a:xfrm>
+            <a:off x="203083" y="899132"/>
+            <a:ext cx="5021940" cy="804338"/>
+          </a:xfrm>
+        </p:spPr>
         <p:txBody>
           <a:bodyPr/>
           <a:lstStyle/>
           <a:p>
+            <a:pPr algn="ctr"/>
             <a:r>
               <a:rPr lang="en-US" dirty="0"/>
-              <a:t>SISTEMA SWOT</a:t>
+              <a:t>Gameplay do Jogo</a:t>
             </a:r>
             <a:endParaRPr lang="ru-RU" dirty="0"/>
           </a:p>
@@ -44342,10 +44151,10 @@
       </p:sp>
       <p:sp>
         <p:nvSpPr>
-          <p:cNvPr id="9" name="Text Placeholder 8">
-            <a:extLst>
-              <a:ext uri="{FF2B5EF4-FFF2-40B4-BE49-F238E27FC236}">
-                <a16:creationId xmlns:a16="http://schemas.microsoft.com/office/drawing/2014/main" id="{8E71FA33-E828-4801-B104-D9EE37E432DE}"/>
+          <p:cNvPr id="7" name="Text Placeholder 6">
+            <a:extLst>
+              <a:ext uri="{FF2B5EF4-FFF2-40B4-BE49-F238E27FC236}">
+                <a16:creationId xmlns:a16="http://schemas.microsoft.com/office/drawing/2014/main" id="{1EBE5B37-5B62-411B-BD45-E04DD958A3F9}"/>
               </a:ext>
             </a:extLst>
           </p:cNvPr>
@@ -44353,67 +44162,88 @@
             <a:spLocks noGrp="1"/>
           </p:cNvSpPr>
           <p:nvPr>
-            <p:ph type="body" idx="29"/>
+            <p:ph type="body" idx="14"/>
           </p:nvPr>
         </p:nvSpPr>
         <p:spPr>
           <a:xfrm>
-            <a:off x="778643" y="1534420"/>
-            <a:ext cx="2915732" cy="360000"/>
-          </a:xfrm>
-        </p:spPr>
-        <p:txBody>
-          <a:bodyPr/>
+            <a:off x="-97014" y="2218376"/>
+            <a:ext cx="5622133" cy="4829852"/>
+          </a:xfrm>
+        </p:spPr>
+        <p:txBody>
+          <a:bodyPr>
+            <a:normAutofit/>
+          </a:bodyPr>
           <a:lstStyle/>
           <a:p>
-            <a:r>
-              <a:rPr lang="en-US" dirty="0"/>
-              <a:t>FORÇAS</a:t>
-            </a:r>
-            <a:endParaRPr lang="ru-RU" dirty="0"/>
-          </a:p>
-        </p:txBody>
-      </p:sp>
-      <p:sp>
-        <p:nvSpPr>
-          <p:cNvPr id="11" name="Text Placeholder 10">
-            <a:extLst>
-              <a:ext uri="{FF2B5EF4-FFF2-40B4-BE49-F238E27FC236}">
-                <a16:creationId xmlns:a16="http://schemas.microsoft.com/office/drawing/2014/main" id="{FCE7D97E-00B7-4F79-BFF8-2D7EDFAE5F02}"/>
-              </a:ext>
-            </a:extLst>
-          </p:cNvPr>
-          <p:cNvSpPr>
-            <a:spLocks noGrp="1"/>
-          </p:cNvSpPr>
+            <a:pPr marL="0" indent="0" algn="ctr">
+              <a:buNone/>
+            </a:pPr>
+            <a:r>
+              <a:rPr lang="pt-BR" sz="2800" dirty="0" err="1">
+                <a:solidFill>
+                  <a:schemeClr val="bg2"/>
+                </a:solidFill>
+                <a:latin typeface="+mj-lt"/>
+              </a:rPr>
+              <a:t>Screenshot</a:t>
+            </a:r>
+            <a:endParaRPr lang="pt-BR" sz="2800" dirty="0">
+              <a:solidFill>
+                <a:schemeClr val="bg2"/>
+              </a:solidFill>
+              <a:latin typeface="+mj-lt"/>
+            </a:endParaRPr>
+          </a:p>
+          <a:p>
+            <a:pPr marL="0" indent="0" algn="ctr">
+              <a:buNone/>
+            </a:pPr>
+            <a:endParaRPr lang="pt-BR" sz="2800" dirty="0">
+              <a:solidFill>
+                <a:schemeClr val="bg2"/>
+              </a:solidFill>
+              <a:latin typeface="+mj-lt"/>
+            </a:endParaRPr>
+          </a:p>
+        </p:txBody>
+      </p:sp>
+      <p:pic>
+        <p:nvPicPr>
+          <p:cNvPr id="18" name="Picture Placeholder 17">
+            <a:extLst>
+              <a:ext uri="{FF2B5EF4-FFF2-40B4-BE49-F238E27FC236}">
+                <a16:creationId xmlns:a16="http://schemas.microsoft.com/office/drawing/2014/main" id="{FA9DAA9F-5926-4BC1-8F7B-06E0B1C2F013}"/>
+              </a:ext>
+            </a:extLst>
+          </p:cNvPr>
+          <p:cNvPicPr>
+            <a:picLocks noGrp="1" noChangeAspect="1"/>
+          </p:cNvPicPr>
           <p:nvPr>
-            <p:ph type="body" idx="31"/>
+            <p:ph type="pic" sz="quarter" idx="15"/>
           </p:nvPr>
-        </p:nvSpPr>
-        <p:spPr>
-          <a:xfrm>
-            <a:off x="6831653" y="1543851"/>
-            <a:ext cx="2915732" cy="360000"/>
-          </a:xfrm>
-        </p:spPr>
-        <p:txBody>
-          <a:bodyPr/>
-          <a:lstStyle/>
-          <a:p>
-            <a:r>
-              <a:rPr lang="en-US" dirty="0"/>
-              <a:t>FRAQUEZAS</a:t>
-            </a:r>
-            <a:endParaRPr lang="ru-RU" dirty="0"/>
-          </a:p>
-        </p:txBody>
-      </p:sp>
-      <p:sp>
-        <p:nvSpPr>
-          <p:cNvPr id="4" name="Slide Number Placeholder 3">
-            <a:extLst>
-              <a:ext uri="{FF2B5EF4-FFF2-40B4-BE49-F238E27FC236}">
-                <a16:creationId xmlns:a16="http://schemas.microsoft.com/office/drawing/2014/main" id="{670F84A1-DCA9-4894-82EA-A83237ACA8B7}"/>
+        </p:nvPicPr>
+        <p:blipFill>
+          <a:blip r:embed="rId2"/>
+          <a:stretch>
+            <a:fillRect/>
+          </a:stretch>
+        </p:blipFill>
+        <p:spPr>
+          <a:xfrm>
+            <a:off x="5047046" y="340007"/>
+            <a:ext cx="6678645" cy="3756738"/>
+          </a:xfrm>
+        </p:spPr>
+      </p:pic>
+      <p:sp>
+        <p:nvSpPr>
+          <p:cNvPr id="5" name="Slide Number Placeholder 4">
+            <a:extLst>
+              <a:ext uri="{FF2B5EF4-FFF2-40B4-BE49-F238E27FC236}">
+                <a16:creationId xmlns:a16="http://schemas.microsoft.com/office/drawing/2014/main" id="{1C5328BF-D489-4F39-BA27-5AD38E9116D8}"/>
               </a:ext>
             </a:extLst>
           </p:cNvPr>
@@ -44431,86 +44261,31 @@
           <a:p>
             <a:fld id="{8D581BC7-E183-40DB-AC97-C19EA4EB8894}" type="slidenum">
               <a:rPr lang="ru-RU" smtClean="0"/>
+              <a:pPr/>
               <a:t>11</a:t>
             </a:fld>
             <a:endParaRPr lang="ru-RU" dirty="0"/>
           </a:p>
         </p:txBody>
       </p:sp>
-      <p:sp>
-        <p:nvSpPr>
-          <p:cNvPr id="3" name="Footer Placeholder 2">
-            <a:extLst>
-              <a:ext uri="{FF2B5EF4-FFF2-40B4-BE49-F238E27FC236}">
-                <a16:creationId xmlns:a16="http://schemas.microsoft.com/office/drawing/2014/main" id="{375E9DB8-C5FF-491C-87D4-2A6ED2915442}"/>
-              </a:ext>
-            </a:extLst>
-          </p:cNvPr>
-          <p:cNvSpPr>
-            <a:spLocks noGrp="1"/>
-          </p:cNvSpPr>
-          <p:nvPr>
-            <p:ph type="ftr" sz="quarter" idx="11"/>
-          </p:nvPr>
-        </p:nvSpPr>
-        <p:spPr/>
-        <p:txBody>
-          <a:bodyPr/>
-          <a:lstStyle/>
-          <a:p>
-            <a:r>
-              <a:rPr lang="en-US" dirty="0"/>
-              <a:t>ADD A FOOTER</a:t>
-            </a:r>
-            <a:endParaRPr lang="ru-RU" dirty="0"/>
-          </a:p>
-        </p:txBody>
-      </p:sp>
-      <p:sp>
-        <p:nvSpPr>
-          <p:cNvPr id="2" name="Date Placeholder 1">
-            <a:extLst>
-              <a:ext uri="{FF2B5EF4-FFF2-40B4-BE49-F238E27FC236}">
-                <a16:creationId xmlns:a16="http://schemas.microsoft.com/office/drawing/2014/main" id="{FC52B98C-5C1E-46B1-B54D-F830C622743A}"/>
-              </a:ext>
-            </a:extLst>
-          </p:cNvPr>
-          <p:cNvSpPr>
-            <a:spLocks noGrp="1"/>
-          </p:cNvSpPr>
-          <p:nvPr>
-            <p:ph type="dt" sz="half" idx="10"/>
-          </p:nvPr>
-        </p:nvSpPr>
-        <p:spPr/>
-        <p:txBody>
-          <a:bodyPr/>
-          <a:lstStyle/>
-          <a:p>
-            <a:r>
-              <a:rPr lang="en-US" dirty="0"/>
-              <a:t>MM.DD.20XX</a:t>
-            </a:r>
-            <a:endParaRPr lang="ru-RU" dirty="0"/>
-          </a:p>
-        </p:txBody>
-      </p:sp>
       <p:pic>
         <p:nvPicPr>
-          <p:cNvPr id="12" name="Espaço Reservado para Imagem 9">
-            <a:extLst>
-              <a:ext uri="{FF2B5EF4-FFF2-40B4-BE49-F238E27FC236}">
-                <a16:creationId xmlns:a16="http://schemas.microsoft.com/office/drawing/2014/main" id="{10DC1DC6-C93B-4735-B07E-59C751C1858F}"/>
+          <p:cNvPr id="11" name="Espaço Reservado para Imagem 9">
+            <a:extLst>
+              <a:ext uri="{FF2B5EF4-FFF2-40B4-BE49-F238E27FC236}">
+                <a16:creationId xmlns:a16="http://schemas.microsoft.com/office/drawing/2014/main" id="{ABF365D2-3D5D-48CB-99B0-A369EB174678}"/>
               </a:ext>
             </a:extLst>
           </p:cNvPr>
           <p:cNvPicPr>
-            <a:picLocks noChangeAspect="1"/>
+            <a:picLocks noGrp="1" noChangeAspect="1"/>
           </p:cNvPicPr>
-          <p:nvPr/>
+          <p:nvPr>
+            <p:ph type="pic" sz="quarter" idx="13"/>
+          </p:nvPr>
         </p:nvPicPr>
         <p:blipFill>
-          <a:blip r:embed="rId2"/>
+          <a:blip r:embed="rId3"/>
           <a:srcRect l="579" r="579"/>
           <a:stretch>
             <a:fillRect/>
@@ -44518,1404 +44293,15 @@
         </p:blipFill>
         <p:spPr>
           <a:xfrm>
-            <a:off x="624155" y="329286"/>
-            <a:ext cx="663468" cy="537965"/>
-          </a:xfrm>
-          <a:prstGeom prst="rect">
-            <a:avLst/>
-          </a:prstGeom>
+            <a:off x="466308" y="174531"/>
+            <a:ext cx="624669" cy="506506"/>
+          </a:xfrm>
         </p:spPr>
       </p:pic>
-      <p:sp>
-        <p:nvSpPr>
-          <p:cNvPr id="13" name="Text Placeholder 10">
-            <a:extLst>
-              <a:ext uri="{FF2B5EF4-FFF2-40B4-BE49-F238E27FC236}">
-                <a16:creationId xmlns:a16="http://schemas.microsoft.com/office/drawing/2014/main" id="{3C67AC92-9769-4345-9332-C9B5BD62C362}"/>
-              </a:ext>
-            </a:extLst>
-          </p:cNvPr>
-          <p:cNvSpPr txBox="1">
-            <a:spLocks/>
-          </p:cNvSpPr>
-          <p:nvPr/>
-        </p:nvSpPr>
-        <p:spPr>
-          <a:xfrm>
-            <a:off x="757047" y="3613428"/>
-            <a:ext cx="2915732" cy="360000"/>
-          </a:xfrm>
-          <a:prstGeom prst="rect">
-            <a:avLst/>
-          </a:prstGeom>
-        </p:spPr>
-        <p:txBody>
-          <a:bodyPr vert="horz" lIns="0" tIns="0" rIns="0" bIns="0" rtlCol="0" anchor="b" anchorCtr="0">
-            <a:normAutofit/>
-          </a:bodyPr>
-          <a:lstStyle>
-            <a:lvl1pPr marL="0" indent="0" algn="l" defTabSz="914400" rtl="0" eaLnBrk="1" latinLnBrk="0" hangingPunct="1">
-              <a:lnSpc>
-                <a:spcPct val="90000"/>
-              </a:lnSpc>
-              <a:spcBef>
-                <a:spcPts val="600"/>
-              </a:spcBef>
-              <a:buClr>
-                <a:schemeClr val="tx1"/>
-              </a:buClr>
-              <a:buFont typeface="Courier New" panose="02070309020205020404" pitchFamily="49" charset="0"/>
-              <a:buNone/>
-              <a:defRPr sz="2000" b="1" kern="1200">
-                <a:solidFill>
-                  <a:schemeClr val="bg2"/>
-                </a:solidFill>
-                <a:latin typeface="+mj-lt"/>
-                <a:ea typeface="+mn-ea"/>
-                <a:cs typeface="+mn-cs"/>
-              </a:defRPr>
-            </a:lvl1pPr>
-            <a:lvl2pPr marL="457200" indent="0" algn="l" defTabSz="914400" rtl="0" eaLnBrk="1" latinLnBrk="0" hangingPunct="1">
-              <a:lnSpc>
-                <a:spcPct val="90000"/>
-              </a:lnSpc>
-              <a:spcBef>
-                <a:spcPts val="500"/>
-              </a:spcBef>
-              <a:buFont typeface="Arial" panose="020B0604020202020204" pitchFamily="34" charset="0"/>
-              <a:buNone/>
-              <a:defRPr sz="2000" kern="1200">
-                <a:solidFill>
-                  <a:schemeClr val="tx1">
-                    <a:tint val="75000"/>
-                  </a:schemeClr>
-                </a:solidFill>
-                <a:latin typeface="+mn-lt"/>
-                <a:ea typeface="+mn-ea"/>
-                <a:cs typeface="+mn-cs"/>
-              </a:defRPr>
-            </a:lvl2pPr>
-            <a:lvl3pPr marL="914400" indent="0" algn="l" defTabSz="914400" rtl="0" eaLnBrk="1" latinLnBrk="0" hangingPunct="1">
-              <a:lnSpc>
-                <a:spcPct val="90000"/>
-              </a:lnSpc>
-              <a:spcBef>
-                <a:spcPts val="500"/>
-              </a:spcBef>
-              <a:buFont typeface="Arial" panose="020B0604020202020204" pitchFamily="34" charset="0"/>
-              <a:buNone/>
-              <a:defRPr sz="1800" kern="1200">
-                <a:solidFill>
-                  <a:schemeClr val="tx1">
-                    <a:tint val="75000"/>
-                  </a:schemeClr>
-                </a:solidFill>
-                <a:latin typeface="+mn-lt"/>
-                <a:ea typeface="+mn-ea"/>
-                <a:cs typeface="+mn-cs"/>
-              </a:defRPr>
-            </a:lvl3pPr>
-            <a:lvl4pPr marL="1371600" indent="0" algn="l" defTabSz="914400" rtl="0" eaLnBrk="1" latinLnBrk="0" hangingPunct="1">
-              <a:lnSpc>
-                <a:spcPct val="90000"/>
-              </a:lnSpc>
-              <a:spcBef>
-                <a:spcPts val="500"/>
-              </a:spcBef>
-              <a:buFont typeface="Arial" panose="020B0604020202020204" pitchFamily="34" charset="0"/>
-              <a:buNone/>
-              <a:defRPr sz="1600" kern="1200">
-                <a:solidFill>
-                  <a:schemeClr val="tx1">
-                    <a:tint val="75000"/>
-                  </a:schemeClr>
-                </a:solidFill>
-                <a:latin typeface="+mn-lt"/>
-                <a:ea typeface="+mn-ea"/>
-                <a:cs typeface="+mn-cs"/>
-              </a:defRPr>
-            </a:lvl4pPr>
-            <a:lvl5pPr marL="1828800" indent="0" algn="l" defTabSz="914400" rtl="0" eaLnBrk="1" latinLnBrk="0" hangingPunct="1">
-              <a:lnSpc>
-                <a:spcPct val="90000"/>
-              </a:lnSpc>
-              <a:spcBef>
-                <a:spcPts val="500"/>
-              </a:spcBef>
-              <a:buFont typeface="Arial" panose="020B0604020202020204" pitchFamily="34" charset="0"/>
-              <a:buNone/>
-              <a:defRPr sz="1600" kern="1200">
-                <a:solidFill>
-                  <a:schemeClr val="tx1">
-                    <a:tint val="75000"/>
-                  </a:schemeClr>
-                </a:solidFill>
-                <a:latin typeface="+mn-lt"/>
-                <a:ea typeface="+mn-ea"/>
-                <a:cs typeface="+mn-cs"/>
-              </a:defRPr>
-            </a:lvl5pPr>
-            <a:lvl6pPr marL="2286000" indent="0" algn="l" defTabSz="914400" rtl="0" eaLnBrk="1" latinLnBrk="0" hangingPunct="1">
-              <a:lnSpc>
-                <a:spcPct val="90000"/>
-              </a:lnSpc>
-              <a:spcBef>
-                <a:spcPts val="500"/>
-              </a:spcBef>
-              <a:buFont typeface="Arial" panose="020B0604020202020204" pitchFamily="34" charset="0"/>
-              <a:buNone/>
-              <a:defRPr sz="1600" kern="1200">
-                <a:solidFill>
-                  <a:schemeClr val="tx1">
-                    <a:tint val="75000"/>
-                  </a:schemeClr>
-                </a:solidFill>
-                <a:latin typeface="+mn-lt"/>
-                <a:ea typeface="+mn-ea"/>
-                <a:cs typeface="+mn-cs"/>
-              </a:defRPr>
-            </a:lvl6pPr>
-            <a:lvl7pPr marL="2743200" indent="0" algn="l" defTabSz="914400" rtl="0" eaLnBrk="1" latinLnBrk="0" hangingPunct="1">
-              <a:lnSpc>
-                <a:spcPct val="90000"/>
-              </a:lnSpc>
-              <a:spcBef>
-                <a:spcPts val="500"/>
-              </a:spcBef>
-              <a:buFont typeface="Arial" panose="020B0604020202020204" pitchFamily="34" charset="0"/>
-              <a:buNone/>
-              <a:defRPr sz="1600" kern="1200">
-                <a:solidFill>
-                  <a:schemeClr val="tx1">
-                    <a:tint val="75000"/>
-                  </a:schemeClr>
-                </a:solidFill>
-                <a:latin typeface="+mn-lt"/>
-                <a:ea typeface="+mn-ea"/>
-                <a:cs typeface="+mn-cs"/>
-              </a:defRPr>
-            </a:lvl7pPr>
-            <a:lvl8pPr marL="3200400" indent="0" algn="l" defTabSz="914400" rtl="0" eaLnBrk="1" latinLnBrk="0" hangingPunct="1">
-              <a:lnSpc>
-                <a:spcPct val="90000"/>
-              </a:lnSpc>
-              <a:spcBef>
-                <a:spcPts val="500"/>
-              </a:spcBef>
-              <a:buFont typeface="Arial" panose="020B0604020202020204" pitchFamily="34" charset="0"/>
-              <a:buNone/>
-              <a:defRPr sz="1600" kern="1200">
-                <a:solidFill>
-                  <a:schemeClr val="tx1">
-                    <a:tint val="75000"/>
-                  </a:schemeClr>
-                </a:solidFill>
-                <a:latin typeface="+mn-lt"/>
-                <a:ea typeface="+mn-ea"/>
-                <a:cs typeface="+mn-cs"/>
-              </a:defRPr>
-            </a:lvl8pPr>
-            <a:lvl9pPr marL="3657600" indent="0" algn="l" defTabSz="914400" rtl="0" eaLnBrk="1" latinLnBrk="0" hangingPunct="1">
-              <a:lnSpc>
-                <a:spcPct val="90000"/>
-              </a:lnSpc>
-              <a:spcBef>
-                <a:spcPts val="500"/>
-              </a:spcBef>
-              <a:buFont typeface="Arial" panose="020B0604020202020204" pitchFamily="34" charset="0"/>
-              <a:buNone/>
-              <a:defRPr sz="1600" kern="1200">
-                <a:solidFill>
-                  <a:schemeClr val="tx1">
-                    <a:tint val="75000"/>
-                  </a:schemeClr>
-                </a:solidFill>
-                <a:latin typeface="+mn-lt"/>
-                <a:ea typeface="+mn-ea"/>
-                <a:cs typeface="+mn-cs"/>
-              </a:defRPr>
-            </a:lvl9pPr>
-          </a:lstStyle>
-          <a:p>
-            <a:r>
-              <a:rPr lang="en-US" dirty="0"/>
-              <a:t>OPORTUNIDADES</a:t>
-            </a:r>
-            <a:endParaRPr lang="ru-RU" dirty="0"/>
-          </a:p>
-        </p:txBody>
-      </p:sp>
-      <p:sp>
-        <p:nvSpPr>
-          <p:cNvPr id="15" name="Text Placeholder 10">
-            <a:extLst>
-              <a:ext uri="{FF2B5EF4-FFF2-40B4-BE49-F238E27FC236}">
-                <a16:creationId xmlns:a16="http://schemas.microsoft.com/office/drawing/2014/main" id="{D0DCF23D-0D17-4A6B-9628-93BCFAD82758}"/>
-              </a:ext>
-            </a:extLst>
-          </p:cNvPr>
-          <p:cNvSpPr txBox="1">
-            <a:spLocks/>
-          </p:cNvSpPr>
-          <p:nvPr/>
-        </p:nvSpPr>
-        <p:spPr>
-          <a:xfrm>
-            <a:off x="6831653" y="3663144"/>
-            <a:ext cx="2915732" cy="360000"/>
-          </a:xfrm>
-          <a:prstGeom prst="rect">
-            <a:avLst/>
-          </a:prstGeom>
-        </p:spPr>
-        <p:txBody>
-          <a:bodyPr vert="horz" lIns="0" tIns="0" rIns="0" bIns="0" rtlCol="0" anchor="b" anchorCtr="0">
-            <a:normAutofit/>
-          </a:bodyPr>
-          <a:lstStyle>
-            <a:lvl1pPr marL="0" indent="0" algn="l" defTabSz="914400" rtl="0" eaLnBrk="1" latinLnBrk="0" hangingPunct="1">
-              <a:lnSpc>
-                <a:spcPct val="90000"/>
-              </a:lnSpc>
-              <a:spcBef>
-                <a:spcPts val="600"/>
-              </a:spcBef>
-              <a:buClr>
-                <a:schemeClr val="tx1"/>
-              </a:buClr>
-              <a:buFont typeface="Courier New" panose="02070309020205020404" pitchFamily="49" charset="0"/>
-              <a:buNone/>
-              <a:defRPr sz="2000" b="1" kern="1200">
-                <a:solidFill>
-                  <a:schemeClr val="bg2"/>
-                </a:solidFill>
-                <a:latin typeface="+mj-lt"/>
-                <a:ea typeface="+mn-ea"/>
-                <a:cs typeface="+mn-cs"/>
-              </a:defRPr>
-            </a:lvl1pPr>
-            <a:lvl2pPr marL="457200" indent="0" algn="l" defTabSz="914400" rtl="0" eaLnBrk="1" latinLnBrk="0" hangingPunct="1">
-              <a:lnSpc>
-                <a:spcPct val="90000"/>
-              </a:lnSpc>
-              <a:spcBef>
-                <a:spcPts val="500"/>
-              </a:spcBef>
-              <a:buFont typeface="Arial" panose="020B0604020202020204" pitchFamily="34" charset="0"/>
-              <a:buNone/>
-              <a:defRPr sz="2000" kern="1200">
-                <a:solidFill>
-                  <a:schemeClr val="tx1">
-                    <a:tint val="75000"/>
-                  </a:schemeClr>
-                </a:solidFill>
-                <a:latin typeface="+mn-lt"/>
-                <a:ea typeface="+mn-ea"/>
-                <a:cs typeface="+mn-cs"/>
-              </a:defRPr>
-            </a:lvl2pPr>
-            <a:lvl3pPr marL="914400" indent="0" algn="l" defTabSz="914400" rtl="0" eaLnBrk="1" latinLnBrk="0" hangingPunct="1">
-              <a:lnSpc>
-                <a:spcPct val="90000"/>
-              </a:lnSpc>
-              <a:spcBef>
-                <a:spcPts val="500"/>
-              </a:spcBef>
-              <a:buFont typeface="Arial" panose="020B0604020202020204" pitchFamily="34" charset="0"/>
-              <a:buNone/>
-              <a:defRPr sz="1800" kern="1200">
-                <a:solidFill>
-                  <a:schemeClr val="tx1">
-                    <a:tint val="75000"/>
-                  </a:schemeClr>
-                </a:solidFill>
-                <a:latin typeface="+mn-lt"/>
-                <a:ea typeface="+mn-ea"/>
-                <a:cs typeface="+mn-cs"/>
-              </a:defRPr>
-            </a:lvl3pPr>
-            <a:lvl4pPr marL="1371600" indent="0" algn="l" defTabSz="914400" rtl="0" eaLnBrk="1" latinLnBrk="0" hangingPunct="1">
-              <a:lnSpc>
-                <a:spcPct val="90000"/>
-              </a:lnSpc>
-              <a:spcBef>
-                <a:spcPts val="500"/>
-              </a:spcBef>
-              <a:buFont typeface="Arial" panose="020B0604020202020204" pitchFamily="34" charset="0"/>
-              <a:buNone/>
-              <a:defRPr sz="1600" kern="1200">
-                <a:solidFill>
-                  <a:schemeClr val="tx1">
-                    <a:tint val="75000"/>
-                  </a:schemeClr>
-                </a:solidFill>
-                <a:latin typeface="+mn-lt"/>
-                <a:ea typeface="+mn-ea"/>
-                <a:cs typeface="+mn-cs"/>
-              </a:defRPr>
-            </a:lvl4pPr>
-            <a:lvl5pPr marL="1828800" indent="0" algn="l" defTabSz="914400" rtl="0" eaLnBrk="1" latinLnBrk="0" hangingPunct="1">
-              <a:lnSpc>
-                <a:spcPct val="90000"/>
-              </a:lnSpc>
-              <a:spcBef>
-                <a:spcPts val="500"/>
-              </a:spcBef>
-              <a:buFont typeface="Arial" panose="020B0604020202020204" pitchFamily="34" charset="0"/>
-              <a:buNone/>
-              <a:defRPr sz="1600" kern="1200">
-                <a:solidFill>
-                  <a:schemeClr val="tx1">
-                    <a:tint val="75000"/>
-                  </a:schemeClr>
-                </a:solidFill>
-                <a:latin typeface="+mn-lt"/>
-                <a:ea typeface="+mn-ea"/>
-                <a:cs typeface="+mn-cs"/>
-              </a:defRPr>
-            </a:lvl5pPr>
-            <a:lvl6pPr marL="2286000" indent="0" algn="l" defTabSz="914400" rtl="0" eaLnBrk="1" latinLnBrk="0" hangingPunct="1">
-              <a:lnSpc>
-                <a:spcPct val="90000"/>
-              </a:lnSpc>
-              <a:spcBef>
-                <a:spcPts val="500"/>
-              </a:spcBef>
-              <a:buFont typeface="Arial" panose="020B0604020202020204" pitchFamily="34" charset="0"/>
-              <a:buNone/>
-              <a:defRPr sz="1600" kern="1200">
-                <a:solidFill>
-                  <a:schemeClr val="tx1">
-                    <a:tint val="75000"/>
-                  </a:schemeClr>
-                </a:solidFill>
-                <a:latin typeface="+mn-lt"/>
-                <a:ea typeface="+mn-ea"/>
-                <a:cs typeface="+mn-cs"/>
-              </a:defRPr>
-            </a:lvl6pPr>
-            <a:lvl7pPr marL="2743200" indent="0" algn="l" defTabSz="914400" rtl="0" eaLnBrk="1" latinLnBrk="0" hangingPunct="1">
-              <a:lnSpc>
-                <a:spcPct val="90000"/>
-              </a:lnSpc>
-              <a:spcBef>
-                <a:spcPts val="500"/>
-              </a:spcBef>
-              <a:buFont typeface="Arial" panose="020B0604020202020204" pitchFamily="34" charset="0"/>
-              <a:buNone/>
-              <a:defRPr sz="1600" kern="1200">
-                <a:solidFill>
-                  <a:schemeClr val="tx1">
-                    <a:tint val="75000"/>
-                  </a:schemeClr>
-                </a:solidFill>
-                <a:latin typeface="+mn-lt"/>
-                <a:ea typeface="+mn-ea"/>
-                <a:cs typeface="+mn-cs"/>
-              </a:defRPr>
-            </a:lvl7pPr>
-            <a:lvl8pPr marL="3200400" indent="0" algn="l" defTabSz="914400" rtl="0" eaLnBrk="1" latinLnBrk="0" hangingPunct="1">
-              <a:lnSpc>
-                <a:spcPct val="90000"/>
-              </a:lnSpc>
-              <a:spcBef>
-                <a:spcPts val="500"/>
-              </a:spcBef>
-              <a:buFont typeface="Arial" panose="020B0604020202020204" pitchFamily="34" charset="0"/>
-              <a:buNone/>
-              <a:defRPr sz="1600" kern="1200">
-                <a:solidFill>
-                  <a:schemeClr val="tx1">
-                    <a:tint val="75000"/>
-                  </a:schemeClr>
-                </a:solidFill>
-                <a:latin typeface="+mn-lt"/>
-                <a:ea typeface="+mn-ea"/>
-                <a:cs typeface="+mn-cs"/>
-              </a:defRPr>
-            </a:lvl8pPr>
-            <a:lvl9pPr marL="3657600" indent="0" algn="l" defTabSz="914400" rtl="0" eaLnBrk="1" latinLnBrk="0" hangingPunct="1">
-              <a:lnSpc>
-                <a:spcPct val="90000"/>
-              </a:lnSpc>
-              <a:spcBef>
-                <a:spcPts val="500"/>
-              </a:spcBef>
-              <a:buFont typeface="Arial" panose="020B0604020202020204" pitchFamily="34" charset="0"/>
-              <a:buNone/>
-              <a:defRPr sz="1600" kern="1200">
-                <a:solidFill>
-                  <a:schemeClr val="tx1">
-                    <a:tint val="75000"/>
-                  </a:schemeClr>
-                </a:solidFill>
-                <a:latin typeface="+mn-lt"/>
-                <a:ea typeface="+mn-ea"/>
-                <a:cs typeface="+mn-cs"/>
-              </a:defRPr>
-            </a:lvl9pPr>
-          </a:lstStyle>
-          <a:p>
-            <a:r>
-              <a:rPr lang="en-US" dirty="0"/>
-              <a:t>AMEAÇAS</a:t>
-            </a:r>
-            <a:endParaRPr lang="ru-RU" dirty="0"/>
-          </a:p>
-        </p:txBody>
-      </p:sp>
-      <p:sp>
-        <p:nvSpPr>
-          <p:cNvPr id="7" name="Retângulo: Cantos Arredondados 6">
-            <a:extLst>
-              <a:ext uri="{FF2B5EF4-FFF2-40B4-BE49-F238E27FC236}">
-                <a16:creationId xmlns:a16="http://schemas.microsoft.com/office/drawing/2014/main" id="{DC436983-B3D3-47BB-9BE0-8EB9A0361FD5}"/>
-              </a:ext>
-            </a:extLst>
-          </p:cNvPr>
-          <p:cNvSpPr/>
-          <p:nvPr/>
-        </p:nvSpPr>
-        <p:spPr>
-          <a:xfrm>
-            <a:off x="455978" y="2018609"/>
-            <a:ext cx="5023728" cy="1528495"/>
-          </a:xfrm>
-          <a:prstGeom prst="roundRect">
-            <a:avLst/>
-          </a:prstGeom>
-          <a:solidFill>
-            <a:srgbClr val="01ACAD"/>
-          </a:solidFill>
-          <a:ln>
-            <a:solidFill>
-              <a:schemeClr val="tx2"/>
-            </a:solidFill>
-          </a:ln>
-        </p:spPr>
-        <p:style>
-          <a:lnRef idx="2">
-            <a:schemeClr val="accent1">
-              <a:shade val="50000"/>
-            </a:schemeClr>
-          </a:lnRef>
-          <a:fillRef idx="1">
-            <a:schemeClr val="accent1"/>
-          </a:fillRef>
-          <a:effectRef idx="0">
-            <a:schemeClr val="accent1"/>
-          </a:effectRef>
-          <a:fontRef idx="minor">
-            <a:schemeClr val="lt1"/>
-          </a:fontRef>
-        </p:style>
-        <p:txBody>
-          <a:bodyPr rot="0" spcFirstLastPara="0" vertOverflow="overflow" horzOverflow="overflow" vert="horz" wrap="square" lIns="91440" tIns="45720" rIns="91440" bIns="45720" numCol="1" spcCol="0" rtlCol="0" fromWordArt="0" anchor="ctr" anchorCtr="0" forceAA="0" compatLnSpc="1">
-            <a:prstTxWarp prst="textNoShape">
-              <a:avLst/>
-            </a:prstTxWarp>
-            <a:noAutofit/>
-          </a:bodyPr>
-          <a:lstStyle/>
-          <a:p>
-            <a:pPr algn="ctr"/>
-            <a:endParaRPr lang="pt-BR" dirty="0"/>
-          </a:p>
-        </p:txBody>
-      </p:sp>
-      <p:sp>
-        <p:nvSpPr>
-          <p:cNvPr id="17" name="Retângulo: Cantos Arredondados 16">
-            <a:extLst>
-              <a:ext uri="{FF2B5EF4-FFF2-40B4-BE49-F238E27FC236}">
-                <a16:creationId xmlns:a16="http://schemas.microsoft.com/office/drawing/2014/main" id="{667E0F37-CD3B-4843-B955-6B928A381565}"/>
-              </a:ext>
-            </a:extLst>
-          </p:cNvPr>
-          <p:cNvSpPr/>
-          <p:nvPr/>
-        </p:nvSpPr>
-        <p:spPr>
-          <a:xfrm>
-            <a:off x="455978" y="4075143"/>
-            <a:ext cx="5074459" cy="1724824"/>
-          </a:xfrm>
-          <a:prstGeom prst="roundRect">
-            <a:avLst/>
-          </a:prstGeom>
-          <a:solidFill>
-            <a:srgbClr val="FFC000"/>
-          </a:solidFill>
-          <a:ln>
-            <a:solidFill>
-              <a:schemeClr val="tx2"/>
-            </a:solidFill>
-          </a:ln>
-        </p:spPr>
-        <p:style>
-          <a:lnRef idx="2">
-            <a:schemeClr val="accent1">
-              <a:shade val="50000"/>
-            </a:schemeClr>
-          </a:lnRef>
-          <a:fillRef idx="1">
-            <a:schemeClr val="accent1"/>
-          </a:fillRef>
-          <a:effectRef idx="0">
-            <a:schemeClr val="accent1"/>
-          </a:effectRef>
-          <a:fontRef idx="minor">
-            <a:schemeClr val="lt1"/>
-          </a:fontRef>
-        </p:style>
-        <p:txBody>
-          <a:bodyPr rot="0" spcFirstLastPara="0" vertOverflow="overflow" horzOverflow="overflow" vert="horz" wrap="square" lIns="91440" tIns="45720" rIns="91440" bIns="45720" numCol="1" spcCol="0" rtlCol="0" fromWordArt="0" anchor="ctr" anchorCtr="0" forceAA="0" compatLnSpc="1">
-            <a:prstTxWarp prst="textNoShape">
-              <a:avLst/>
-            </a:prstTxWarp>
-            <a:noAutofit/>
-          </a:bodyPr>
-          <a:lstStyle/>
-          <a:p>
-            <a:pPr algn="ctr"/>
-            <a:endParaRPr lang="pt-BR"/>
-          </a:p>
-        </p:txBody>
-      </p:sp>
-      <p:sp>
-        <p:nvSpPr>
-          <p:cNvPr id="18" name="Retângulo: Cantos Arredondados 17">
-            <a:extLst>
-              <a:ext uri="{FF2B5EF4-FFF2-40B4-BE49-F238E27FC236}">
-                <a16:creationId xmlns:a16="http://schemas.microsoft.com/office/drawing/2014/main" id="{D9F39128-CA35-4220-A481-DEF1C71906D3}"/>
-              </a:ext>
-            </a:extLst>
-          </p:cNvPr>
-          <p:cNvSpPr/>
-          <p:nvPr/>
-        </p:nvSpPr>
-        <p:spPr>
-          <a:xfrm>
-            <a:off x="6712295" y="2003899"/>
-            <a:ext cx="4855550" cy="1528495"/>
-          </a:xfrm>
-          <a:prstGeom prst="roundRect">
-            <a:avLst/>
-          </a:prstGeom>
-          <a:solidFill>
-            <a:schemeClr val="accent6">
-              <a:lumMod val="75000"/>
-            </a:schemeClr>
-          </a:solidFill>
-          <a:ln>
-            <a:solidFill>
-              <a:schemeClr val="tx2"/>
-            </a:solidFill>
-          </a:ln>
-        </p:spPr>
-        <p:style>
-          <a:lnRef idx="2">
-            <a:schemeClr val="accent1">
-              <a:shade val="50000"/>
-            </a:schemeClr>
-          </a:lnRef>
-          <a:fillRef idx="1">
-            <a:schemeClr val="accent1"/>
-          </a:fillRef>
-          <a:effectRef idx="0">
-            <a:schemeClr val="accent1"/>
-          </a:effectRef>
-          <a:fontRef idx="minor">
-            <a:schemeClr val="lt1"/>
-          </a:fontRef>
-        </p:style>
-        <p:txBody>
-          <a:bodyPr rot="0" spcFirstLastPara="0" vertOverflow="overflow" horzOverflow="overflow" vert="horz" wrap="square" lIns="91440" tIns="45720" rIns="91440" bIns="45720" numCol="1" spcCol="0" rtlCol="0" fromWordArt="0" anchor="ctr" anchorCtr="0" forceAA="0" compatLnSpc="1">
-            <a:prstTxWarp prst="textNoShape">
-              <a:avLst/>
-            </a:prstTxWarp>
-            <a:noAutofit/>
-          </a:bodyPr>
-          <a:lstStyle/>
-          <a:p>
-            <a:pPr algn="ctr"/>
-            <a:endParaRPr lang="pt-BR"/>
-          </a:p>
-        </p:txBody>
-      </p:sp>
-      <p:sp>
-        <p:nvSpPr>
-          <p:cNvPr id="19" name="Retângulo: Cantos Arredondados 18">
-            <a:extLst>
-              <a:ext uri="{FF2B5EF4-FFF2-40B4-BE49-F238E27FC236}">
-                <a16:creationId xmlns:a16="http://schemas.microsoft.com/office/drawing/2014/main" id="{7250C9E8-0C02-4DE0-8CC4-848DE052A424}"/>
-              </a:ext>
-            </a:extLst>
-          </p:cNvPr>
-          <p:cNvSpPr/>
-          <p:nvPr/>
-        </p:nvSpPr>
-        <p:spPr>
-          <a:xfrm>
-            <a:off x="6690327" y="4132318"/>
-            <a:ext cx="4855550" cy="1667649"/>
-          </a:xfrm>
-          <a:prstGeom prst="roundRect">
-            <a:avLst/>
-          </a:prstGeom>
-          <a:solidFill>
-            <a:schemeClr val="accent3">
-              <a:lumMod val="60000"/>
-              <a:lumOff val="40000"/>
-            </a:schemeClr>
-          </a:solidFill>
-          <a:ln>
-            <a:solidFill>
-              <a:schemeClr val="tx2"/>
-            </a:solidFill>
-          </a:ln>
-        </p:spPr>
-        <p:style>
-          <a:lnRef idx="2">
-            <a:schemeClr val="accent1">
-              <a:shade val="50000"/>
-            </a:schemeClr>
-          </a:lnRef>
-          <a:fillRef idx="1">
-            <a:schemeClr val="accent1"/>
-          </a:fillRef>
-          <a:effectRef idx="0">
-            <a:schemeClr val="accent1"/>
-          </a:effectRef>
-          <a:fontRef idx="minor">
-            <a:schemeClr val="lt1"/>
-          </a:fontRef>
-        </p:style>
-        <p:txBody>
-          <a:bodyPr rot="0" spcFirstLastPara="0" vertOverflow="overflow" horzOverflow="overflow" vert="horz" wrap="square" lIns="91440" tIns="45720" rIns="91440" bIns="45720" numCol="1" spcCol="0" rtlCol="0" fromWordArt="0" anchor="ctr" anchorCtr="0" forceAA="0" compatLnSpc="1">
-            <a:prstTxWarp prst="textNoShape">
-              <a:avLst/>
-            </a:prstTxWarp>
-            <a:noAutofit/>
-          </a:bodyPr>
-          <a:lstStyle/>
-          <a:p>
-            <a:pPr algn="ctr"/>
-            <a:endParaRPr lang="pt-BR"/>
-          </a:p>
-        </p:txBody>
-      </p:sp>
-      <p:sp>
-        <p:nvSpPr>
-          <p:cNvPr id="10" name="Text Placeholder 9">
-            <a:extLst>
-              <a:ext uri="{FF2B5EF4-FFF2-40B4-BE49-F238E27FC236}">
-                <a16:creationId xmlns:a16="http://schemas.microsoft.com/office/drawing/2014/main" id="{80D2D95B-77BF-49F5-AFBD-07FDD7C43B82}"/>
-              </a:ext>
-            </a:extLst>
-          </p:cNvPr>
-          <p:cNvSpPr>
-            <a:spLocks noGrp="1"/>
-          </p:cNvSpPr>
-          <p:nvPr>
-            <p:ph type="body" idx="30"/>
-          </p:nvPr>
-        </p:nvSpPr>
-        <p:spPr>
-          <a:xfrm>
-            <a:off x="6877994" y="2472896"/>
-            <a:ext cx="4529317" cy="774889"/>
-          </a:xfrm>
-        </p:spPr>
-        <p:txBody>
-          <a:bodyPr>
-            <a:normAutofit/>
-          </a:bodyPr>
-          <a:lstStyle/>
-          <a:p>
-            <a:pPr marL="0" indent="0" algn="ctr">
-              <a:buNone/>
-            </a:pPr>
-            <a:r>
-              <a:rPr lang="en-US" sz="2800" b="1" dirty="0">
-                <a:solidFill>
-                  <a:schemeClr val="bg2"/>
-                </a:solidFill>
-              </a:rPr>
-              <a:t>Jogo </a:t>
-            </a:r>
-            <a:r>
-              <a:rPr lang="en-US" sz="2800" b="1" dirty="0" err="1">
-                <a:solidFill>
-                  <a:schemeClr val="bg2"/>
-                </a:solidFill>
-              </a:rPr>
-              <a:t>minimalista</a:t>
-            </a:r>
-            <a:endParaRPr lang="en-US" sz="2800" b="1" dirty="0">
-              <a:solidFill>
-                <a:schemeClr val="bg2"/>
-              </a:solidFill>
-            </a:endParaRPr>
-          </a:p>
-          <a:p>
-            <a:pPr marL="0" indent="0" algn="ctr">
-              <a:buNone/>
-            </a:pPr>
-            <a:endParaRPr lang="ru-RU" sz="2800" dirty="0"/>
-          </a:p>
-        </p:txBody>
-      </p:sp>
-      <p:sp>
-        <p:nvSpPr>
-          <p:cNvPr id="14" name="Text Placeholder 9">
-            <a:extLst>
-              <a:ext uri="{FF2B5EF4-FFF2-40B4-BE49-F238E27FC236}">
-                <a16:creationId xmlns:a16="http://schemas.microsoft.com/office/drawing/2014/main" id="{8470E303-9A74-4CFA-A394-DA43F2C0A28D}"/>
-              </a:ext>
-            </a:extLst>
-          </p:cNvPr>
-          <p:cNvSpPr txBox="1">
-            <a:spLocks/>
-          </p:cNvSpPr>
-          <p:nvPr/>
-        </p:nvSpPr>
-        <p:spPr>
-          <a:xfrm>
-            <a:off x="757047" y="4466682"/>
-            <a:ext cx="4583579" cy="1245705"/>
-          </a:xfrm>
-          <a:prstGeom prst="rect">
-            <a:avLst/>
-          </a:prstGeom>
-        </p:spPr>
-        <p:txBody>
-          <a:bodyPr vert="horz" lIns="0" tIns="0" rIns="0" bIns="0" rtlCol="0">
-            <a:normAutofit/>
-          </a:bodyPr>
-          <a:lstStyle>
-            <a:lvl1pPr marL="216000" indent="-216000" algn="l" defTabSz="914400" rtl="0" eaLnBrk="1" latinLnBrk="0" hangingPunct="1">
-              <a:lnSpc>
-                <a:spcPct val="100000"/>
-              </a:lnSpc>
-              <a:spcBef>
-                <a:spcPts val="600"/>
-              </a:spcBef>
-              <a:buClr>
-                <a:schemeClr val="tx1"/>
-              </a:buClr>
-              <a:buFont typeface="Courier New" panose="02070309020205020404" pitchFamily="49" charset="0"/>
-              <a:buChar char="o"/>
-              <a:defRPr sz="1400" kern="1200">
-                <a:solidFill>
-                  <a:schemeClr val="tx2"/>
-                </a:solidFill>
-                <a:latin typeface="+mn-lt"/>
-                <a:ea typeface="+mn-ea"/>
-                <a:cs typeface="+mn-cs"/>
-              </a:defRPr>
-            </a:lvl1pPr>
-            <a:lvl2pPr marL="457200" indent="0" algn="l" defTabSz="914400" rtl="0" eaLnBrk="1" latinLnBrk="0" hangingPunct="1">
-              <a:lnSpc>
-                <a:spcPct val="90000"/>
-              </a:lnSpc>
-              <a:spcBef>
-                <a:spcPts val="500"/>
-              </a:spcBef>
-              <a:buFont typeface="Arial" panose="020B0604020202020204" pitchFamily="34" charset="0"/>
-              <a:buNone/>
-              <a:defRPr sz="2000" kern="1200">
-                <a:solidFill>
-                  <a:schemeClr val="tx1">
-                    <a:tint val="75000"/>
-                  </a:schemeClr>
-                </a:solidFill>
-                <a:latin typeface="+mn-lt"/>
-                <a:ea typeface="+mn-ea"/>
-                <a:cs typeface="+mn-cs"/>
-              </a:defRPr>
-            </a:lvl2pPr>
-            <a:lvl3pPr marL="914400" indent="0" algn="l" defTabSz="914400" rtl="0" eaLnBrk="1" latinLnBrk="0" hangingPunct="1">
-              <a:lnSpc>
-                <a:spcPct val="90000"/>
-              </a:lnSpc>
-              <a:spcBef>
-                <a:spcPts val="500"/>
-              </a:spcBef>
-              <a:buFont typeface="Arial" panose="020B0604020202020204" pitchFamily="34" charset="0"/>
-              <a:buNone/>
-              <a:defRPr sz="1800" kern="1200">
-                <a:solidFill>
-                  <a:schemeClr val="tx1">
-                    <a:tint val="75000"/>
-                  </a:schemeClr>
-                </a:solidFill>
-                <a:latin typeface="+mn-lt"/>
-                <a:ea typeface="+mn-ea"/>
-                <a:cs typeface="+mn-cs"/>
-              </a:defRPr>
-            </a:lvl3pPr>
-            <a:lvl4pPr marL="1371600" indent="0" algn="l" defTabSz="914400" rtl="0" eaLnBrk="1" latinLnBrk="0" hangingPunct="1">
-              <a:lnSpc>
-                <a:spcPct val="90000"/>
-              </a:lnSpc>
-              <a:spcBef>
-                <a:spcPts val="500"/>
-              </a:spcBef>
-              <a:buFont typeface="Arial" panose="020B0604020202020204" pitchFamily="34" charset="0"/>
-              <a:buNone/>
-              <a:defRPr sz="1600" kern="1200">
-                <a:solidFill>
-                  <a:schemeClr val="tx1">
-                    <a:tint val="75000"/>
-                  </a:schemeClr>
-                </a:solidFill>
-                <a:latin typeface="+mn-lt"/>
-                <a:ea typeface="+mn-ea"/>
-                <a:cs typeface="+mn-cs"/>
-              </a:defRPr>
-            </a:lvl4pPr>
-            <a:lvl5pPr marL="1828800" indent="0" algn="l" defTabSz="914400" rtl="0" eaLnBrk="1" latinLnBrk="0" hangingPunct="1">
-              <a:lnSpc>
-                <a:spcPct val="90000"/>
-              </a:lnSpc>
-              <a:spcBef>
-                <a:spcPts val="500"/>
-              </a:spcBef>
-              <a:buFont typeface="Arial" panose="020B0604020202020204" pitchFamily="34" charset="0"/>
-              <a:buNone/>
-              <a:defRPr sz="1600" kern="1200">
-                <a:solidFill>
-                  <a:schemeClr val="tx1">
-                    <a:tint val="75000"/>
-                  </a:schemeClr>
-                </a:solidFill>
-                <a:latin typeface="+mn-lt"/>
-                <a:ea typeface="+mn-ea"/>
-                <a:cs typeface="+mn-cs"/>
-              </a:defRPr>
-            </a:lvl5pPr>
-            <a:lvl6pPr marL="2286000" indent="0" algn="l" defTabSz="914400" rtl="0" eaLnBrk="1" latinLnBrk="0" hangingPunct="1">
-              <a:lnSpc>
-                <a:spcPct val="90000"/>
-              </a:lnSpc>
-              <a:spcBef>
-                <a:spcPts val="500"/>
-              </a:spcBef>
-              <a:buFont typeface="Arial" panose="020B0604020202020204" pitchFamily="34" charset="0"/>
-              <a:buNone/>
-              <a:defRPr sz="1600" kern="1200">
-                <a:solidFill>
-                  <a:schemeClr val="tx1">
-                    <a:tint val="75000"/>
-                  </a:schemeClr>
-                </a:solidFill>
-                <a:latin typeface="+mn-lt"/>
-                <a:ea typeface="+mn-ea"/>
-                <a:cs typeface="+mn-cs"/>
-              </a:defRPr>
-            </a:lvl6pPr>
-            <a:lvl7pPr marL="2743200" indent="0" algn="l" defTabSz="914400" rtl="0" eaLnBrk="1" latinLnBrk="0" hangingPunct="1">
-              <a:lnSpc>
-                <a:spcPct val="90000"/>
-              </a:lnSpc>
-              <a:spcBef>
-                <a:spcPts val="500"/>
-              </a:spcBef>
-              <a:buFont typeface="Arial" panose="020B0604020202020204" pitchFamily="34" charset="0"/>
-              <a:buNone/>
-              <a:defRPr sz="1600" kern="1200">
-                <a:solidFill>
-                  <a:schemeClr val="tx1">
-                    <a:tint val="75000"/>
-                  </a:schemeClr>
-                </a:solidFill>
-                <a:latin typeface="+mn-lt"/>
-                <a:ea typeface="+mn-ea"/>
-                <a:cs typeface="+mn-cs"/>
-              </a:defRPr>
-            </a:lvl7pPr>
-            <a:lvl8pPr marL="3200400" indent="0" algn="l" defTabSz="914400" rtl="0" eaLnBrk="1" latinLnBrk="0" hangingPunct="1">
-              <a:lnSpc>
-                <a:spcPct val="90000"/>
-              </a:lnSpc>
-              <a:spcBef>
-                <a:spcPts val="500"/>
-              </a:spcBef>
-              <a:buFont typeface="Arial" panose="020B0604020202020204" pitchFamily="34" charset="0"/>
-              <a:buNone/>
-              <a:defRPr sz="1600" kern="1200">
-                <a:solidFill>
-                  <a:schemeClr val="tx1">
-                    <a:tint val="75000"/>
-                  </a:schemeClr>
-                </a:solidFill>
-                <a:latin typeface="+mn-lt"/>
-                <a:ea typeface="+mn-ea"/>
-                <a:cs typeface="+mn-cs"/>
-              </a:defRPr>
-            </a:lvl8pPr>
-            <a:lvl9pPr marL="3657600" indent="0" algn="l" defTabSz="914400" rtl="0" eaLnBrk="1" latinLnBrk="0" hangingPunct="1">
-              <a:lnSpc>
-                <a:spcPct val="90000"/>
-              </a:lnSpc>
-              <a:spcBef>
-                <a:spcPts val="500"/>
-              </a:spcBef>
-              <a:buFont typeface="Arial" panose="020B0604020202020204" pitchFamily="34" charset="0"/>
-              <a:buNone/>
-              <a:defRPr sz="1600" kern="1200">
-                <a:solidFill>
-                  <a:schemeClr val="tx1">
-                    <a:tint val="75000"/>
-                  </a:schemeClr>
-                </a:solidFill>
-                <a:latin typeface="+mn-lt"/>
-                <a:ea typeface="+mn-ea"/>
-                <a:cs typeface="+mn-cs"/>
-              </a:defRPr>
-            </a:lvl9pPr>
-          </a:lstStyle>
-          <a:p>
-            <a:pPr marL="0" indent="0" algn="ctr">
-              <a:buNone/>
-            </a:pPr>
-            <a:r>
-              <a:rPr lang="en-US" sz="2400" b="1" dirty="0" err="1">
-                <a:solidFill>
-                  <a:schemeClr val="bg2"/>
-                </a:solidFill>
-              </a:rPr>
-              <a:t>Fácil</a:t>
-            </a:r>
-            <a:r>
-              <a:rPr lang="en-US" sz="2400" b="1" dirty="0">
-                <a:solidFill>
-                  <a:schemeClr val="bg2"/>
-                </a:solidFill>
-              </a:rPr>
-              <a:t> </a:t>
-            </a:r>
-            <a:r>
-              <a:rPr lang="en-US" sz="2400" b="1" dirty="0" err="1">
-                <a:solidFill>
-                  <a:schemeClr val="bg2"/>
-                </a:solidFill>
-              </a:rPr>
-              <a:t>jogabilidade</a:t>
-            </a:r>
-            <a:r>
-              <a:rPr lang="en-US" sz="2400" b="1" dirty="0">
-                <a:solidFill>
-                  <a:schemeClr val="bg2"/>
-                </a:solidFill>
-              </a:rPr>
-              <a:t> </a:t>
-            </a:r>
-          </a:p>
-          <a:p>
-            <a:pPr marL="0" indent="0" algn="ctr">
-              <a:buNone/>
-            </a:pPr>
-            <a:r>
-              <a:rPr lang="en-US" sz="2400" b="1" dirty="0" err="1">
-                <a:solidFill>
-                  <a:schemeClr val="bg2"/>
-                </a:solidFill>
-              </a:rPr>
-              <a:t>Viciante</a:t>
-            </a:r>
-            <a:r>
-              <a:rPr lang="en-US" sz="2400" b="1" dirty="0">
-                <a:solidFill>
-                  <a:schemeClr val="bg2"/>
-                </a:solidFill>
-              </a:rPr>
-              <a:t> </a:t>
-            </a:r>
-          </a:p>
-          <a:p>
-            <a:pPr marL="0" indent="0">
-              <a:buFont typeface="Courier New" panose="02070309020205020404" pitchFamily="49" charset="0"/>
-              <a:buNone/>
-            </a:pPr>
-            <a:endParaRPr lang="ru-RU" dirty="0"/>
-          </a:p>
-        </p:txBody>
-      </p:sp>
-      <p:sp>
-        <p:nvSpPr>
-          <p:cNvPr id="16" name="Text Placeholder 9">
-            <a:extLst>
-              <a:ext uri="{FF2B5EF4-FFF2-40B4-BE49-F238E27FC236}">
-                <a16:creationId xmlns:a16="http://schemas.microsoft.com/office/drawing/2014/main" id="{5B3F0FE0-2799-478D-A327-EA82F7402A6F}"/>
-              </a:ext>
-            </a:extLst>
-          </p:cNvPr>
-          <p:cNvSpPr txBox="1">
-            <a:spLocks/>
-          </p:cNvSpPr>
-          <p:nvPr/>
-        </p:nvSpPr>
-        <p:spPr>
-          <a:xfrm>
-            <a:off x="6877994" y="4712275"/>
-            <a:ext cx="4578419" cy="701000"/>
-          </a:xfrm>
-          <a:prstGeom prst="rect">
-            <a:avLst/>
-          </a:prstGeom>
-        </p:spPr>
-        <p:txBody>
-          <a:bodyPr vert="horz" lIns="0" tIns="0" rIns="0" bIns="0" rtlCol="0">
-            <a:normAutofit/>
-          </a:bodyPr>
-          <a:lstStyle>
-            <a:lvl1pPr marL="216000" indent="-216000" algn="l" defTabSz="914400" rtl="0" eaLnBrk="1" latinLnBrk="0" hangingPunct="1">
-              <a:lnSpc>
-                <a:spcPct val="100000"/>
-              </a:lnSpc>
-              <a:spcBef>
-                <a:spcPts val="600"/>
-              </a:spcBef>
-              <a:buClr>
-                <a:schemeClr val="tx1"/>
-              </a:buClr>
-              <a:buFont typeface="Courier New" panose="02070309020205020404" pitchFamily="49" charset="0"/>
-              <a:buChar char="o"/>
-              <a:defRPr sz="1400" kern="1200">
-                <a:solidFill>
-                  <a:schemeClr val="tx2"/>
-                </a:solidFill>
-                <a:latin typeface="+mn-lt"/>
-                <a:ea typeface="+mn-ea"/>
-                <a:cs typeface="+mn-cs"/>
-              </a:defRPr>
-            </a:lvl1pPr>
-            <a:lvl2pPr marL="457200" indent="0" algn="l" defTabSz="914400" rtl="0" eaLnBrk="1" latinLnBrk="0" hangingPunct="1">
-              <a:lnSpc>
-                <a:spcPct val="90000"/>
-              </a:lnSpc>
-              <a:spcBef>
-                <a:spcPts val="500"/>
-              </a:spcBef>
-              <a:buFont typeface="Arial" panose="020B0604020202020204" pitchFamily="34" charset="0"/>
-              <a:buNone/>
-              <a:defRPr sz="2000" kern="1200">
-                <a:solidFill>
-                  <a:schemeClr val="tx1">
-                    <a:tint val="75000"/>
-                  </a:schemeClr>
-                </a:solidFill>
-                <a:latin typeface="+mn-lt"/>
-                <a:ea typeface="+mn-ea"/>
-                <a:cs typeface="+mn-cs"/>
-              </a:defRPr>
-            </a:lvl2pPr>
-            <a:lvl3pPr marL="914400" indent="0" algn="l" defTabSz="914400" rtl="0" eaLnBrk="1" latinLnBrk="0" hangingPunct="1">
-              <a:lnSpc>
-                <a:spcPct val="90000"/>
-              </a:lnSpc>
-              <a:spcBef>
-                <a:spcPts val="500"/>
-              </a:spcBef>
-              <a:buFont typeface="Arial" panose="020B0604020202020204" pitchFamily="34" charset="0"/>
-              <a:buNone/>
-              <a:defRPr sz="1800" kern="1200">
-                <a:solidFill>
-                  <a:schemeClr val="tx1">
-                    <a:tint val="75000"/>
-                  </a:schemeClr>
-                </a:solidFill>
-                <a:latin typeface="+mn-lt"/>
-                <a:ea typeface="+mn-ea"/>
-                <a:cs typeface="+mn-cs"/>
-              </a:defRPr>
-            </a:lvl3pPr>
-            <a:lvl4pPr marL="1371600" indent="0" algn="l" defTabSz="914400" rtl="0" eaLnBrk="1" latinLnBrk="0" hangingPunct="1">
-              <a:lnSpc>
-                <a:spcPct val="90000"/>
-              </a:lnSpc>
-              <a:spcBef>
-                <a:spcPts val="500"/>
-              </a:spcBef>
-              <a:buFont typeface="Arial" panose="020B0604020202020204" pitchFamily="34" charset="0"/>
-              <a:buNone/>
-              <a:defRPr sz="1600" kern="1200">
-                <a:solidFill>
-                  <a:schemeClr val="tx1">
-                    <a:tint val="75000"/>
-                  </a:schemeClr>
-                </a:solidFill>
-                <a:latin typeface="+mn-lt"/>
-                <a:ea typeface="+mn-ea"/>
-                <a:cs typeface="+mn-cs"/>
-              </a:defRPr>
-            </a:lvl4pPr>
-            <a:lvl5pPr marL="1828800" indent="0" algn="l" defTabSz="914400" rtl="0" eaLnBrk="1" latinLnBrk="0" hangingPunct="1">
-              <a:lnSpc>
-                <a:spcPct val="90000"/>
-              </a:lnSpc>
-              <a:spcBef>
-                <a:spcPts val="500"/>
-              </a:spcBef>
-              <a:buFont typeface="Arial" panose="020B0604020202020204" pitchFamily="34" charset="0"/>
-              <a:buNone/>
-              <a:defRPr sz="1600" kern="1200">
-                <a:solidFill>
-                  <a:schemeClr val="tx1">
-                    <a:tint val="75000"/>
-                  </a:schemeClr>
-                </a:solidFill>
-                <a:latin typeface="+mn-lt"/>
-                <a:ea typeface="+mn-ea"/>
-                <a:cs typeface="+mn-cs"/>
-              </a:defRPr>
-            </a:lvl5pPr>
-            <a:lvl6pPr marL="2286000" indent="0" algn="l" defTabSz="914400" rtl="0" eaLnBrk="1" latinLnBrk="0" hangingPunct="1">
-              <a:lnSpc>
-                <a:spcPct val="90000"/>
-              </a:lnSpc>
-              <a:spcBef>
-                <a:spcPts val="500"/>
-              </a:spcBef>
-              <a:buFont typeface="Arial" panose="020B0604020202020204" pitchFamily="34" charset="0"/>
-              <a:buNone/>
-              <a:defRPr sz="1600" kern="1200">
-                <a:solidFill>
-                  <a:schemeClr val="tx1">
-                    <a:tint val="75000"/>
-                  </a:schemeClr>
-                </a:solidFill>
-                <a:latin typeface="+mn-lt"/>
-                <a:ea typeface="+mn-ea"/>
-                <a:cs typeface="+mn-cs"/>
-              </a:defRPr>
-            </a:lvl6pPr>
-            <a:lvl7pPr marL="2743200" indent="0" algn="l" defTabSz="914400" rtl="0" eaLnBrk="1" latinLnBrk="0" hangingPunct="1">
-              <a:lnSpc>
-                <a:spcPct val="90000"/>
-              </a:lnSpc>
-              <a:spcBef>
-                <a:spcPts val="500"/>
-              </a:spcBef>
-              <a:buFont typeface="Arial" panose="020B0604020202020204" pitchFamily="34" charset="0"/>
-              <a:buNone/>
-              <a:defRPr sz="1600" kern="1200">
-                <a:solidFill>
-                  <a:schemeClr val="tx1">
-                    <a:tint val="75000"/>
-                  </a:schemeClr>
-                </a:solidFill>
-                <a:latin typeface="+mn-lt"/>
-                <a:ea typeface="+mn-ea"/>
-                <a:cs typeface="+mn-cs"/>
-              </a:defRPr>
-            </a:lvl7pPr>
-            <a:lvl8pPr marL="3200400" indent="0" algn="l" defTabSz="914400" rtl="0" eaLnBrk="1" latinLnBrk="0" hangingPunct="1">
-              <a:lnSpc>
-                <a:spcPct val="90000"/>
-              </a:lnSpc>
-              <a:spcBef>
-                <a:spcPts val="500"/>
-              </a:spcBef>
-              <a:buFont typeface="Arial" panose="020B0604020202020204" pitchFamily="34" charset="0"/>
-              <a:buNone/>
-              <a:defRPr sz="1600" kern="1200">
-                <a:solidFill>
-                  <a:schemeClr val="tx1">
-                    <a:tint val="75000"/>
-                  </a:schemeClr>
-                </a:solidFill>
-                <a:latin typeface="+mn-lt"/>
-                <a:ea typeface="+mn-ea"/>
-                <a:cs typeface="+mn-cs"/>
-              </a:defRPr>
-            </a:lvl8pPr>
-            <a:lvl9pPr marL="3657600" indent="0" algn="l" defTabSz="914400" rtl="0" eaLnBrk="1" latinLnBrk="0" hangingPunct="1">
-              <a:lnSpc>
-                <a:spcPct val="90000"/>
-              </a:lnSpc>
-              <a:spcBef>
-                <a:spcPts val="500"/>
-              </a:spcBef>
-              <a:buFont typeface="Arial" panose="020B0604020202020204" pitchFamily="34" charset="0"/>
-              <a:buNone/>
-              <a:defRPr sz="1600" kern="1200">
-                <a:solidFill>
-                  <a:schemeClr val="tx1">
-                    <a:tint val="75000"/>
-                  </a:schemeClr>
-                </a:solidFill>
-                <a:latin typeface="+mn-lt"/>
-                <a:ea typeface="+mn-ea"/>
-                <a:cs typeface="+mn-cs"/>
-              </a:defRPr>
-            </a:lvl9pPr>
-          </a:lstStyle>
-          <a:p>
-            <a:pPr algn="ctr"/>
-            <a:r>
-              <a:rPr lang="en-US" sz="2800" b="1" dirty="0">
-                <a:solidFill>
-                  <a:schemeClr val="bg2"/>
-                </a:solidFill>
-              </a:rPr>
-              <a:t>Tempo de </a:t>
-            </a:r>
-            <a:r>
-              <a:rPr lang="en-US" sz="2800" b="1" dirty="0" err="1">
-                <a:solidFill>
-                  <a:schemeClr val="bg2"/>
-                </a:solidFill>
-              </a:rPr>
-              <a:t>desenvolvimento</a:t>
-            </a:r>
-            <a:r>
-              <a:rPr lang="en-US" sz="2000" b="1" dirty="0">
-                <a:solidFill>
-                  <a:schemeClr val="bg2"/>
-                </a:solidFill>
-              </a:rPr>
-              <a:t>.</a:t>
-            </a:r>
-          </a:p>
-          <a:p>
-            <a:pPr marL="0" indent="0" algn="ctr">
-              <a:buFont typeface="Courier New" panose="02070309020205020404" pitchFamily="49" charset="0"/>
-              <a:buNone/>
-            </a:pPr>
-            <a:endParaRPr lang="ru-RU" dirty="0"/>
-          </a:p>
-        </p:txBody>
-      </p:sp>
-      <p:sp>
-        <p:nvSpPr>
-          <p:cNvPr id="8" name="Text Placeholder 7">
-            <a:extLst>
-              <a:ext uri="{FF2B5EF4-FFF2-40B4-BE49-F238E27FC236}">
-                <a16:creationId xmlns:a16="http://schemas.microsoft.com/office/drawing/2014/main" id="{99DFBDB4-30C1-4168-A5E2-42A184496F62}"/>
-              </a:ext>
-            </a:extLst>
-          </p:cNvPr>
-          <p:cNvSpPr>
-            <a:spLocks noGrp="1"/>
-          </p:cNvSpPr>
-          <p:nvPr>
-            <p:ph type="body" idx="27"/>
-          </p:nvPr>
-        </p:nvSpPr>
-        <p:spPr>
-          <a:xfrm>
-            <a:off x="558924" y="2192494"/>
-            <a:ext cx="4817836" cy="1319219"/>
-          </a:xfrm>
-        </p:spPr>
-        <p:txBody>
-          <a:bodyPr>
-            <a:normAutofit/>
-          </a:bodyPr>
-          <a:lstStyle/>
-          <a:p>
-            <a:pPr marL="0" indent="0" algn="ctr">
-              <a:buNone/>
-            </a:pPr>
-            <a:r>
-              <a:rPr lang="en-US" sz="2200" b="1" dirty="0" err="1">
-                <a:solidFill>
-                  <a:schemeClr val="bg2"/>
-                </a:solidFill>
-              </a:rPr>
-              <a:t>Varias</a:t>
-            </a:r>
-            <a:r>
-              <a:rPr lang="en-US" sz="2200" b="1" dirty="0">
-                <a:solidFill>
-                  <a:schemeClr val="bg2"/>
-                </a:solidFill>
-              </a:rPr>
-              <a:t> </a:t>
-            </a:r>
-            <a:r>
-              <a:rPr lang="en-US" sz="2200" b="1" dirty="0" err="1">
-                <a:solidFill>
-                  <a:schemeClr val="bg2"/>
-                </a:solidFill>
-              </a:rPr>
-              <a:t>mecânicas</a:t>
-            </a:r>
-            <a:endParaRPr lang="en-US" sz="2200" b="1" dirty="0">
-              <a:solidFill>
-                <a:schemeClr val="bg2"/>
-              </a:solidFill>
-            </a:endParaRPr>
-          </a:p>
-          <a:p>
-            <a:pPr marL="0" indent="0" algn="ctr">
-              <a:buNone/>
-            </a:pPr>
-            <a:r>
-              <a:rPr lang="en-US" sz="2200" b="1" dirty="0">
-                <a:solidFill>
-                  <a:schemeClr val="bg2"/>
-                </a:solidFill>
-              </a:rPr>
-              <a:t> Simples e </a:t>
-            </a:r>
-            <a:r>
-              <a:rPr lang="en-US" sz="2200" b="1" dirty="0" err="1">
-                <a:solidFill>
-                  <a:schemeClr val="bg2"/>
-                </a:solidFill>
-              </a:rPr>
-              <a:t>intuitivo</a:t>
-            </a:r>
-            <a:r>
-              <a:rPr lang="en-US" sz="2200" b="1" dirty="0">
-                <a:solidFill>
-                  <a:schemeClr val="bg2"/>
-                </a:solidFill>
-              </a:rPr>
-              <a:t> </a:t>
-            </a:r>
-          </a:p>
-          <a:p>
-            <a:pPr marL="0" indent="0" algn="ctr">
-              <a:buNone/>
-            </a:pPr>
-            <a:r>
-              <a:rPr lang="en-US" sz="2200" b="1" dirty="0" err="1">
-                <a:solidFill>
-                  <a:schemeClr val="bg2"/>
-                </a:solidFill>
-              </a:rPr>
-              <a:t>Desafiador</a:t>
-            </a:r>
-            <a:endParaRPr lang="en-US" sz="2200" b="1" dirty="0">
-              <a:solidFill>
-                <a:schemeClr val="bg2"/>
-              </a:solidFill>
-            </a:endParaRPr>
-          </a:p>
-          <a:p>
-            <a:endParaRPr lang="en-US" sz="2000" dirty="0">
-              <a:solidFill>
-                <a:srgbClr val="01ACAD"/>
-              </a:solidFill>
-            </a:endParaRPr>
-          </a:p>
-          <a:p>
-            <a:pPr marL="0" indent="0">
-              <a:buNone/>
-            </a:pPr>
-            <a:endParaRPr lang="ru-RU" dirty="0"/>
-          </a:p>
-        </p:txBody>
-      </p:sp>
     </p:spTree>
     <p:extLst>
       <p:ext uri="{BB962C8B-B14F-4D97-AF65-F5344CB8AC3E}">
-        <p14:creationId xmlns:p14="http://schemas.microsoft.com/office/powerpoint/2010/main" val="4125749787"/>
+        <p14:creationId xmlns:p14="http://schemas.microsoft.com/office/powerpoint/2010/main" val="613968876"/>
       </p:ext>
     </p:extLst>
   </p:cSld>
@@ -45947,7 +44333,7 @@
           <p:cNvPr id="2" name="Title 1">
             <a:extLst>
               <a:ext uri="{FF2B5EF4-FFF2-40B4-BE49-F238E27FC236}">
-                <a16:creationId xmlns:a16="http://schemas.microsoft.com/office/drawing/2014/main" id="{134CB059-9E3B-4C24-8E61-717292C2944E}"/>
+                <a16:creationId xmlns:a16="http://schemas.microsoft.com/office/drawing/2014/main" id="{B0406C22-D0C4-4D8E-86F7-1A902F1CA7AB}"/>
               </a:ext>
             </a:extLst>
           </p:cNvPr>
@@ -45958,14 +44344,20 @@
             <p:ph type="title"/>
           </p:nvPr>
         </p:nvSpPr>
-        <p:spPr/>
+        <p:spPr>
+          <a:xfrm>
+            <a:off x="203083" y="899132"/>
+            <a:ext cx="5021940" cy="804338"/>
+          </a:xfrm>
+        </p:spPr>
         <p:txBody>
           <a:bodyPr/>
           <a:lstStyle/>
           <a:p>
+            <a:pPr algn="ctr"/>
             <a:r>
               <a:rPr lang="en-US" dirty="0"/>
-              <a:t>MONETIZAÇÃO</a:t>
+              <a:t>Gameplay do Jogo</a:t>
             </a:r>
             <a:endParaRPr lang="ru-RU" dirty="0"/>
           </a:p>
@@ -45973,10 +44365,10 @@
       </p:sp>
       <p:sp>
         <p:nvSpPr>
-          <p:cNvPr id="8" name="Text Placeholder 7">
-            <a:extLst>
-              <a:ext uri="{FF2B5EF4-FFF2-40B4-BE49-F238E27FC236}">
-                <a16:creationId xmlns:a16="http://schemas.microsoft.com/office/drawing/2014/main" id="{EEA947F5-DD66-4D26-BA34-D1D8F7CE9010}"/>
+          <p:cNvPr id="7" name="Text Placeholder 6">
+            <a:extLst>
+              <a:ext uri="{FF2B5EF4-FFF2-40B4-BE49-F238E27FC236}">
+                <a16:creationId xmlns:a16="http://schemas.microsoft.com/office/drawing/2014/main" id="{1EBE5B37-5B62-411B-BD45-E04DD958A3F9}"/>
               </a:ext>
             </a:extLst>
           </p:cNvPr>
@@ -45987,44 +44379,56 @@
             <p:ph type="body" idx="14"/>
           </p:nvPr>
         </p:nvSpPr>
-        <p:spPr/>
+        <p:spPr>
+          <a:xfrm>
+            <a:off x="-97014" y="2218376"/>
+            <a:ext cx="5622133" cy="4829852"/>
+          </a:xfrm>
+        </p:spPr>
         <p:txBody>
           <a:bodyPr>
             <a:normAutofit/>
           </a:bodyPr>
           <a:lstStyle/>
           <a:p>
-            <a:r>
-              <a:rPr lang="en-US" sz="2400" b="1" dirty="0">
-                <a:solidFill>
-                  <a:srgbClr val="00BBBB"/>
-                </a:solidFill>
+            <a:pPr marL="0" indent="0" algn="ctr">
+              <a:buNone/>
+            </a:pPr>
+            <a:r>
+              <a:rPr lang="pt-BR" sz="2800" dirty="0" err="1">
+                <a:solidFill>
+                  <a:schemeClr val="bg2"/>
+                </a:solidFill>
+                <a:latin typeface="+mj-lt"/>
               </a:rPr>
-              <a:t> ADS (Propagandas</a:t>
-            </a:r>
-            <a:r>
-              <a:rPr lang="en-US" sz="1800" b="1" dirty="0">
-                <a:solidFill>
-                  <a:srgbClr val="00BBBB"/>
-                </a:solidFill>
-              </a:rPr>
-              <a:t>)</a:t>
-            </a:r>
-          </a:p>
-          <a:p>
-            <a:endParaRPr lang="pt-BR" dirty="0"/>
-          </a:p>
-          <a:p>
-            <a:endParaRPr lang="ru-RU" dirty="0"/>
+              <a:t>Screenshot</a:t>
+            </a:r>
+            <a:endParaRPr lang="pt-BR" sz="2800" dirty="0">
+              <a:solidFill>
+                <a:schemeClr val="bg2"/>
+              </a:solidFill>
+              <a:latin typeface="+mj-lt"/>
+            </a:endParaRPr>
+          </a:p>
+          <a:p>
+            <a:pPr marL="0" indent="0" algn="ctr">
+              <a:buNone/>
+            </a:pPr>
+            <a:endParaRPr lang="pt-BR" sz="2800" dirty="0">
+              <a:solidFill>
+                <a:schemeClr val="bg2"/>
+              </a:solidFill>
+              <a:latin typeface="+mj-lt"/>
+            </a:endParaRPr>
           </a:p>
         </p:txBody>
       </p:sp>
       <p:pic>
         <p:nvPicPr>
-          <p:cNvPr id="13" name="Picture Placeholder 12" descr="Abstract background">
-            <a:extLst>
-              <a:ext uri="{FF2B5EF4-FFF2-40B4-BE49-F238E27FC236}">
-                <a16:creationId xmlns:a16="http://schemas.microsoft.com/office/drawing/2014/main" id="{0B7AE772-6658-4E84-8EAA-F33DEF1CDE4F}"/>
+          <p:cNvPr id="18" name="Picture Placeholder 17">
+            <a:extLst>
+              <a:ext uri="{FF2B5EF4-FFF2-40B4-BE49-F238E27FC236}">
+                <a16:creationId xmlns:a16="http://schemas.microsoft.com/office/drawing/2014/main" id="{FA9DAA9F-5926-4BC1-8F7B-06E0B1C2F013}"/>
               </a:ext>
             </a:extLst>
           </p:cNvPr>
@@ -46036,26 +44440,24 @@
           </p:nvPr>
         </p:nvPicPr>
         <p:blipFill>
-          <a:blip r:embed="rId2">
-            <a:extLst>
-              <a:ext uri="{28A0092B-C50C-407E-A947-70E740481C1C}">
-                <a14:useLocalDpi xmlns:a14="http://schemas.microsoft.com/office/drawing/2010/main" val="0"/>
-              </a:ext>
-            </a:extLst>
-          </a:blip>
-          <a:srcRect/>
+          <a:blip r:embed="rId2"/>
           <a:stretch>
             <a:fillRect/>
           </a:stretch>
         </p:blipFill>
-        <p:spPr/>
+        <p:spPr>
+          <a:xfrm>
+            <a:off x="5047046" y="340007"/>
+            <a:ext cx="6678645" cy="3756737"/>
+          </a:xfrm>
+        </p:spPr>
       </p:pic>
       <p:sp>
         <p:nvSpPr>
-          <p:cNvPr id="6" name="Slide Number Placeholder 5">
-            <a:extLst>
-              <a:ext uri="{FF2B5EF4-FFF2-40B4-BE49-F238E27FC236}">
-                <a16:creationId xmlns:a16="http://schemas.microsoft.com/office/drawing/2014/main" id="{2B9E0CB5-2F64-4439-AFE9-1BB3ACE6FA9D}"/>
+          <p:cNvPr id="5" name="Slide Number Placeholder 4">
+            <a:extLst>
+              <a:ext uri="{FF2B5EF4-FFF2-40B4-BE49-F238E27FC236}">
+                <a16:creationId xmlns:a16="http://schemas.microsoft.com/office/drawing/2014/main" id="{1C5328BF-D489-4F39-BA27-5AD38E9116D8}"/>
               </a:ext>
             </a:extLst>
           </p:cNvPr>
@@ -46073,76 +44475,19 @@
           <a:p>
             <a:fld id="{8D581BC7-E183-40DB-AC97-C19EA4EB8894}" type="slidenum">
               <a:rPr lang="ru-RU" smtClean="0"/>
+              <a:pPr/>
               <a:t>12</a:t>
             </a:fld>
             <a:endParaRPr lang="ru-RU" dirty="0"/>
           </a:p>
         </p:txBody>
       </p:sp>
-      <p:sp>
-        <p:nvSpPr>
-          <p:cNvPr id="5" name="Footer Placeholder 4">
-            <a:extLst>
-              <a:ext uri="{FF2B5EF4-FFF2-40B4-BE49-F238E27FC236}">
-                <a16:creationId xmlns:a16="http://schemas.microsoft.com/office/drawing/2014/main" id="{FFFF8DFC-D37E-4FE9-81F0-77C68D469526}"/>
-              </a:ext>
-            </a:extLst>
-          </p:cNvPr>
-          <p:cNvSpPr>
-            <a:spLocks noGrp="1"/>
-          </p:cNvSpPr>
-          <p:nvPr>
-            <p:ph type="ftr" sz="quarter" idx="11"/>
-          </p:nvPr>
-        </p:nvSpPr>
-        <p:spPr/>
-        <p:txBody>
-          <a:bodyPr/>
-          <a:lstStyle/>
-          <a:p>
-            <a:r>
-              <a:rPr lang="en-US" dirty="0"/>
-              <a:t>ADD A FOOTER</a:t>
-            </a:r>
-            <a:endParaRPr lang="ru-RU" dirty="0"/>
-          </a:p>
-        </p:txBody>
-      </p:sp>
-      <p:sp>
-        <p:nvSpPr>
-          <p:cNvPr id="4" name="Date Placeholder 3">
-            <a:extLst>
-              <a:ext uri="{FF2B5EF4-FFF2-40B4-BE49-F238E27FC236}">
-                <a16:creationId xmlns:a16="http://schemas.microsoft.com/office/drawing/2014/main" id="{0BA396AE-BE46-43FB-B4E7-224D2AF39F83}"/>
-              </a:ext>
-            </a:extLst>
-          </p:cNvPr>
-          <p:cNvSpPr>
-            <a:spLocks noGrp="1"/>
-          </p:cNvSpPr>
-          <p:nvPr>
-            <p:ph type="dt" sz="half" idx="10"/>
-          </p:nvPr>
-        </p:nvSpPr>
-        <p:spPr/>
-        <p:txBody>
-          <a:bodyPr/>
-          <a:lstStyle/>
-          <a:p>
-            <a:r>
-              <a:rPr lang="en-US" dirty="0"/>
-              <a:t>MM.DD.20XX</a:t>
-            </a:r>
-            <a:endParaRPr lang="ru-RU" dirty="0"/>
-          </a:p>
-        </p:txBody>
-      </p:sp>
       <p:pic>
         <p:nvPicPr>
-          <p:cNvPr id="14" name="Espaço Reservado para Imagem 9">
-            <a:extLst>
-              <a:ext uri="{FF2B5EF4-FFF2-40B4-BE49-F238E27FC236}">
-                <a16:creationId xmlns:a16="http://schemas.microsoft.com/office/drawing/2014/main" id="{34A0A7F8-D44A-4769-B36C-FECC49C6CFFE}"/>
+          <p:cNvPr id="11" name="Espaço Reservado para Imagem 9">
+            <a:extLst>
+              <a:ext uri="{FF2B5EF4-FFF2-40B4-BE49-F238E27FC236}">
+                <a16:creationId xmlns:a16="http://schemas.microsoft.com/office/drawing/2014/main" id="{ABF365D2-3D5D-48CB-99B0-A369EB174678}"/>
               </a:ext>
             </a:extLst>
           </p:cNvPr>
@@ -46162,15 +44507,15 @@
         </p:blipFill>
         <p:spPr>
           <a:xfrm>
-            <a:off x="292421" y="579070"/>
-            <a:ext cx="663468" cy="537965"/>
+            <a:off x="466308" y="174531"/>
+            <a:ext cx="624669" cy="506506"/>
           </a:xfrm>
         </p:spPr>
       </p:pic>
     </p:spTree>
     <p:extLst>
       <p:ext uri="{BB962C8B-B14F-4D97-AF65-F5344CB8AC3E}">
-        <p14:creationId xmlns:p14="http://schemas.microsoft.com/office/powerpoint/2010/main" val="3766803063"/>
+        <p14:creationId xmlns:p14="http://schemas.microsoft.com/office/powerpoint/2010/main" val="4091054361"/>
       </p:ext>
     </p:extLst>
   </p:cSld>
@@ -46199,10 +44544,10 @@
       </p:grpSpPr>
       <p:pic>
         <p:nvPicPr>
-          <p:cNvPr id="20" name="Picture Placeholder 19" descr="Abstract background">
-            <a:extLst>
-              <a:ext uri="{FF2B5EF4-FFF2-40B4-BE49-F238E27FC236}">
-                <a16:creationId xmlns:a16="http://schemas.microsoft.com/office/drawing/2014/main" id="{B9CF847D-0BA8-4D40-B95D-DAC8A415A56D}"/>
+          <p:cNvPr id="20" name="Picture Placeholder 19">
+            <a:extLst>
+              <a:ext uri="{FF2B5EF4-FFF2-40B4-BE49-F238E27FC236}">
+                <a16:creationId xmlns:a16="http://schemas.microsoft.com/office/drawing/2014/main" id="{3330B498-1497-4DA8-99F4-8F8159B24FF9}"/>
               </a:ext>
             </a:extLst>
           </p:cNvPr>
@@ -46214,26 +44559,24 @@
           </p:nvPr>
         </p:nvPicPr>
         <p:blipFill>
-          <a:blip r:embed="rId2">
-            <a:extLst>
-              <a:ext uri="{28A0092B-C50C-407E-A947-70E740481C1C}">
-                <a14:useLocalDpi xmlns:a14="http://schemas.microsoft.com/office/drawing/2010/main" val="0"/>
-              </a:ext>
-            </a:extLst>
-          </a:blip>
-          <a:srcRect/>
+          <a:blip r:embed="rId2"/>
           <a:stretch>
             <a:fillRect/>
           </a:stretch>
         </p:blipFill>
-        <p:spPr/>
+        <p:spPr>
+          <a:xfrm>
+            <a:off x="1017802" y="1930140"/>
+            <a:ext cx="3246204" cy="4469903"/>
+          </a:xfrm>
+        </p:spPr>
       </p:pic>
       <p:sp>
         <p:nvSpPr>
           <p:cNvPr id="5" name="Title 4">
             <a:extLst>
               <a:ext uri="{FF2B5EF4-FFF2-40B4-BE49-F238E27FC236}">
-                <a16:creationId xmlns:a16="http://schemas.microsoft.com/office/drawing/2014/main" id="{953F70E9-6111-446A-BD49-B6A996FA030D}"/>
+                <a16:creationId xmlns:a16="http://schemas.microsoft.com/office/drawing/2014/main" id="{FF93F71D-1663-42FA-A91E-FA23F03F0287}"/>
               </a:ext>
             </a:extLst>
           </p:cNvPr>
@@ -46246,7 +44589,7 @@
         </p:nvSpPr>
         <p:spPr>
           <a:xfrm>
-            <a:off x="6894590" y="1390615"/>
+            <a:off x="6841582" y="667846"/>
             <a:ext cx="4494133" cy="804338"/>
           </a:xfrm>
         </p:spPr>
@@ -46256,7 +44599,7 @@
           <a:p>
             <a:r>
               <a:rPr lang="en-US" dirty="0"/>
-              <a:t>DISTRIBUIÇÃO</a:t>
+              <a:t>RENCHMARCK</a:t>
             </a:r>
             <a:endParaRPr lang="ru-RU" dirty="0"/>
           </a:p>
@@ -46264,10 +44607,10 @@
       </p:sp>
       <p:sp>
         <p:nvSpPr>
-          <p:cNvPr id="6" name="Text Placeholder 5">
-            <a:extLst>
-              <a:ext uri="{FF2B5EF4-FFF2-40B4-BE49-F238E27FC236}">
-                <a16:creationId xmlns:a16="http://schemas.microsoft.com/office/drawing/2014/main" id="{33221DE2-465E-4B89-BDBB-17EC727932B0}"/>
+          <p:cNvPr id="8" name="Text Placeholder 7">
+            <a:extLst>
+              <a:ext uri="{FF2B5EF4-FFF2-40B4-BE49-F238E27FC236}">
+                <a16:creationId xmlns:a16="http://schemas.microsoft.com/office/drawing/2014/main" id="{1C19D996-1EAD-4EC5-92CC-5A60F9A9E91F}"/>
               </a:ext>
             </a:extLst>
           </p:cNvPr>
@@ -46275,13 +44618,13 @@
             <a:spLocks noGrp="1"/>
           </p:cNvSpPr>
           <p:nvPr>
-            <p:ph type="body" idx="1"/>
+            <p:ph type="body" idx="14"/>
           </p:nvPr>
         </p:nvSpPr>
         <p:spPr>
           <a:xfrm>
-            <a:off x="6894590" y="2564785"/>
-            <a:ext cx="4992609" cy="3721609"/>
+            <a:off x="5061643" y="2146853"/>
+            <a:ext cx="6891819" cy="4585252"/>
           </a:xfrm>
         </p:spPr>
         <p:txBody>
@@ -46290,64 +44633,64 @@
           </a:bodyPr>
           <a:lstStyle/>
           <a:p>
-            <a:r>
-              <a:rPr lang="pt-BR" sz="2800" dirty="0">
+            <a:pPr marL="0" indent="0">
+              <a:buNone/>
+            </a:pPr>
+            <a:endParaRPr lang="pt-BR" sz="2000" dirty="0">
+              <a:solidFill>
+                <a:schemeClr val="tx1"/>
+              </a:solidFill>
+            </a:endParaRPr>
+          </a:p>
+          <a:p>
+            <a:pPr marL="0" indent="0" algn="ctr">
+              <a:buNone/>
+            </a:pPr>
+            <a:r>
+              <a:rPr lang="pt-BR" sz="3600" b="1" dirty="0">
+                <a:solidFill>
+                  <a:schemeClr val="tx1"/>
+                </a:solidFill>
+              </a:rPr>
+              <a:t>Entre 5 à 10 Milhões de cópias vendidas</a:t>
+            </a:r>
+          </a:p>
+          <a:p>
+            <a:pPr marL="0" indent="0" algn="ctr">
+              <a:buNone/>
+            </a:pPr>
+            <a:endParaRPr lang="pt-BR" sz="3600" b="1" dirty="0">
+              <a:solidFill>
+                <a:schemeClr val="tx1"/>
+              </a:solidFill>
+            </a:endParaRPr>
+          </a:p>
+          <a:p>
+            <a:pPr marL="0" indent="0" algn="ctr">
+              <a:buNone/>
+            </a:pPr>
+            <a:r>
+              <a:rPr lang="pt-BR" sz="4800" dirty="0">
                 <a:solidFill>
                   <a:schemeClr val="bg2"/>
                 </a:solidFill>
-                <a:latin typeface="+mj-lt"/>
+                <a:latin typeface="Gill Sans MT Condensed" panose="020B0506020104020203" pitchFamily="34" charset="0"/>
               </a:rPr>
-              <a:t>PC</a:t>
-            </a:r>
-          </a:p>
-          <a:p>
-            <a:pPr marL="285750" indent="-285750">
-              <a:buFont typeface="Courier New" panose="02070309020205020404" pitchFamily="49" charset="0"/>
-              <a:buChar char="o"/>
+              <a:t>Preço</a:t>
+            </a:r>
+          </a:p>
+          <a:p>
+            <a:pPr marL="0" indent="0" algn="ctr">
+              <a:buNone/>
             </a:pPr>
             <a:r>
-              <a:rPr lang="pt-BR" sz="2400" dirty="0" err="1"/>
-              <a:t>Itch.i.o</a:t>
-            </a:r>
-            <a:endParaRPr lang="pt-BR" sz="2400" dirty="0"/>
-          </a:p>
-          <a:p>
-            <a:pPr marL="285750" indent="-285750">
-              <a:buFont typeface="Courier New" panose="02070309020205020404" pitchFamily="49" charset="0"/>
-              <a:buChar char="o"/>
-            </a:pPr>
-            <a:r>
-              <a:rPr lang="pt-BR" sz="2400" dirty="0" err="1"/>
-              <a:t>GameJolt</a:t>
-            </a:r>
-            <a:endParaRPr lang="pt-BR" sz="2400" dirty="0"/>
-          </a:p>
-          <a:p>
-            <a:endParaRPr lang="pt-BR" sz="1600" dirty="0"/>
-          </a:p>
-          <a:p>
-            <a:r>
-              <a:rPr lang="pt-BR" sz="2800" dirty="0">
-                <a:solidFill>
-                  <a:schemeClr val="bg2"/>
-                </a:solidFill>
-                <a:latin typeface="+mj-lt"/>
+              <a:rPr lang="pt-BR" sz="3600" b="1" dirty="0">
+                <a:solidFill>
+                  <a:schemeClr val="tx1"/>
+                </a:solidFill>
               </a:rPr>
-              <a:t>ANDROID</a:t>
-            </a:r>
-          </a:p>
-          <a:p>
-            <a:pPr marL="342900" indent="-342900">
-              <a:buFont typeface="Courier New" panose="02070309020205020404" pitchFamily="49" charset="0"/>
-              <a:buChar char="o"/>
-            </a:pPr>
-            <a:r>
-              <a:rPr lang="pt-BR" sz="2400" dirty="0"/>
-              <a:t>Google Play</a:t>
-            </a:r>
-          </a:p>
-          <a:p>
-            <a:endParaRPr lang="en-US" dirty="0"/>
+              <a:t>U$14,99</a:t>
+            </a:r>
           </a:p>
         </p:txBody>
       </p:sp>
@@ -46356,7 +44699,7 @@
           <p:cNvPr id="4" name="Slide Number Placeholder 3">
             <a:extLst>
               <a:ext uri="{FF2B5EF4-FFF2-40B4-BE49-F238E27FC236}">
-                <a16:creationId xmlns:a16="http://schemas.microsoft.com/office/drawing/2014/main" id="{F9EB9F42-DBAC-4200-A2A6-96F4D943EB76}"/>
+                <a16:creationId xmlns:a16="http://schemas.microsoft.com/office/drawing/2014/main" id="{494C7D40-6709-40D4-B0FB-9D6311AF439F}"/>
               </a:ext>
             </a:extLst>
           </p:cNvPr>
@@ -46386,7 +44729,7 @@
           <p:cNvPr id="3" name="Footer Placeholder 2">
             <a:extLst>
               <a:ext uri="{FF2B5EF4-FFF2-40B4-BE49-F238E27FC236}">
-                <a16:creationId xmlns:a16="http://schemas.microsoft.com/office/drawing/2014/main" id="{2032CBFD-8EB3-4D94-8FDF-C4198EF11216}"/>
+                <a16:creationId xmlns:a16="http://schemas.microsoft.com/office/drawing/2014/main" id="{101DB817-586B-493A-922D-54010C888E74}"/>
               </a:ext>
             </a:extLst>
           </p:cNvPr>
@@ -46410,41 +44753,12 @@
           </a:p>
         </p:txBody>
       </p:sp>
-      <p:sp>
-        <p:nvSpPr>
-          <p:cNvPr id="2" name="Date Placeholder 1">
-            <a:extLst>
-              <a:ext uri="{FF2B5EF4-FFF2-40B4-BE49-F238E27FC236}">
-                <a16:creationId xmlns:a16="http://schemas.microsoft.com/office/drawing/2014/main" id="{2ACC7CD0-CDEF-499B-929F-253562EB810A}"/>
-              </a:ext>
-            </a:extLst>
-          </p:cNvPr>
-          <p:cNvSpPr>
-            <a:spLocks noGrp="1"/>
-          </p:cNvSpPr>
-          <p:nvPr>
-            <p:ph type="dt" sz="half" idx="10"/>
-          </p:nvPr>
-        </p:nvSpPr>
-        <p:spPr/>
-        <p:txBody>
-          <a:bodyPr/>
-          <a:lstStyle/>
-          <a:p>
-            <a:r>
-              <a:rPr lang="en-US" dirty="0"/>
-              <a:t>MM.DD.20XX</a:t>
-            </a:r>
-            <a:endParaRPr lang="ru-RU" dirty="0"/>
-          </a:p>
-        </p:txBody>
-      </p:sp>
       <p:pic>
         <p:nvPicPr>
-          <p:cNvPr id="12" name="Espaço Reservado para Imagem 9">
-            <a:extLst>
-              <a:ext uri="{FF2B5EF4-FFF2-40B4-BE49-F238E27FC236}">
-                <a16:creationId xmlns:a16="http://schemas.microsoft.com/office/drawing/2014/main" id="{1754573B-3011-4907-9325-A72B4D71F6DA}"/>
+          <p:cNvPr id="13" name="Espaço Reservado para Imagem 9">
+            <a:extLst>
+              <a:ext uri="{FF2B5EF4-FFF2-40B4-BE49-F238E27FC236}">
+                <a16:creationId xmlns:a16="http://schemas.microsoft.com/office/drawing/2014/main" id="{EDD8FD42-C49C-4261-B0E7-B5F794D0DEE6}"/>
               </a:ext>
             </a:extLst>
           </p:cNvPr>
@@ -46464,6 +44778,2665 @@
         </p:blipFill>
         <p:spPr>
           <a:xfrm>
+            <a:off x="363272" y="296774"/>
+            <a:ext cx="654530" cy="530718"/>
+          </a:xfrm>
+        </p:spPr>
+      </p:pic>
+      <p:sp>
+        <p:nvSpPr>
+          <p:cNvPr id="9" name="Title 4">
+            <a:extLst>
+              <a:ext uri="{FF2B5EF4-FFF2-40B4-BE49-F238E27FC236}">
+                <a16:creationId xmlns:a16="http://schemas.microsoft.com/office/drawing/2014/main" id="{5475214E-66DA-4E23-A3F5-9E3ED988859C}"/>
+              </a:ext>
+            </a:extLst>
+          </p:cNvPr>
+          <p:cNvSpPr txBox="1">
+            <a:spLocks/>
+          </p:cNvSpPr>
+          <p:nvPr/>
+        </p:nvSpPr>
+        <p:spPr>
+          <a:xfrm>
+            <a:off x="6260485" y="1407350"/>
+            <a:ext cx="4494133" cy="804338"/>
+          </a:xfrm>
+          <a:prstGeom prst="rect">
+            <a:avLst/>
+          </a:prstGeom>
+        </p:spPr>
+        <p:txBody>
+          <a:bodyPr vert="horz" lIns="0" tIns="0" rIns="0" bIns="0" rtlCol="0" anchor="b">
+            <a:normAutofit fontScale="92500"/>
+          </a:bodyPr>
+          <a:lstStyle>
+            <a:lvl1pPr algn="l" defTabSz="914400" rtl="0" eaLnBrk="1" latinLnBrk="0" hangingPunct="1">
+              <a:lnSpc>
+                <a:spcPct val="90000"/>
+              </a:lnSpc>
+              <a:spcBef>
+                <a:spcPct val="0"/>
+              </a:spcBef>
+              <a:buNone/>
+              <a:defRPr sz="3600" b="1" kern="1200">
+                <a:solidFill>
+                  <a:schemeClr val="bg2"/>
+                </a:solidFill>
+                <a:latin typeface="+mj-lt"/>
+                <a:ea typeface="+mj-ea"/>
+                <a:cs typeface="+mj-cs"/>
+              </a:defRPr>
+            </a:lvl1pPr>
+          </a:lstStyle>
+          <a:p>
+            <a:pPr algn="ctr"/>
+            <a:r>
+              <a:rPr lang="en-US" dirty="0"/>
+              <a:t>Don´t Starve Together</a:t>
+            </a:r>
+            <a:endParaRPr lang="ru-RU" dirty="0"/>
+          </a:p>
+        </p:txBody>
+      </p:sp>
+    </p:spTree>
+    <p:extLst>
+      <p:ext uri="{BB962C8B-B14F-4D97-AF65-F5344CB8AC3E}">
+        <p14:creationId xmlns:p14="http://schemas.microsoft.com/office/powerpoint/2010/main" val="965884530"/>
+      </p:ext>
+    </p:extLst>
+  </p:cSld>
+  <p:clrMapOvr>
+    <a:masterClrMapping/>
+  </p:clrMapOvr>
+</p:sld>
+</file>
+
+<file path=ppt/slides/slide14.xml><?xml version="1.0" encoding="utf-8"?>
+<p:sld xmlns:a="http://schemas.openxmlformats.org/drawingml/2006/main" xmlns:r="http://schemas.openxmlformats.org/officeDocument/2006/relationships" xmlns:p="http://schemas.openxmlformats.org/presentationml/2006/main">
+  <p:cSld>
+    <p:spTree>
+      <p:nvGrpSpPr>
+        <p:cNvPr id="1" name=""/>
+        <p:cNvGrpSpPr/>
+        <p:nvPr/>
+      </p:nvGrpSpPr>
+      <p:grpSpPr>
+        <a:xfrm>
+          <a:off x="0" y="0"/>
+          <a:ext cx="0" cy="0"/>
+          <a:chOff x="0" y="0"/>
+          <a:chExt cx="0" cy="0"/>
+        </a:xfrm>
+      </p:grpSpPr>
+      <p:sp>
+        <p:nvSpPr>
+          <p:cNvPr id="5" name="Title 4">
+            <a:extLst>
+              <a:ext uri="{FF2B5EF4-FFF2-40B4-BE49-F238E27FC236}">
+                <a16:creationId xmlns:a16="http://schemas.microsoft.com/office/drawing/2014/main" id="{CAA634A5-7FE6-42E8-939A-FEBD82600891}"/>
+              </a:ext>
+            </a:extLst>
+          </p:cNvPr>
+          <p:cNvSpPr>
+            <a:spLocks noGrp="1"/>
+          </p:cNvSpPr>
+          <p:nvPr>
+            <p:ph type="title"/>
+          </p:nvPr>
+        </p:nvSpPr>
+        <p:spPr/>
+        <p:txBody>
+          <a:bodyPr/>
+          <a:lstStyle/>
+          <a:p>
+            <a:r>
+              <a:rPr lang="en-US" dirty="0"/>
+              <a:t>SEGMENTO</a:t>
+            </a:r>
+            <a:endParaRPr lang="ru-RU" dirty="0"/>
+          </a:p>
+        </p:txBody>
+      </p:sp>
+      <p:sp>
+        <p:nvSpPr>
+          <p:cNvPr id="9" name="Text Placeholder 8">
+            <a:extLst>
+              <a:ext uri="{FF2B5EF4-FFF2-40B4-BE49-F238E27FC236}">
+                <a16:creationId xmlns:a16="http://schemas.microsoft.com/office/drawing/2014/main" id="{8E71FA33-E828-4801-B104-D9EE37E432DE}"/>
+              </a:ext>
+            </a:extLst>
+          </p:cNvPr>
+          <p:cNvSpPr>
+            <a:spLocks noGrp="1"/>
+          </p:cNvSpPr>
+          <p:nvPr>
+            <p:ph type="body" idx="29"/>
+          </p:nvPr>
+        </p:nvSpPr>
+        <p:spPr/>
+        <p:txBody>
+          <a:bodyPr>
+            <a:noAutofit/>
+          </a:bodyPr>
+          <a:lstStyle/>
+          <a:p>
+            <a:r>
+              <a:rPr lang="en-US" sz="2800" dirty="0"/>
+              <a:t>PLATAFORMA</a:t>
+            </a:r>
+            <a:endParaRPr lang="ru-RU" sz="2800" dirty="0"/>
+          </a:p>
+        </p:txBody>
+      </p:sp>
+      <p:sp>
+        <p:nvSpPr>
+          <p:cNvPr id="8" name="Text Placeholder 7">
+            <a:extLst>
+              <a:ext uri="{FF2B5EF4-FFF2-40B4-BE49-F238E27FC236}">
+                <a16:creationId xmlns:a16="http://schemas.microsoft.com/office/drawing/2014/main" id="{99DFBDB4-30C1-4168-A5E2-42A184496F62}"/>
+              </a:ext>
+            </a:extLst>
+          </p:cNvPr>
+          <p:cNvSpPr>
+            <a:spLocks noGrp="1"/>
+          </p:cNvSpPr>
+          <p:nvPr>
+            <p:ph type="body" idx="27"/>
+          </p:nvPr>
+        </p:nvSpPr>
+        <p:spPr/>
+        <p:txBody>
+          <a:bodyPr>
+            <a:normAutofit/>
+          </a:bodyPr>
+          <a:lstStyle/>
+          <a:p>
+            <a:r>
+              <a:rPr lang="en-US" sz="2400" b="1" dirty="0">
+                <a:solidFill>
+                  <a:srgbClr val="01ACAD"/>
+                </a:solidFill>
+              </a:rPr>
+              <a:t> PC</a:t>
+            </a:r>
+          </a:p>
+          <a:p>
+            <a:r>
+              <a:rPr lang="en-US" sz="2400" b="1" dirty="0">
+                <a:solidFill>
+                  <a:srgbClr val="01ACAD"/>
+                </a:solidFill>
+              </a:rPr>
+              <a:t> </a:t>
+            </a:r>
+            <a:r>
+              <a:rPr lang="en-US" sz="2400" b="1" dirty="0" err="1">
+                <a:solidFill>
+                  <a:srgbClr val="01ACAD"/>
+                </a:solidFill>
+              </a:rPr>
+              <a:t>Usuários</a:t>
+            </a:r>
+            <a:r>
+              <a:rPr lang="en-US" sz="2400" b="1" dirty="0">
+                <a:solidFill>
+                  <a:srgbClr val="01ACAD"/>
+                </a:solidFill>
+              </a:rPr>
+              <a:t> de </a:t>
+            </a:r>
+            <a:r>
+              <a:rPr lang="en-US" sz="2400" b="1" dirty="0" err="1">
+                <a:solidFill>
+                  <a:srgbClr val="01ACAD"/>
+                </a:solidFill>
+              </a:rPr>
+              <a:t>dispositivos</a:t>
+            </a:r>
+            <a:r>
+              <a:rPr lang="en-US" sz="2400" b="1" dirty="0">
+                <a:solidFill>
+                  <a:srgbClr val="01ACAD"/>
+                </a:solidFill>
+              </a:rPr>
+              <a:t> android</a:t>
+            </a:r>
+          </a:p>
+          <a:p>
+            <a:pPr marL="0" indent="0">
+              <a:buNone/>
+            </a:pPr>
+            <a:endParaRPr lang="ru-RU" dirty="0"/>
+          </a:p>
+        </p:txBody>
+      </p:sp>
+      <p:sp>
+        <p:nvSpPr>
+          <p:cNvPr id="11" name="Text Placeholder 10">
+            <a:extLst>
+              <a:ext uri="{FF2B5EF4-FFF2-40B4-BE49-F238E27FC236}">
+                <a16:creationId xmlns:a16="http://schemas.microsoft.com/office/drawing/2014/main" id="{FCE7D97E-00B7-4F79-BFF8-2D7EDFAE5F02}"/>
+              </a:ext>
+            </a:extLst>
+          </p:cNvPr>
+          <p:cNvSpPr>
+            <a:spLocks noGrp="1"/>
+          </p:cNvSpPr>
+          <p:nvPr>
+            <p:ph type="body" idx="31"/>
+          </p:nvPr>
+        </p:nvSpPr>
+        <p:spPr/>
+        <p:txBody>
+          <a:bodyPr>
+            <a:noAutofit/>
+          </a:bodyPr>
+          <a:lstStyle/>
+          <a:p>
+            <a:r>
+              <a:rPr lang="en-US" sz="2800" dirty="0"/>
+              <a:t>PÚBLICO</a:t>
+            </a:r>
+            <a:endParaRPr lang="ru-RU" sz="2800" dirty="0"/>
+          </a:p>
+        </p:txBody>
+      </p:sp>
+      <p:sp>
+        <p:nvSpPr>
+          <p:cNvPr id="10" name="Text Placeholder 9">
+            <a:extLst>
+              <a:ext uri="{FF2B5EF4-FFF2-40B4-BE49-F238E27FC236}">
+                <a16:creationId xmlns:a16="http://schemas.microsoft.com/office/drawing/2014/main" id="{80D2D95B-77BF-49F5-AFBD-07FDD7C43B82}"/>
+              </a:ext>
+            </a:extLst>
+          </p:cNvPr>
+          <p:cNvSpPr>
+            <a:spLocks noGrp="1"/>
+          </p:cNvSpPr>
+          <p:nvPr>
+            <p:ph type="body" idx="30"/>
+          </p:nvPr>
+        </p:nvSpPr>
+        <p:spPr>
+          <a:xfrm>
+            <a:off x="6098826" y="3335524"/>
+            <a:ext cx="5311245" cy="2248846"/>
+          </a:xfrm>
+        </p:spPr>
+        <p:txBody>
+          <a:bodyPr>
+            <a:normAutofit/>
+          </a:bodyPr>
+          <a:lstStyle/>
+          <a:p>
+            <a:r>
+              <a:rPr lang="en-US" sz="2400" b="1" dirty="0">
+                <a:solidFill>
+                  <a:schemeClr val="tx1"/>
+                </a:solidFill>
+              </a:rPr>
+              <a:t> </a:t>
+            </a:r>
+            <a:r>
+              <a:rPr lang="en-US" sz="2400" b="1" dirty="0" err="1">
+                <a:solidFill>
+                  <a:schemeClr val="tx1"/>
+                </a:solidFill>
+              </a:rPr>
+              <a:t>Jovens</a:t>
+            </a:r>
+            <a:r>
+              <a:rPr lang="en-US" sz="2400" b="1" dirty="0">
+                <a:solidFill>
+                  <a:schemeClr val="tx1"/>
+                </a:solidFill>
+              </a:rPr>
+              <a:t> e </a:t>
+            </a:r>
+            <a:r>
+              <a:rPr lang="en-US" sz="2400" b="1" dirty="0" err="1">
+                <a:solidFill>
+                  <a:schemeClr val="tx1"/>
+                </a:solidFill>
+              </a:rPr>
+              <a:t>adultos</a:t>
+            </a:r>
+            <a:endParaRPr lang="en-US" sz="2400" b="1" dirty="0">
+              <a:solidFill>
+                <a:schemeClr val="tx1"/>
+              </a:solidFill>
+            </a:endParaRPr>
+          </a:p>
+          <a:p>
+            <a:r>
+              <a:rPr lang="en-US" sz="2400" b="1" dirty="0">
+                <a:solidFill>
+                  <a:schemeClr val="tx1"/>
+                </a:solidFill>
+              </a:rPr>
+              <a:t> Entre 12 e 35 </a:t>
+            </a:r>
+            <a:r>
+              <a:rPr lang="en-US" sz="2400" b="1" dirty="0" err="1">
+                <a:solidFill>
+                  <a:schemeClr val="tx1"/>
+                </a:solidFill>
+              </a:rPr>
+              <a:t>anos</a:t>
+            </a:r>
+            <a:r>
+              <a:rPr lang="en-US" sz="2400" b="1" dirty="0">
+                <a:solidFill>
+                  <a:schemeClr val="tx1"/>
+                </a:solidFill>
+              </a:rPr>
+              <a:t>.</a:t>
+            </a:r>
+          </a:p>
+        </p:txBody>
+      </p:sp>
+      <p:sp>
+        <p:nvSpPr>
+          <p:cNvPr id="4" name="Slide Number Placeholder 3">
+            <a:extLst>
+              <a:ext uri="{FF2B5EF4-FFF2-40B4-BE49-F238E27FC236}">
+                <a16:creationId xmlns:a16="http://schemas.microsoft.com/office/drawing/2014/main" id="{670F84A1-DCA9-4894-82EA-A83237ACA8B7}"/>
+              </a:ext>
+            </a:extLst>
+          </p:cNvPr>
+          <p:cNvSpPr>
+            <a:spLocks noGrp="1"/>
+          </p:cNvSpPr>
+          <p:nvPr>
+            <p:ph type="sldNum" sz="quarter" idx="12"/>
+          </p:nvPr>
+        </p:nvSpPr>
+        <p:spPr/>
+        <p:txBody>
+          <a:bodyPr/>
+          <a:lstStyle/>
+          <a:p>
+            <a:fld id="{8D581BC7-E183-40DB-AC97-C19EA4EB8894}" type="slidenum">
+              <a:rPr lang="ru-RU" smtClean="0"/>
+              <a:t>14</a:t>
+            </a:fld>
+            <a:endParaRPr lang="ru-RU" dirty="0"/>
+          </a:p>
+        </p:txBody>
+      </p:sp>
+      <p:sp>
+        <p:nvSpPr>
+          <p:cNvPr id="3" name="Footer Placeholder 2">
+            <a:extLst>
+              <a:ext uri="{FF2B5EF4-FFF2-40B4-BE49-F238E27FC236}">
+                <a16:creationId xmlns:a16="http://schemas.microsoft.com/office/drawing/2014/main" id="{375E9DB8-C5FF-491C-87D4-2A6ED2915442}"/>
+              </a:ext>
+            </a:extLst>
+          </p:cNvPr>
+          <p:cNvSpPr>
+            <a:spLocks noGrp="1"/>
+          </p:cNvSpPr>
+          <p:nvPr>
+            <p:ph type="ftr" sz="quarter" idx="11"/>
+          </p:nvPr>
+        </p:nvSpPr>
+        <p:spPr/>
+        <p:txBody>
+          <a:bodyPr/>
+          <a:lstStyle/>
+          <a:p>
+            <a:r>
+              <a:rPr lang="en-US" dirty="0"/>
+              <a:t>ADD A FOOTER</a:t>
+            </a:r>
+            <a:endParaRPr lang="ru-RU" dirty="0"/>
+          </a:p>
+        </p:txBody>
+      </p:sp>
+      <p:sp>
+        <p:nvSpPr>
+          <p:cNvPr id="2" name="Date Placeholder 1">
+            <a:extLst>
+              <a:ext uri="{FF2B5EF4-FFF2-40B4-BE49-F238E27FC236}">
+                <a16:creationId xmlns:a16="http://schemas.microsoft.com/office/drawing/2014/main" id="{FC52B98C-5C1E-46B1-B54D-F830C622743A}"/>
+              </a:ext>
+            </a:extLst>
+          </p:cNvPr>
+          <p:cNvSpPr>
+            <a:spLocks noGrp="1"/>
+          </p:cNvSpPr>
+          <p:nvPr>
+            <p:ph type="dt" sz="half" idx="10"/>
+          </p:nvPr>
+        </p:nvSpPr>
+        <p:spPr/>
+        <p:txBody>
+          <a:bodyPr/>
+          <a:lstStyle/>
+          <a:p>
+            <a:r>
+              <a:rPr lang="en-US" dirty="0"/>
+              <a:t>MM.DD.20XX</a:t>
+            </a:r>
+            <a:endParaRPr lang="ru-RU" dirty="0"/>
+          </a:p>
+        </p:txBody>
+      </p:sp>
+      <p:pic>
+        <p:nvPicPr>
+          <p:cNvPr id="12" name="Espaço Reservado para Imagem 9">
+            <a:extLst>
+              <a:ext uri="{FF2B5EF4-FFF2-40B4-BE49-F238E27FC236}">
+                <a16:creationId xmlns:a16="http://schemas.microsoft.com/office/drawing/2014/main" id="{10DC1DC6-C93B-4735-B07E-59C751C1858F}"/>
+              </a:ext>
+            </a:extLst>
+          </p:cNvPr>
+          <p:cNvPicPr>
+            <a:picLocks noChangeAspect="1"/>
+          </p:cNvPicPr>
+          <p:nvPr/>
+        </p:nvPicPr>
+        <p:blipFill>
+          <a:blip r:embed="rId2"/>
+          <a:srcRect l="579" r="579"/>
+          <a:stretch>
+            <a:fillRect/>
+          </a:stretch>
+        </p:blipFill>
+        <p:spPr>
+          <a:xfrm>
+            <a:off x="624155" y="329286"/>
+            <a:ext cx="663468" cy="537965"/>
+          </a:xfrm>
+          <a:prstGeom prst="rect">
+            <a:avLst/>
+          </a:prstGeom>
+        </p:spPr>
+      </p:pic>
+    </p:spTree>
+    <p:extLst>
+      <p:ext uri="{BB962C8B-B14F-4D97-AF65-F5344CB8AC3E}">
+        <p14:creationId xmlns:p14="http://schemas.microsoft.com/office/powerpoint/2010/main" val="265098036"/>
+      </p:ext>
+    </p:extLst>
+  </p:cSld>
+  <p:clrMapOvr>
+    <a:masterClrMapping/>
+  </p:clrMapOvr>
+</p:sld>
+</file>
+
+<file path=ppt/slides/slide15.xml><?xml version="1.0" encoding="utf-8"?>
+<p:sld xmlns:a="http://schemas.openxmlformats.org/drawingml/2006/main" xmlns:r="http://schemas.openxmlformats.org/officeDocument/2006/relationships" xmlns:p="http://schemas.openxmlformats.org/presentationml/2006/main">
+  <p:cSld>
+    <p:spTree>
+      <p:nvGrpSpPr>
+        <p:cNvPr id="1" name=""/>
+        <p:cNvGrpSpPr/>
+        <p:nvPr/>
+      </p:nvGrpSpPr>
+      <p:grpSpPr>
+        <a:xfrm>
+          <a:off x="0" y="0"/>
+          <a:ext cx="0" cy="0"/>
+          <a:chOff x="0" y="0"/>
+          <a:chExt cx="0" cy="0"/>
+        </a:xfrm>
+      </p:grpSpPr>
+      <p:sp>
+        <p:nvSpPr>
+          <p:cNvPr id="5" name="Title 4">
+            <a:extLst>
+              <a:ext uri="{FF2B5EF4-FFF2-40B4-BE49-F238E27FC236}">
+                <a16:creationId xmlns:a16="http://schemas.microsoft.com/office/drawing/2014/main" id="{CAA634A5-7FE6-42E8-939A-FEBD82600891}"/>
+              </a:ext>
+            </a:extLst>
+          </p:cNvPr>
+          <p:cNvSpPr>
+            <a:spLocks noGrp="1"/>
+          </p:cNvSpPr>
+          <p:nvPr>
+            <p:ph type="title"/>
+          </p:nvPr>
+        </p:nvSpPr>
+        <p:spPr/>
+        <p:txBody>
+          <a:bodyPr/>
+          <a:lstStyle/>
+          <a:p>
+            <a:r>
+              <a:rPr lang="en-US" dirty="0"/>
+              <a:t>SISTEMA SWOT</a:t>
+            </a:r>
+            <a:endParaRPr lang="ru-RU" dirty="0"/>
+          </a:p>
+        </p:txBody>
+      </p:sp>
+      <p:sp>
+        <p:nvSpPr>
+          <p:cNvPr id="9" name="Text Placeholder 8">
+            <a:extLst>
+              <a:ext uri="{FF2B5EF4-FFF2-40B4-BE49-F238E27FC236}">
+                <a16:creationId xmlns:a16="http://schemas.microsoft.com/office/drawing/2014/main" id="{8E71FA33-E828-4801-B104-D9EE37E432DE}"/>
+              </a:ext>
+            </a:extLst>
+          </p:cNvPr>
+          <p:cNvSpPr>
+            <a:spLocks noGrp="1"/>
+          </p:cNvSpPr>
+          <p:nvPr>
+            <p:ph type="body" idx="29"/>
+          </p:nvPr>
+        </p:nvSpPr>
+        <p:spPr>
+          <a:xfrm>
+            <a:off x="778643" y="1534420"/>
+            <a:ext cx="2915732" cy="360000"/>
+          </a:xfrm>
+        </p:spPr>
+        <p:txBody>
+          <a:bodyPr/>
+          <a:lstStyle/>
+          <a:p>
+            <a:r>
+              <a:rPr lang="en-US" dirty="0"/>
+              <a:t>FORÇAS</a:t>
+            </a:r>
+            <a:endParaRPr lang="ru-RU" dirty="0"/>
+          </a:p>
+        </p:txBody>
+      </p:sp>
+      <p:sp>
+        <p:nvSpPr>
+          <p:cNvPr id="11" name="Text Placeholder 10">
+            <a:extLst>
+              <a:ext uri="{FF2B5EF4-FFF2-40B4-BE49-F238E27FC236}">
+                <a16:creationId xmlns:a16="http://schemas.microsoft.com/office/drawing/2014/main" id="{FCE7D97E-00B7-4F79-BFF8-2D7EDFAE5F02}"/>
+              </a:ext>
+            </a:extLst>
+          </p:cNvPr>
+          <p:cNvSpPr>
+            <a:spLocks noGrp="1"/>
+          </p:cNvSpPr>
+          <p:nvPr>
+            <p:ph type="body" idx="31"/>
+          </p:nvPr>
+        </p:nvSpPr>
+        <p:spPr>
+          <a:xfrm>
+            <a:off x="6831653" y="1543851"/>
+            <a:ext cx="2915732" cy="360000"/>
+          </a:xfrm>
+        </p:spPr>
+        <p:txBody>
+          <a:bodyPr/>
+          <a:lstStyle/>
+          <a:p>
+            <a:r>
+              <a:rPr lang="en-US" dirty="0"/>
+              <a:t>FRAQUEZAS</a:t>
+            </a:r>
+            <a:endParaRPr lang="ru-RU" dirty="0"/>
+          </a:p>
+        </p:txBody>
+      </p:sp>
+      <p:sp>
+        <p:nvSpPr>
+          <p:cNvPr id="4" name="Slide Number Placeholder 3">
+            <a:extLst>
+              <a:ext uri="{FF2B5EF4-FFF2-40B4-BE49-F238E27FC236}">
+                <a16:creationId xmlns:a16="http://schemas.microsoft.com/office/drawing/2014/main" id="{670F84A1-DCA9-4894-82EA-A83237ACA8B7}"/>
+              </a:ext>
+            </a:extLst>
+          </p:cNvPr>
+          <p:cNvSpPr>
+            <a:spLocks noGrp="1"/>
+          </p:cNvSpPr>
+          <p:nvPr>
+            <p:ph type="sldNum" sz="quarter" idx="12"/>
+          </p:nvPr>
+        </p:nvSpPr>
+        <p:spPr/>
+        <p:txBody>
+          <a:bodyPr/>
+          <a:lstStyle/>
+          <a:p>
+            <a:fld id="{8D581BC7-E183-40DB-AC97-C19EA4EB8894}" type="slidenum">
+              <a:rPr lang="ru-RU" smtClean="0"/>
+              <a:t>15</a:t>
+            </a:fld>
+            <a:endParaRPr lang="ru-RU" dirty="0"/>
+          </a:p>
+        </p:txBody>
+      </p:sp>
+      <p:sp>
+        <p:nvSpPr>
+          <p:cNvPr id="3" name="Footer Placeholder 2">
+            <a:extLst>
+              <a:ext uri="{FF2B5EF4-FFF2-40B4-BE49-F238E27FC236}">
+                <a16:creationId xmlns:a16="http://schemas.microsoft.com/office/drawing/2014/main" id="{375E9DB8-C5FF-491C-87D4-2A6ED2915442}"/>
+              </a:ext>
+            </a:extLst>
+          </p:cNvPr>
+          <p:cNvSpPr>
+            <a:spLocks noGrp="1"/>
+          </p:cNvSpPr>
+          <p:nvPr>
+            <p:ph type="ftr" sz="quarter" idx="11"/>
+          </p:nvPr>
+        </p:nvSpPr>
+        <p:spPr/>
+        <p:txBody>
+          <a:bodyPr/>
+          <a:lstStyle/>
+          <a:p>
+            <a:r>
+              <a:rPr lang="en-US" dirty="0"/>
+              <a:t>ADD A FOOTER</a:t>
+            </a:r>
+            <a:endParaRPr lang="ru-RU" dirty="0"/>
+          </a:p>
+        </p:txBody>
+      </p:sp>
+      <p:sp>
+        <p:nvSpPr>
+          <p:cNvPr id="2" name="Date Placeholder 1">
+            <a:extLst>
+              <a:ext uri="{FF2B5EF4-FFF2-40B4-BE49-F238E27FC236}">
+                <a16:creationId xmlns:a16="http://schemas.microsoft.com/office/drawing/2014/main" id="{FC52B98C-5C1E-46B1-B54D-F830C622743A}"/>
+              </a:ext>
+            </a:extLst>
+          </p:cNvPr>
+          <p:cNvSpPr>
+            <a:spLocks noGrp="1"/>
+          </p:cNvSpPr>
+          <p:nvPr>
+            <p:ph type="dt" sz="half" idx="10"/>
+          </p:nvPr>
+        </p:nvSpPr>
+        <p:spPr/>
+        <p:txBody>
+          <a:bodyPr/>
+          <a:lstStyle/>
+          <a:p>
+            <a:r>
+              <a:rPr lang="en-US" dirty="0"/>
+              <a:t>MM.DD.20XX</a:t>
+            </a:r>
+            <a:endParaRPr lang="ru-RU" dirty="0"/>
+          </a:p>
+        </p:txBody>
+      </p:sp>
+      <p:pic>
+        <p:nvPicPr>
+          <p:cNvPr id="12" name="Espaço Reservado para Imagem 9">
+            <a:extLst>
+              <a:ext uri="{FF2B5EF4-FFF2-40B4-BE49-F238E27FC236}">
+                <a16:creationId xmlns:a16="http://schemas.microsoft.com/office/drawing/2014/main" id="{10DC1DC6-C93B-4735-B07E-59C751C1858F}"/>
+              </a:ext>
+            </a:extLst>
+          </p:cNvPr>
+          <p:cNvPicPr>
+            <a:picLocks noChangeAspect="1"/>
+          </p:cNvPicPr>
+          <p:nvPr/>
+        </p:nvPicPr>
+        <p:blipFill>
+          <a:blip r:embed="rId2"/>
+          <a:srcRect l="579" r="579"/>
+          <a:stretch>
+            <a:fillRect/>
+          </a:stretch>
+        </p:blipFill>
+        <p:spPr>
+          <a:xfrm>
+            <a:off x="624155" y="329286"/>
+            <a:ext cx="663468" cy="537965"/>
+          </a:xfrm>
+          <a:prstGeom prst="rect">
+            <a:avLst/>
+          </a:prstGeom>
+        </p:spPr>
+      </p:pic>
+      <p:sp>
+        <p:nvSpPr>
+          <p:cNvPr id="13" name="Text Placeholder 10">
+            <a:extLst>
+              <a:ext uri="{FF2B5EF4-FFF2-40B4-BE49-F238E27FC236}">
+                <a16:creationId xmlns:a16="http://schemas.microsoft.com/office/drawing/2014/main" id="{3C67AC92-9769-4345-9332-C9B5BD62C362}"/>
+              </a:ext>
+            </a:extLst>
+          </p:cNvPr>
+          <p:cNvSpPr txBox="1">
+            <a:spLocks/>
+          </p:cNvSpPr>
+          <p:nvPr/>
+        </p:nvSpPr>
+        <p:spPr>
+          <a:xfrm>
+            <a:off x="757047" y="3613428"/>
+            <a:ext cx="2915732" cy="360000"/>
+          </a:xfrm>
+          <a:prstGeom prst="rect">
+            <a:avLst/>
+          </a:prstGeom>
+        </p:spPr>
+        <p:txBody>
+          <a:bodyPr vert="horz" lIns="0" tIns="0" rIns="0" bIns="0" rtlCol="0" anchor="b" anchorCtr="0">
+            <a:normAutofit/>
+          </a:bodyPr>
+          <a:lstStyle>
+            <a:lvl1pPr marL="0" indent="0" algn="l" defTabSz="914400" rtl="0" eaLnBrk="1" latinLnBrk="0" hangingPunct="1">
+              <a:lnSpc>
+                <a:spcPct val="90000"/>
+              </a:lnSpc>
+              <a:spcBef>
+                <a:spcPts val="600"/>
+              </a:spcBef>
+              <a:buClr>
+                <a:schemeClr val="tx1"/>
+              </a:buClr>
+              <a:buFont typeface="Courier New" panose="02070309020205020404" pitchFamily="49" charset="0"/>
+              <a:buNone/>
+              <a:defRPr sz="2000" b="1" kern="1200">
+                <a:solidFill>
+                  <a:schemeClr val="bg2"/>
+                </a:solidFill>
+                <a:latin typeface="+mj-lt"/>
+                <a:ea typeface="+mn-ea"/>
+                <a:cs typeface="+mn-cs"/>
+              </a:defRPr>
+            </a:lvl1pPr>
+            <a:lvl2pPr marL="457200" indent="0" algn="l" defTabSz="914400" rtl="0" eaLnBrk="1" latinLnBrk="0" hangingPunct="1">
+              <a:lnSpc>
+                <a:spcPct val="90000"/>
+              </a:lnSpc>
+              <a:spcBef>
+                <a:spcPts val="500"/>
+              </a:spcBef>
+              <a:buFont typeface="Arial" panose="020B0604020202020204" pitchFamily="34" charset="0"/>
+              <a:buNone/>
+              <a:defRPr sz="2000" kern="1200">
+                <a:solidFill>
+                  <a:schemeClr val="tx1">
+                    <a:tint val="75000"/>
+                  </a:schemeClr>
+                </a:solidFill>
+                <a:latin typeface="+mn-lt"/>
+                <a:ea typeface="+mn-ea"/>
+                <a:cs typeface="+mn-cs"/>
+              </a:defRPr>
+            </a:lvl2pPr>
+            <a:lvl3pPr marL="914400" indent="0" algn="l" defTabSz="914400" rtl="0" eaLnBrk="1" latinLnBrk="0" hangingPunct="1">
+              <a:lnSpc>
+                <a:spcPct val="90000"/>
+              </a:lnSpc>
+              <a:spcBef>
+                <a:spcPts val="500"/>
+              </a:spcBef>
+              <a:buFont typeface="Arial" panose="020B0604020202020204" pitchFamily="34" charset="0"/>
+              <a:buNone/>
+              <a:defRPr sz="1800" kern="1200">
+                <a:solidFill>
+                  <a:schemeClr val="tx1">
+                    <a:tint val="75000"/>
+                  </a:schemeClr>
+                </a:solidFill>
+                <a:latin typeface="+mn-lt"/>
+                <a:ea typeface="+mn-ea"/>
+                <a:cs typeface="+mn-cs"/>
+              </a:defRPr>
+            </a:lvl3pPr>
+            <a:lvl4pPr marL="1371600" indent="0" algn="l" defTabSz="914400" rtl="0" eaLnBrk="1" latinLnBrk="0" hangingPunct="1">
+              <a:lnSpc>
+                <a:spcPct val="90000"/>
+              </a:lnSpc>
+              <a:spcBef>
+                <a:spcPts val="500"/>
+              </a:spcBef>
+              <a:buFont typeface="Arial" panose="020B0604020202020204" pitchFamily="34" charset="0"/>
+              <a:buNone/>
+              <a:defRPr sz="1600" kern="1200">
+                <a:solidFill>
+                  <a:schemeClr val="tx1">
+                    <a:tint val="75000"/>
+                  </a:schemeClr>
+                </a:solidFill>
+                <a:latin typeface="+mn-lt"/>
+                <a:ea typeface="+mn-ea"/>
+                <a:cs typeface="+mn-cs"/>
+              </a:defRPr>
+            </a:lvl4pPr>
+            <a:lvl5pPr marL="1828800" indent="0" algn="l" defTabSz="914400" rtl="0" eaLnBrk="1" latinLnBrk="0" hangingPunct="1">
+              <a:lnSpc>
+                <a:spcPct val="90000"/>
+              </a:lnSpc>
+              <a:spcBef>
+                <a:spcPts val="500"/>
+              </a:spcBef>
+              <a:buFont typeface="Arial" panose="020B0604020202020204" pitchFamily="34" charset="0"/>
+              <a:buNone/>
+              <a:defRPr sz="1600" kern="1200">
+                <a:solidFill>
+                  <a:schemeClr val="tx1">
+                    <a:tint val="75000"/>
+                  </a:schemeClr>
+                </a:solidFill>
+                <a:latin typeface="+mn-lt"/>
+                <a:ea typeface="+mn-ea"/>
+                <a:cs typeface="+mn-cs"/>
+              </a:defRPr>
+            </a:lvl5pPr>
+            <a:lvl6pPr marL="2286000" indent="0" algn="l" defTabSz="914400" rtl="0" eaLnBrk="1" latinLnBrk="0" hangingPunct="1">
+              <a:lnSpc>
+                <a:spcPct val="90000"/>
+              </a:lnSpc>
+              <a:spcBef>
+                <a:spcPts val="500"/>
+              </a:spcBef>
+              <a:buFont typeface="Arial" panose="020B0604020202020204" pitchFamily="34" charset="0"/>
+              <a:buNone/>
+              <a:defRPr sz="1600" kern="1200">
+                <a:solidFill>
+                  <a:schemeClr val="tx1">
+                    <a:tint val="75000"/>
+                  </a:schemeClr>
+                </a:solidFill>
+                <a:latin typeface="+mn-lt"/>
+                <a:ea typeface="+mn-ea"/>
+                <a:cs typeface="+mn-cs"/>
+              </a:defRPr>
+            </a:lvl6pPr>
+            <a:lvl7pPr marL="2743200" indent="0" algn="l" defTabSz="914400" rtl="0" eaLnBrk="1" latinLnBrk="0" hangingPunct="1">
+              <a:lnSpc>
+                <a:spcPct val="90000"/>
+              </a:lnSpc>
+              <a:spcBef>
+                <a:spcPts val="500"/>
+              </a:spcBef>
+              <a:buFont typeface="Arial" panose="020B0604020202020204" pitchFamily="34" charset="0"/>
+              <a:buNone/>
+              <a:defRPr sz="1600" kern="1200">
+                <a:solidFill>
+                  <a:schemeClr val="tx1">
+                    <a:tint val="75000"/>
+                  </a:schemeClr>
+                </a:solidFill>
+                <a:latin typeface="+mn-lt"/>
+                <a:ea typeface="+mn-ea"/>
+                <a:cs typeface="+mn-cs"/>
+              </a:defRPr>
+            </a:lvl7pPr>
+            <a:lvl8pPr marL="3200400" indent="0" algn="l" defTabSz="914400" rtl="0" eaLnBrk="1" latinLnBrk="0" hangingPunct="1">
+              <a:lnSpc>
+                <a:spcPct val="90000"/>
+              </a:lnSpc>
+              <a:spcBef>
+                <a:spcPts val="500"/>
+              </a:spcBef>
+              <a:buFont typeface="Arial" panose="020B0604020202020204" pitchFamily="34" charset="0"/>
+              <a:buNone/>
+              <a:defRPr sz="1600" kern="1200">
+                <a:solidFill>
+                  <a:schemeClr val="tx1">
+                    <a:tint val="75000"/>
+                  </a:schemeClr>
+                </a:solidFill>
+                <a:latin typeface="+mn-lt"/>
+                <a:ea typeface="+mn-ea"/>
+                <a:cs typeface="+mn-cs"/>
+              </a:defRPr>
+            </a:lvl8pPr>
+            <a:lvl9pPr marL="3657600" indent="0" algn="l" defTabSz="914400" rtl="0" eaLnBrk="1" latinLnBrk="0" hangingPunct="1">
+              <a:lnSpc>
+                <a:spcPct val="90000"/>
+              </a:lnSpc>
+              <a:spcBef>
+                <a:spcPts val="500"/>
+              </a:spcBef>
+              <a:buFont typeface="Arial" panose="020B0604020202020204" pitchFamily="34" charset="0"/>
+              <a:buNone/>
+              <a:defRPr sz="1600" kern="1200">
+                <a:solidFill>
+                  <a:schemeClr val="tx1">
+                    <a:tint val="75000"/>
+                  </a:schemeClr>
+                </a:solidFill>
+                <a:latin typeface="+mn-lt"/>
+                <a:ea typeface="+mn-ea"/>
+                <a:cs typeface="+mn-cs"/>
+              </a:defRPr>
+            </a:lvl9pPr>
+          </a:lstStyle>
+          <a:p>
+            <a:r>
+              <a:rPr lang="en-US" dirty="0"/>
+              <a:t>OPORTUNIDADES</a:t>
+            </a:r>
+            <a:endParaRPr lang="ru-RU" dirty="0"/>
+          </a:p>
+        </p:txBody>
+      </p:sp>
+      <p:sp>
+        <p:nvSpPr>
+          <p:cNvPr id="15" name="Text Placeholder 10">
+            <a:extLst>
+              <a:ext uri="{FF2B5EF4-FFF2-40B4-BE49-F238E27FC236}">
+                <a16:creationId xmlns:a16="http://schemas.microsoft.com/office/drawing/2014/main" id="{D0DCF23D-0D17-4A6B-9628-93BCFAD82758}"/>
+              </a:ext>
+            </a:extLst>
+          </p:cNvPr>
+          <p:cNvSpPr txBox="1">
+            <a:spLocks/>
+          </p:cNvSpPr>
+          <p:nvPr/>
+        </p:nvSpPr>
+        <p:spPr>
+          <a:xfrm>
+            <a:off x="6831653" y="3663144"/>
+            <a:ext cx="2915732" cy="360000"/>
+          </a:xfrm>
+          <a:prstGeom prst="rect">
+            <a:avLst/>
+          </a:prstGeom>
+        </p:spPr>
+        <p:txBody>
+          <a:bodyPr vert="horz" lIns="0" tIns="0" rIns="0" bIns="0" rtlCol="0" anchor="b" anchorCtr="0">
+            <a:normAutofit/>
+          </a:bodyPr>
+          <a:lstStyle>
+            <a:lvl1pPr marL="0" indent="0" algn="l" defTabSz="914400" rtl="0" eaLnBrk="1" latinLnBrk="0" hangingPunct="1">
+              <a:lnSpc>
+                <a:spcPct val="90000"/>
+              </a:lnSpc>
+              <a:spcBef>
+                <a:spcPts val="600"/>
+              </a:spcBef>
+              <a:buClr>
+                <a:schemeClr val="tx1"/>
+              </a:buClr>
+              <a:buFont typeface="Courier New" panose="02070309020205020404" pitchFamily="49" charset="0"/>
+              <a:buNone/>
+              <a:defRPr sz="2000" b="1" kern="1200">
+                <a:solidFill>
+                  <a:schemeClr val="bg2"/>
+                </a:solidFill>
+                <a:latin typeface="+mj-lt"/>
+                <a:ea typeface="+mn-ea"/>
+                <a:cs typeface="+mn-cs"/>
+              </a:defRPr>
+            </a:lvl1pPr>
+            <a:lvl2pPr marL="457200" indent="0" algn="l" defTabSz="914400" rtl="0" eaLnBrk="1" latinLnBrk="0" hangingPunct="1">
+              <a:lnSpc>
+                <a:spcPct val="90000"/>
+              </a:lnSpc>
+              <a:spcBef>
+                <a:spcPts val="500"/>
+              </a:spcBef>
+              <a:buFont typeface="Arial" panose="020B0604020202020204" pitchFamily="34" charset="0"/>
+              <a:buNone/>
+              <a:defRPr sz="2000" kern="1200">
+                <a:solidFill>
+                  <a:schemeClr val="tx1">
+                    <a:tint val="75000"/>
+                  </a:schemeClr>
+                </a:solidFill>
+                <a:latin typeface="+mn-lt"/>
+                <a:ea typeface="+mn-ea"/>
+                <a:cs typeface="+mn-cs"/>
+              </a:defRPr>
+            </a:lvl2pPr>
+            <a:lvl3pPr marL="914400" indent="0" algn="l" defTabSz="914400" rtl="0" eaLnBrk="1" latinLnBrk="0" hangingPunct="1">
+              <a:lnSpc>
+                <a:spcPct val="90000"/>
+              </a:lnSpc>
+              <a:spcBef>
+                <a:spcPts val="500"/>
+              </a:spcBef>
+              <a:buFont typeface="Arial" panose="020B0604020202020204" pitchFamily="34" charset="0"/>
+              <a:buNone/>
+              <a:defRPr sz="1800" kern="1200">
+                <a:solidFill>
+                  <a:schemeClr val="tx1">
+                    <a:tint val="75000"/>
+                  </a:schemeClr>
+                </a:solidFill>
+                <a:latin typeface="+mn-lt"/>
+                <a:ea typeface="+mn-ea"/>
+                <a:cs typeface="+mn-cs"/>
+              </a:defRPr>
+            </a:lvl3pPr>
+            <a:lvl4pPr marL="1371600" indent="0" algn="l" defTabSz="914400" rtl="0" eaLnBrk="1" latinLnBrk="0" hangingPunct="1">
+              <a:lnSpc>
+                <a:spcPct val="90000"/>
+              </a:lnSpc>
+              <a:spcBef>
+                <a:spcPts val="500"/>
+              </a:spcBef>
+              <a:buFont typeface="Arial" panose="020B0604020202020204" pitchFamily="34" charset="0"/>
+              <a:buNone/>
+              <a:defRPr sz="1600" kern="1200">
+                <a:solidFill>
+                  <a:schemeClr val="tx1">
+                    <a:tint val="75000"/>
+                  </a:schemeClr>
+                </a:solidFill>
+                <a:latin typeface="+mn-lt"/>
+                <a:ea typeface="+mn-ea"/>
+                <a:cs typeface="+mn-cs"/>
+              </a:defRPr>
+            </a:lvl4pPr>
+            <a:lvl5pPr marL="1828800" indent="0" algn="l" defTabSz="914400" rtl="0" eaLnBrk="1" latinLnBrk="0" hangingPunct="1">
+              <a:lnSpc>
+                <a:spcPct val="90000"/>
+              </a:lnSpc>
+              <a:spcBef>
+                <a:spcPts val="500"/>
+              </a:spcBef>
+              <a:buFont typeface="Arial" panose="020B0604020202020204" pitchFamily="34" charset="0"/>
+              <a:buNone/>
+              <a:defRPr sz="1600" kern="1200">
+                <a:solidFill>
+                  <a:schemeClr val="tx1">
+                    <a:tint val="75000"/>
+                  </a:schemeClr>
+                </a:solidFill>
+                <a:latin typeface="+mn-lt"/>
+                <a:ea typeface="+mn-ea"/>
+                <a:cs typeface="+mn-cs"/>
+              </a:defRPr>
+            </a:lvl5pPr>
+            <a:lvl6pPr marL="2286000" indent="0" algn="l" defTabSz="914400" rtl="0" eaLnBrk="1" latinLnBrk="0" hangingPunct="1">
+              <a:lnSpc>
+                <a:spcPct val="90000"/>
+              </a:lnSpc>
+              <a:spcBef>
+                <a:spcPts val="500"/>
+              </a:spcBef>
+              <a:buFont typeface="Arial" panose="020B0604020202020204" pitchFamily="34" charset="0"/>
+              <a:buNone/>
+              <a:defRPr sz="1600" kern="1200">
+                <a:solidFill>
+                  <a:schemeClr val="tx1">
+                    <a:tint val="75000"/>
+                  </a:schemeClr>
+                </a:solidFill>
+                <a:latin typeface="+mn-lt"/>
+                <a:ea typeface="+mn-ea"/>
+                <a:cs typeface="+mn-cs"/>
+              </a:defRPr>
+            </a:lvl6pPr>
+            <a:lvl7pPr marL="2743200" indent="0" algn="l" defTabSz="914400" rtl="0" eaLnBrk="1" latinLnBrk="0" hangingPunct="1">
+              <a:lnSpc>
+                <a:spcPct val="90000"/>
+              </a:lnSpc>
+              <a:spcBef>
+                <a:spcPts val="500"/>
+              </a:spcBef>
+              <a:buFont typeface="Arial" panose="020B0604020202020204" pitchFamily="34" charset="0"/>
+              <a:buNone/>
+              <a:defRPr sz="1600" kern="1200">
+                <a:solidFill>
+                  <a:schemeClr val="tx1">
+                    <a:tint val="75000"/>
+                  </a:schemeClr>
+                </a:solidFill>
+                <a:latin typeface="+mn-lt"/>
+                <a:ea typeface="+mn-ea"/>
+                <a:cs typeface="+mn-cs"/>
+              </a:defRPr>
+            </a:lvl7pPr>
+            <a:lvl8pPr marL="3200400" indent="0" algn="l" defTabSz="914400" rtl="0" eaLnBrk="1" latinLnBrk="0" hangingPunct="1">
+              <a:lnSpc>
+                <a:spcPct val="90000"/>
+              </a:lnSpc>
+              <a:spcBef>
+                <a:spcPts val="500"/>
+              </a:spcBef>
+              <a:buFont typeface="Arial" panose="020B0604020202020204" pitchFamily="34" charset="0"/>
+              <a:buNone/>
+              <a:defRPr sz="1600" kern="1200">
+                <a:solidFill>
+                  <a:schemeClr val="tx1">
+                    <a:tint val="75000"/>
+                  </a:schemeClr>
+                </a:solidFill>
+                <a:latin typeface="+mn-lt"/>
+                <a:ea typeface="+mn-ea"/>
+                <a:cs typeface="+mn-cs"/>
+              </a:defRPr>
+            </a:lvl8pPr>
+            <a:lvl9pPr marL="3657600" indent="0" algn="l" defTabSz="914400" rtl="0" eaLnBrk="1" latinLnBrk="0" hangingPunct="1">
+              <a:lnSpc>
+                <a:spcPct val="90000"/>
+              </a:lnSpc>
+              <a:spcBef>
+                <a:spcPts val="500"/>
+              </a:spcBef>
+              <a:buFont typeface="Arial" panose="020B0604020202020204" pitchFamily="34" charset="0"/>
+              <a:buNone/>
+              <a:defRPr sz="1600" kern="1200">
+                <a:solidFill>
+                  <a:schemeClr val="tx1">
+                    <a:tint val="75000"/>
+                  </a:schemeClr>
+                </a:solidFill>
+                <a:latin typeface="+mn-lt"/>
+                <a:ea typeface="+mn-ea"/>
+                <a:cs typeface="+mn-cs"/>
+              </a:defRPr>
+            </a:lvl9pPr>
+          </a:lstStyle>
+          <a:p>
+            <a:r>
+              <a:rPr lang="en-US" dirty="0"/>
+              <a:t>AMEAÇAS</a:t>
+            </a:r>
+            <a:endParaRPr lang="ru-RU" dirty="0"/>
+          </a:p>
+        </p:txBody>
+      </p:sp>
+      <p:sp>
+        <p:nvSpPr>
+          <p:cNvPr id="7" name="Retângulo: Cantos Arredondados 6">
+            <a:extLst>
+              <a:ext uri="{FF2B5EF4-FFF2-40B4-BE49-F238E27FC236}">
+                <a16:creationId xmlns:a16="http://schemas.microsoft.com/office/drawing/2014/main" id="{DC436983-B3D3-47BB-9BE0-8EB9A0361FD5}"/>
+              </a:ext>
+            </a:extLst>
+          </p:cNvPr>
+          <p:cNvSpPr/>
+          <p:nvPr/>
+        </p:nvSpPr>
+        <p:spPr>
+          <a:xfrm>
+            <a:off x="455978" y="2018609"/>
+            <a:ext cx="5023728" cy="1528495"/>
+          </a:xfrm>
+          <a:prstGeom prst="roundRect">
+            <a:avLst/>
+          </a:prstGeom>
+          <a:solidFill>
+            <a:srgbClr val="01ACAD"/>
+          </a:solidFill>
+          <a:ln>
+            <a:solidFill>
+              <a:schemeClr val="tx2"/>
+            </a:solidFill>
+          </a:ln>
+        </p:spPr>
+        <p:style>
+          <a:lnRef idx="2">
+            <a:schemeClr val="accent1">
+              <a:shade val="50000"/>
+            </a:schemeClr>
+          </a:lnRef>
+          <a:fillRef idx="1">
+            <a:schemeClr val="accent1"/>
+          </a:fillRef>
+          <a:effectRef idx="0">
+            <a:schemeClr val="accent1"/>
+          </a:effectRef>
+          <a:fontRef idx="minor">
+            <a:schemeClr val="lt1"/>
+          </a:fontRef>
+        </p:style>
+        <p:txBody>
+          <a:bodyPr rot="0" spcFirstLastPara="0" vertOverflow="overflow" horzOverflow="overflow" vert="horz" wrap="square" lIns="91440" tIns="45720" rIns="91440" bIns="45720" numCol="1" spcCol="0" rtlCol="0" fromWordArt="0" anchor="ctr" anchorCtr="0" forceAA="0" compatLnSpc="1">
+            <a:prstTxWarp prst="textNoShape">
+              <a:avLst/>
+            </a:prstTxWarp>
+            <a:noAutofit/>
+          </a:bodyPr>
+          <a:lstStyle/>
+          <a:p>
+            <a:pPr algn="ctr"/>
+            <a:endParaRPr lang="pt-BR" dirty="0"/>
+          </a:p>
+        </p:txBody>
+      </p:sp>
+      <p:sp>
+        <p:nvSpPr>
+          <p:cNvPr id="17" name="Retângulo: Cantos Arredondados 16">
+            <a:extLst>
+              <a:ext uri="{FF2B5EF4-FFF2-40B4-BE49-F238E27FC236}">
+                <a16:creationId xmlns:a16="http://schemas.microsoft.com/office/drawing/2014/main" id="{667E0F37-CD3B-4843-B955-6B928A381565}"/>
+              </a:ext>
+            </a:extLst>
+          </p:cNvPr>
+          <p:cNvSpPr/>
+          <p:nvPr/>
+        </p:nvSpPr>
+        <p:spPr>
+          <a:xfrm>
+            <a:off x="455978" y="4075143"/>
+            <a:ext cx="5074459" cy="1724824"/>
+          </a:xfrm>
+          <a:prstGeom prst="roundRect">
+            <a:avLst/>
+          </a:prstGeom>
+          <a:solidFill>
+            <a:srgbClr val="FFC000"/>
+          </a:solidFill>
+          <a:ln>
+            <a:solidFill>
+              <a:schemeClr val="tx2"/>
+            </a:solidFill>
+          </a:ln>
+        </p:spPr>
+        <p:style>
+          <a:lnRef idx="2">
+            <a:schemeClr val="accent1">
+              <a:shade val="50000"/>
+            </a:schemeClr>
+          </a:lnRef>
+          <a:fillRef idx="1">
+            <a:schemeClr val="accent1"/>
+          </a:fillRef>
+          <a:effectRef idx="0">
+            <a:schemeClr val="accent1"/>
+          </a:effectRef>
+          <a:fontRef idx="minor">
+            <a:schemeClr val="lt1"/>
+          </a:fontRef>
+        </p:style>
+        <p:txBody>
+          <a:bodyPr rot="0" spcFirstLastPara="0" vertOverflow="overflow" horzOverflow="overflow" vert="horz" wrap="square" lIns="91440" tIns="45720" rIns="91440" bIns="45720" numCol="1" spcCol="0" rtlCol="0" fromWordArt="0" anchor="ctr" anchorCtr="0" forceAA="0" compatLnSpc="1">
+            <a:prstTxWarp prst="textNoShape">
+              <a:avLst/>
+            </a:prstTxWarp>
+            <a:noAutofit/>
+          </a:bodyPr>
+          <a:lstStyle/>
+          <a:p>
+            <a:pPr algn="ctr"/>
+            <a:endParaRPr lang="pt-BR"/>
+          </a:p>
+        </p:txBody>
+      </p:sp>
+      <p:sp>
+        <p:nvSpPr>
+          <p:cNvPr id="18" name="Retângulo: Cantos Arredondados 17">
+            <a:extLst>
+              <a:ext uri="{FF2B5EF4-FFF2-40B4-BE49-F238E27FC236}">
+                <a16:creationId xmlns:a16="http://schemas.microsoft.com/office/drawing/2014/main" id="{D9F39128-CA35-4220-A481-DEF1C71906D3}"/>
+              </a:ext>
+            </a:extLst>
+          </p:cNvPr>
+          <p:cNvSpPr/>
+          <p:nvPr/>
+        </p:nvSpPr>
+        <p:spPr>
+          <a:xfrm>
+            <a:off x="6712295" y="2003899"/>
+            <a:ext cx="4855550" cy="1528495"/>
+          </a:xfrm>
+          <a:prstGeom prst="roundRect">
+            <a:avLst/>
+          </a:prstGeom>
+          <a:solidFill>
+            <a:schemeClr val="accent6">
+              <a:lumMod val="75000"/>
+            </a:schemeClr>
+          </a:solidFill>
+          <a:ln>
+            <a:solidFill>
+              <a:schemeClr val="tx2"/>
+            </a:solidFill>
+          </a:ln>
+        </p:spPr>
+        <p:style>
+          <a:lnRef idx="2">
+            <a:schemeClr val="accent1">
+              <a:shade val="50000"/>
+            </a:schemeClr>
+          </a:lnRef>
+          <a:fillRef idx="1">
+            <a:schemeClr val="accent1"/>
+          </a:fillRef>
+          <a:effectRef idx="0">
+            <a:schemeClr val="accent1"/>
+          </a:effectRef>
+          <a:fontRef idx="minor">
+            <a:schemeClr val="lt1"/>
+          </a:fontRef>
+        </p:style>
+        <p:txBody>
+          <a:bodyPr rot="0" spcFirstLastPara="0" vertOverflow="overflow" horzOverflow="overflow" vert="horz" wrap="square" lIns="91440" tIns="45720" rIns="91440" bIns="45720" numCol="1" spcCol="0" rtlCol="0" fromWordArt="0" anchor="ctr" anchorCtr="0" forceAA="0" compatLnSpc="1">
+            <a:prstTxWarp prst="textNoShape">
+              <a:avLst/>
+            </a:prstTxWarp>
+            <a:noAutofit/>
+          </a:bodyPr>
+          <a:lstStyle/>
+          <a:p>
+            <a:pPr algn="ctr"/>
+            <a:endParaRPr lang="pt-BR"/>
+          </a:p>
+        </p:txBody>
+      </p:sp>
+      <p:sp>
+        <p:nvSpPr>
+          <p:cNvPr id="19" name="Retângulo: Cantos Arredondados 18">
+            <a:extLst>
+              <a:ext uri="{FF2B5EF4-FFF2-40B4-BE49-F238E27FC236}">
+                <a16:creationId xmlns:a16="http://schemas.microsoft.com/office/drawing/2014/main" id="{7250C9E8-0C02-4DE0-8CC4-848DE052A424}"/>
+              </a:ext>
+            </a:extLst>
+          </p:cNvPr>
+          <p:cNvSpPr/>
+          <p:nvPr/>
+        </p:nvSpPr>
+        <p:spPr>
+          <a:xfrm>
+            <a:off x="6690327" y="4132318"/>
+            <a:ext cx="4855550" cy="1667649"/>
+          </a:xfrm>
+          <a:prstGeom prst="roundRect">
+            <a:avLst/>
+          </a:prstGeom>
+          <a:solidFill>
+            <a:schemeClr val="accent3">
+              <a:lumMod val="60000"/>
+              <a:lumOff val="40000"/>
+            </a:schemeClr>
+          </a:solidFill>
+          <a:ln>
+            <a:solidFill>
+              <a:schemeClr val="tx2"/>
+            </a:solidFill>
+          </a:ln>
+        </p:spPr>
+        <p:style>
+          <a:lnRef idx="2">
+            <a:schemeClr val="accent1">
+              <a:shade val="50000"/>
+            </a:schemeClr>
+          </a:lnRef>
+          <a:fillRef idx="1">
+            <a:schemeClr val="accent1"/>
+          </a:fillRef>
+          <a:effectRef idx="0">
+            <a:schemeClr val="accent1"/>
+          </a:effectRef>
+          <a:fontRef idx="minor">
+            <a:schemeClr val="lt1"/>
+          </a:fontRef>
+        </p:style>
+        <p:txBody>
+          <a:bodyPr rot="0" spcFirstLastPara="0" vertOverflow="overflow" horzOverflow="overflow" vert="horz" wrap="square" lIns="91440" tIns="45720" rIns="91440" bIns="45720" numCol="1" spcCol="0" rtlCol="0" fromWordArt="0" anchor="ctr" anchorCtr="0" forceAA="0" compatLnSpc="1">
+            <a:prstTxWarp prst="textNoShape">
+              <a:avLst/>
+            </a:prstTxWarp>
+            <a:noAutofit/>
+          </a:bodyPr>
+          <a:lstStyle/>
+          <a:p>
+            <a:pPr algn="ctr"/>
+            <a:endParaRPr lang="pt-BR"/>
+          </a:p>
+        </p:txBody>
+      </p:sp>
+      <p:sp>
+        <p:nvSpPr>
+          <p:cNvPr id="10" name="Text Placeholder 9">
+            <a:extLst>
+              <a:ext uri="{FF2B5EF4-FFF2-40B4-BE49-F238E27FC236}">
+                <a16:creationId xmlns:a16="http://schemas.microsoft.com/office/drawing/2014/main" id="{80D2D95B-77BF-49F5-AFBD-07FDD7C43B82}"/>
+              </a:ext>
+            </a:extLst>
+          </p:cNvPr>
+          <p:cNvSpPr>
+            <a:spLocks noGrp="1"/>
+          </p:cNvSpPr>
+          <p:nvPr>
+            <p:ph type="body" idx="30"/>
+          </p:nvPr>
+        </p:nvSpPr>
+        <p:spPr>
+          <a:xfrm>
+            <a:off x="6877994" y="2472896"/>
+            <a:ext cx="4529317" cy="774889"/>
+          </a:xfrm>
+        </p:spPr>
+        <p:txBody>
+          <a:bodyPr>
+            <a:normAutofit/>
+          </a:bodyPr>
+          <a:lstStyle/>
+          <a:p>
+            <a:pPr marL="0" indent="0" algn="ctr">
+              <a:buNone/>
+            </a:pPr>
+            <a:r>
+              <a:rPr lang="en-US" sz="2800" b="1" dirty="0">
+                <a:solidFill>
+                  <a:schemeClr val="bg2"/>
+                </a:solidFill>
+              </a:rPr>
+              <a:t>Jogo </a:t>
+            </a:r>
+            <a:r>
+              <a:rPr lang="en-US" sz="2800" b="1" dirty="0" err="1">
+                <a:solidFill>
+                  <a:schemeClr val="bg2"/>
+                </a:solidFill>
+              </a:rPr>
+              <a:t>minimalista</a:t>
+            </a:r>
+            <a:endParaRPr lang="en-US" sz="2800" b="1" dirty="0">
+              <a:solidFill>
+                <a:schemeClr val="bg2"/>
+              </a:solidFill>
+            </a:endParaRPr>
+          </a:p>
+          <a:p>
+            <a:pPr marL="0" indent="0" algn="ctr">
+              <a:buNone/>
+            </a:pPr>
+            <a:endParaRPr lang="ru-RU" sz="2800" dirty="0"/>
+          </a:p>
+        </p:txBody>
+      </p:sp>
+      <p:sp>
+        <p:nvSpPr>
+          <p:cNvPr id="14" name="Text Placeholder 9">
+            <a:extLst>
+              <a:ext uri="{FF2B5EF4-FFF2-40B4-BE49-F238E27FC236}">
+                <a16:creationId xmlns:a16="http://schemas.microsoft.com/office/drawing/2014/main" id="{8470E303-9A74-4CFA-A394-DA43F2C0A28D}"/>
+              </a:ext>
+            </a:extLst>
+          </p:cNvPr>
+          <p:cNvSpPr txBox="1">
+            <a:spLocks/>
+          </p:cNvSpPr>
+          <p:nvPr/>
+        </p:nvSpPr>
+        <p:spPr>
+          <a:xfrm>
+            <a:off x="757047" y="4466682"/>
+            <a:ext cx="4583579" cy="1245705"/>
+          </a:xfrm>
+          <a:prstGeom prst="rect">
+            <a:avLst/>
+          </a:prstGeom>
+        </p:spPr>
+        <p:txBody>
+          <a:bodyPr vert="horz" lIns="0" tIns="0" rIns="0" bIns="0" rtlCol="0">
+            <a:normAutofit/>
+          </a:bodyPr>
+          <a:lstStyle>
+            <a:lvl1pPr marL="216000" indent="-216000" algn="l" defTabSz="914400" rtl="0" eaLnBrk="1" latinLnBrk="0" hangingPunct="1">
+              <a:lnSpc>
+                <a:spcPct val="100000"/>
+              </a:lnSpc>
+              <a:spcBef>
+                <a:spcPts val="600"/>
+              </a:spcBef>
+              <a:buClr>
+                <a:schemeClr val="tx1"/>
+              </a:buClr>
+              <a:buFont typeface="Courier New" panose="02070309020205020404" pitchFamily="49" charset="0"/>
+              <a:buChar char="o"/>
+              <a:defRPr sz="1400" kern="1200">
+                <a:solidFill>
+                  <a:schemeClr val="tx2"/>
+                </a:solidFill>
+                <a:latin typeface="+mn-lt"/>
+                <a:ea typeface="+mn-ea"/>
+                <a:cs typeface="+mn-cs"/>
+              </a:defRPr>
+            </a:lvl1pPr>
+            <a:lvl2pPr marL="457200" indent="0" algn="l" defTabSz="914400" rtl="0" eaLnBrk="1" latinLnBrk="0" hangingPunct="1">
+              <a:lnSpc>
+                <a:spcPct val="90000"/>
+              </a:lnSpc>
+              <a:spcBef>
+                <a:spcPts val="500"/>
+              </a:spcBef>
+              <a:buFont typeface="Arial" panose="020B0604020202020204" pitchFamily="34" charset="0"/>
+              <a:buNone/>
+              <a:defRPr sz="2000" kern="1200">
+                <a:solidFill>
+                  <a:schemeClr val="tx1">
+                    <a:tint val="75000"/>
+                  </a:schemeClr>
+                </a:solidFill>
+                <a:latin typeface="+mn-lt"/>
+                <a:ea typeface="+mn-ea"/>
+                <a:cs typeface="+mn-cs"/>
+              </a:defRPr>
+            </a:lvl2pPr>
+            <a:lvl3pPr marL="914400" indent="0" algn="l" defTabSz="914400" rtl="0" eaLnBrk="1" latinLnBrk="0" hangingPunct="1">
+              <a:lnSpc>
+                <a:spcPct val="90000"/>
+              </a:lnSpc>
+              <a:spcBef>
+                <a:spcPts val="500"/>
+              </a:spcBef>
+              <a:buFont typeface="Arial" panose="020B0604020202020204" pitchFamily="34" charset="0"/>
+              <a:buNone/>
+              <a:defRPr sz="1800" kern="1200">
+                <a:solidFill>
+                  <a:schemeClr val="tx1">
+                    <a:tint val="75000"/>
+                  </a:schemeClr>
+                </a:solidFill>
+                <a:latin typeface="+mn-lt"/>
+                <a:ea typeface="+mn-ea"/>
+                <a:cs typeface="+mn-cs"/>
+              </a:defRPr>
+            </a:lvl3pPr>
+            <a:lvl4pPr marL="1371600" indent="0" algn="l" defTabSz="914400" rtl="0" eaLnBrk="1" latinLnBrk="0" hangingPunct="1">
+              <a:lnSpc>
+                <a:spcPct val="90000"/>
+              </a:lnSpc>
+              <a:spcBef>
+                <a:spcPts val="500"/>
+              </a:spcBef>
+              <a:buFont typeface="Arial" panose="020B0604020202020204" pitchFamily="34" charset="0"/>
+              <a:buNone/>
+              <a:defRPr sz="1600" kern="1200">
+                <a:solidFill>
+                  <a:schemeClr val="tx1">
+                    <a:tint val="75000"/>
+                  </a:schemeClr>
+                </a:solidFill>
+                <a:latin typeface="+mn-lt"/>
+                <a:ea typeface="+mn-ea"/>
+                <a:cs typeface="+mn-cs"/>
+              </a:defRPr>
+            </a:lvl4pPr>
+            <a:lvl5pPr marL="1828800" indent="0" algn="l" defTabSz="914400" rtl="0" eaLnBrk="1" latinLnBrk="0" hangingPunct="1">
+              <a:lnSpc>
+                <a:spcPct val="90000"/>
+              </a:lnSpc>
+              <a:spcBef>
+                <a:spcPts val="500"/>
+              </a:spcBef>
+              <a:buFont typeface="Arial" panose="020B0604020202020204" pitchFamily="34" charset="0"/>
+              <a:buNone/>
+              <a:defRPr sz="1600" kern="1200">
+                <a:solidFill>
+                  <a:schemeClr val="tx1">
+                    <a:tint val="75000"/>
+                  </a:schemeClr>
+                </a:solidFill>
+                <a:latin typeface="+mn-lt"/>
+                <a:ea typeface="+mn-ea"/>
+                <a:cs typeface="+mn-cs"/>
+              </a:defRPr>
+            </a:lvl5pPr>
+            <a:lvl6pPr marL="2286000" indent="0" algn="l" defTabSz="914400" rtl="0" eaLnBrk="1" latinLnBrk="0" hangingPunct="1">
+              <a:lnSpc>
+                <a:spcPct val="90000"/>
+              </a:lnSpc>
+              <a:spcBef>
+                <a:spcPts val="500"/>
+              </a:spcBef>
+              <a:buFont typeface="Arial" panose="020B0604020202020204" pitchFamily="34" charset="0"/>
+              <a:buNone/>
+              <a:defRPr sz="1600" kern="1200">
+                <a:solidFill>
+                  <a:schemeClr val="tx1">
+                    <a:tint val="75000"/>
+                  </a:schemeClr>
+                </a:solidFill>
+                <a:latin typeface="+mn-lt"/>
+                <a:ea typeface="+mn-ea"/>
+                <a:cs typeface="+mn-cs"/>
+              </a:defRPr>
+            </a:lvl6pPr>
+            <a:lvl7pPr marL="2743200" indent="0" algn="l" defTabSz="914400" rtl="0" eaLnBrk="1" latinLnBrk="0" hangingPunct="1">
+              <a:lnSpc>
+                <a:spcPct val="90000"/>
+              </a:lnSpc>
+              <a:spcBef>
+                <a:spcPts val="500"/>
+              </a:spcBef>
+              <a:buFont typeface="Arial" panose="020B0604020202020204" pitchFamily="34" charset="0"/>
+              <a:buNone/>
+              <a:defRPr sz="1600" kern="1200">
+                <a:solidFill>
+                  <a:schemeClr val="tx1">
+                    <a:tint val="75000"/>
+                  </a:schemeClr>
+                </a:solidFill>
+                <a:latin typeface="+mn-lt"/>
+                <a:ea typeface="+mn-ea"/>
+                <a:cs typeface="+mn-cs"/>
+              </a:defRPr>
+            </a:lvl7pPr>
+            <a:lvl8pPr marL="3200400" indent="0" algn="l" defTabSz="914400" rtl="0" eaLnBrk="1" latinLnBrk="0" hangingPunct="1">
+              <a:lnSpc>
+                <a:spcPct val="90000"/>
+              </a:lnSpc>
+              <a:spcBef>
+                <a:spcPts val="500"/>
+              </a:spcBef>
+              <a:buFont typeface="Arial" panose="020B0604020202020204" pitchFamily="34" charset="0"/>
+              <a:buNone/>
+              <a:defRPr sz="1600" kern="1200">
+                <a:solidFill>
+                  <a:schemeClr val="tx1">
+                    <a:tint val="75000"/>
+                  </a:schemeClr>
+                </a:solidFill>
+                <a:latin typeface="+mn-lt"/>
+                <a:ea typeface="+mn-ea"/>
+                <a:cs typeface="+mn-cs"/>
+              </a:defRPr>
+            </a:lvl8pPr>
+            <a:lvl9pPr marL="3657600" indent="0" algn="l" defTabSz="914400" rtl="0" eaLnBrk="1" latinLnBrk="0" hangingPunct="1">
+              <a:lnSpc>
+                <a:spcPct val="90000"/>
+              </a:lnSpc>
+              <a:spcBef>
+                <a:spcPts val="500"/>
+              </a:spcBef>
+              <a:buFont typeface="Arial" panose="020B0604020202020204" pitchFamily="34" charset="0"/>
+              <a:buNone/>
+              <a:defRPr sz="1600" kern="1200">
+                <a:solidFill>
+                  <a:schemeClr val="tx1">
+                    <a:tint val="75000"/>
+                  </a:schemeClr>
+                </a:solidFill>
+                <a:latin typeface="+mn-lt"/>
+                <a:ea typeface="+mn-ea"/>
+                <a:cs typeface="+mn-cs"/>
+              </a:defRPr>
+            </a:lvl9pPr>
+          </a:lstStyle>
+          <a:p>
+            <a:pPr marL="0" indent="0" algn="ctr">
+              <a:buNone/>
+            </a:pPr>
+            <a:r>
+              <a:rPr lang="en-US" sz="2400" b="1" dirty="0" err="1">
+                <a:solidFill>
+                  <a:schemeClr val="bg2"/>
+                </a:solidFill>
+              </a:rPr>
+              <a:t>Fácil</a:t>
+            </a:r>
+            <a:r>
+              <a:rPr lang="en-US" sz="2400" b="1" dirty="0">
+                <a:solidFill>
+                  <a:schemeClr val="bg2"/>
+                </a:solidFill>
+              </a:rPr>
+              <a:t> </a:t>
+            </a:r>
+            <a:r>
+              <a:rPr lang="en-US" sz="2400" b="1" dirty="0" err="1">
+                <a:solidFill>
+                  <a:schemeClr val="bg2"/>
+                </a:solidFill>
+              </a:rPr>
+              <a:t>jogabilidade</a:t>
+            </a:r>
+            <a:r>
+              <a:rPr lang="en-US" sz="2400" b="1" dirty="0">
+                <a:solidFill>
+                  <a:schemeClr val="bg2"/>
+                </a:solidFill>
+              </a:rPr>
+              <a:t> </a:t>
+            </a:r>
+          </a:p>
+          <a:p>
+            <a:pPr marL="0" indent="0" algn="ctr">
+              <a:buNone/>
+            </a:pPr>
+            <a:r>
+              <a:rPr lang="en-US" sz="2400" b="1" dirty="0" err="1">
+                <a:solidFill>
+                  <a:schemeClr val="bg2"/>
+                </a:solidFill>
+              </a:rPr>
+              <a:t>Viciante</a:t>
+            </a:r>
+            <a:r>
+              <a:rPr lang="en-US" sz="2400" b="1" dirty="0">
+                <a:solidFill>
+                  <a:schemeClr val="bg2"/>
+                </a:solidFill>
+              </a:rPr>
+              <a:t> </a:t>
+            </a:r>
+          </a:p>
+          <a:p>
+            <a:pPr marL="0" indent="0">
+              <a:buFont typeface="Courier New" panose="02070309020205020404" pitchFamily="49" charset="0"/>
+              <a:buNone/>
+            </a:pPr>
+            <a:endParaRPr lang="ru-RU" dirty="0"/>
+          </a:p>
+        </p:txBody>
+      </p:sp>
+      <p:sp>
+        <p:nvSpPr>
+          <p:cNvPr id="16" name="Text Placeholder 9">
+            <a:extLst>
+              <a:ext uri="{FF2B5EF4-FFF2-40B4-BE49-F238E27FC236}">
+                <a16:creationId xmlns:a16="http://schemas.microsoft.com/office/drawing/2014/main" id="{5B3F0FE0-2799-478D-A327-EA82F7402A6F}"/>
+              </a:ext>
+            </a:extLst>
+          </p:cNvPr>
+          <p:cNvSpPr txBox="1">
+            <a:spLocks/>
+          </p:cNvSpPr>
+          <p:nvPr/>
+        </p:nvSpPr>
+        <p:spPr>
+          <a:xfrm>
+            <a:off x="6877994" y="4712275"/>
+            <a:ext cx="4578419" cy="701000"/>
+          </a:xfrm>
+          <a:prstGeom prst="rect">
+            <a:avLst/>
+          </a:prstGeom>
+        </p:spPr>
+        <p:txBody>
+          <a:bodyPr vert="horz" lIns="0" tIns="0" rIns="0" bIns="0" rtlCol="0">
+            <a:normAutofit/>
+          </a:bodyPr>
+          <a:lstStyle>
+            <a:lvl1pPr marL="216000" indent="-216000" algn="l" defTabSz="914400" rtl="0" eaLnBrk="1" latinLnBrk="0" hangingPunct="1">
+              <a:lnSpc>
+                <a:spcPct val="100000"/>
+              </a:lnSpc>
+              <a:spcBef>
+                <a:spcPts val="600"/>
+              </a:spcBef>
+              <a:buClr>
+                <a:schemeClr val="tx1"/>
+              </a:buClr>
+              <a:buFont typeface="Courier New" panose="02070309020205020404" pitchFamily="49" charset="0"/>
+              <a:buChar char="o"/>
+              <a:defRPr sz="1400" kern="1200">
+                <a:solidFill>
+                  <a:schemeClr val="tx2"/>
+                </a:solidFill>
+                <a:latin typeface="+mn-lt"/>
+                <a:ea typeface="+mn-ea"/>
+                <a:cs typeface="+mn-cs"/>
+              </a:defRPr>
+            </a:lvl1pPr>
+            <a:lvl2pPr marL="457200" indent="0" algn="l" defTabSz="914400" rtl="0" eaLnBrk="1" latinLnBrk="0" hangingPunct="1">
+              <a:lnSpc>
+                <a:spcPct val="90000"/>
+              </a:lnSpc>
+              <a:spcBef>
+                <a:spcPts val="500"/>
+              </a:spcBef>
+              <a:buFont typeface="Arial" panose="020B0604020202020204" pitchFamily="34" charset="0"/>
+              <a:buNone/>
+              <a:defRPr sz="2000" kern="1200">
+                <a:solidFill>
+                  <a:schemeClr val="tx1">
+                    <a:tint val="75000"/>
+                  </a:schemeClr>
+                </a:solidFill>
+                <a:latin typeface="+mn-lt"/>
+                <a:ea typeface="+mn-ea"/>
+                <a:cs typeface="+mn-cs"/>
+              </a:defRPr>
+            </a:lvl2pPr>
+            <a:lvl3pPr marL="914400" indent="0" algn="l" defTabSz="914400" rtl="0" eaLnBrk="1" latinLnBrk="0" hangingPunct="1">
+              <a:lnSpc>
+                <a:spcPct val="90000"/>
+              </a:lnSpc>
+              <a:spcBef>
+                <a:spcPts val="500"/>
+              </a:spcBef>
+              <a:buFont typeface="Arial" panose="020B0604020202020204" pitchFamily="34" charset="0"/>
+              <a:buNone/>
+              <a:defRPr sz="1800" kern="1200">
+                <a:solidFill>
+                  <a:schemeClr val="tx1">
+                    <a:tint val="75000"/>
+                  </a:schemeClr>
+                </a:solidFill>
+                <a:latin typeface="+mn-lt"/>
+                <a:ea typeface="+mn-ea"/>
+                <a:cs typeface="+mn-cs"/>
+              </a:defRPr>
+            </a:lvl3pPr>
+            <a:lvl4pPr marL="1371600" indent="0" algn="l" defTabSz="914400" rtl="0" eaLnBrk="1" latinLnBrk="0" hangingPunct="1">
+              <a:lnSpc>
+                <a:spcPct val="90000"/>
+              </a:lnSpc>
+              <a:spcBef>
+                <a:spcPts val="500"/>
+              </a:spcBef>
+              <a:buFont typeface="Arial" panose="020B0604020202020204" pitchFamily="34" charset="0"/>
+              <a:buNone/>
+              <a:defRPr sz="1600" kern="1200">
+                <a:solidFill>
+                  <a:schemeClr val="tx1">
+                    <a:tint val="75000"/>
+                  </a:schemeClr>
+                </a:solidFill>
+                <a:latin typeface="+mn-lt"/>
+                <a:ea typeface="+mn-ea"/>
+                <a:cs typeface="+mn-cs"/>
+              </a:defRPr>
+            </a:lvl4pPr>
+            <a:lvl5pPr marL="1828800" indent="0" algn="l" defTabSz="914400" rtl="0" eaLnBrk="1" latinLnBrk="0" hangingPunct="1">
+              <a:lnSpc>
+                <a:spcPct val="90000"/>
+              </a:lnSpc>
+              <a:spcBef>
+                <a:spcPts val="500"/>
+              </a:spcBef>
+              <a:buFont typeface="Arial" panose="020B0604020202020204" pitchFamily="34" charset="0"/>
+              <a:buNone/>
+              <a:defRPr sz="1600" kern="1200">
+                <a:solidFill>
+                  <a:schemeClr val="tx1">
+                    <a:tint val="75000"/>
+                  </a:schemeClr>
+                </a:solidFill>
+                <a:latin typeface="+mn-lt"/>
+                <a:ea typeface="+mn-ea"/>
+                <a:cs typeface="+mn-cs"/>
+              </a:defRPr>
+            </a:lvl5pPr>
+            <a:lvl6pPr marL="2286000" indent="0" algn="l" defTabSz="914400" rtl="0" eaLnBrk="1" latinLnBrk="0" hangingPunct="1">
+              <a:lnSpc>
+                <a:spcPct val="90000"/>
+              </a:lnSpc>
+              <a:spcBef>
+                <a:spcPts val="500"/>
+              </a:spcBef>
+              <a:buFont typeface="Arial" panose="020B0604020202020204" pitchFamily="34" charset="0"/>
+              <a:buNone/>
+              <a:defRPr sz="1600" kern="1200">
+                <a:solidFill>
+                  <a:schemeClr val="tx1">
+                    <a:tint val="75000"/>
+                  </a:schemeClr>
+                </a:solidFill>
+                <a:latin typeface="+mn-lt"/>
+                <a:ea typeface="+mn-ea"/>
+                <a:cs typeface="+mn-cs"/>
+              </a:defRPr>
+            </a:lvl6pPr>
+            <a:lvl7pPr marL="2743200" indent="0" algn="l" defTabSz="914400" rtl="0" eaLnBrk="1" latinLnBrk="0" hangingPunct="1">
+              <a:lnSpc>
+                <a:spcPct val="90000"/>
+              </a:lnSpc>
+              <a:spcBef>
+                <a:spcPts val="500"/>
+              </a:spcBef>
+              <a:buFont typeface="Arial" panose="020B0604020202020204" pitchFamily="34" charset="0"/>
+              <a:buNone/>
+              <a:defRPr sz="1600" kern="1200">
+                <a:solidFill>
+                  <a:schemeClr val="tx1">
+                    <a:tint val="75000"/>
+                  </a:schemeClr>
+                </a:solidFill>
+                <a:latin typeface="+mn-lt"/>
+                <a:ea typeface="+mn-ea"/>
+                <a:cs typeface="+mn-cs"/>
+              </a:defRPr>
+            </a:lvl7pPr>
+            <a:lvl8pPr marL="3200400" indent="0" algn="l" defTabSz="914400" rtl="0" eaLnBrk="1" latinLnBrk="0" hangingPunct="1">
+              <a:lnSpc>
+                <a:spcPct val="90000"/>
+              </a:lnSpc>
+              <a:spcBef>
+                <a:spcPts val="500"/>
+              </a:spcBef>
+              <a:buFont typeface="Arial" panose="020B0604020202020204" pitchFamily="34" charset="0"/>
+              <a:buNone/>
+              <a:defRPr sz="1600" kern="1200">
+                <a:solidFill>
+                  <a:schemeClr val="tx1">
+                    <a:tint val="75000"/>
+                  </a:schemeClr>
+                </a:solidFill>
+                <a:latin typeface="+mn-lt"/>
+                <a:ea typeface="+mn-ea"/>
+                <a:cs typeface="+mn-cs"/>
+              </a:defRPr>
+            </a:lvl8pPr>
+            <a:lvl9pPr marL="3657600" indent="0" algn="l" defTabSz="914400" rtl="0" eaLnBrk="1" latinLnBrk="0" hangingPunct="1">
+              <a:lnSpc>
+                <a:spcPct val="90000"/>
+              </a:lnSpc>
+              <a:spcBef>
+                <a:spcPts val="500"/>
+              </a:spcBef>
+              <a:buFont typeface="Arial" panose="020B0604020202020204" pitchFamily="34" charset="0"/>
+              <a:buNone/>
+              <a:defRPr sz="1600" kern="1200">
+                <a:solidFill>
+                  <a:schemeClr val="tx1">
+                    <a:tint val="75000"/>
+                  </a:schemeClr>
+                </a:solidFill>
+                <a:latin typeface="+mn-lt"/>
+                <a:ea typeface="+mn-ea"/>
+                <a:cs typeface="+mn-cs"/>
+              </a:defRPr>
+            </a:lvl9pPr>
+          </a:lstStyle>
+          <a:p>
+            <a:pPr algn="ctr"/>
+            <a:r>
+              <a:rPr lang="en-US" sz="2800" b="1" dirty="0">
+                <a:solidFill>
+                  <a:schemeClr val="bg2"/>
+                </a:solidFill>
+              </a:rPr>
+              <a:t>Tempo de </a:t>
+            </a:r>
+            <a:r>
+              <a:rPr lang="en-US" sz="2800" b="1" dirty="0" err="1">
+                <a:solidFill>
+                  <a:schemeClr val="bg2"/>
+                </a:solidFill>
+              </a:rPr>
+              <a:t>desenvolvimento</a:t>
+            </a:r>
+            <a:r>
+              <a:rPr lang="en-US" sz="2000" b="1" dirty="0">
+                <a:solidFill>
+                  <a:schemeClr val="bg2"/>
+                </a:solidFill>
+              </a:rPr>
+              <a:t>.</a:t>
+            </a:r>
+          </a:p>
+          <a:p>
+            <a:pPr marL="0" indent="0" algn="ctr">
+              <a:buFont typeface="Courier New" panose="02070309020205020404" pitchFamily="49" charset="0"/>
+              <a:buNone/>
+            </a:pPr>
+            <a:endParaRPr lang="ru-RU" dirty="0"/>
+          </a:p>
+        </p:txBody>
+      </p:sp>
+      <p:sp>
+        <p:nvSpPr>
+          <p:cNvPr id="8" name="Text Placeholder 7">
+            <a:extLst>
+              <a:ext uri="{FF2B5EF4-FFF2-40B4-BE49-F238E27FC236}">
+                <a16:creationId xmlns:a16="http://schemas.microsoft.com/office/drawing/2014/main" id="{99DFBDB4-30C1-4168-A5E2-42A184496F62}"/>
+              </a:ext>
+            </a:extLst>
+          </p:cNvPr>
+          <p:cNvSpPr>
+            <a:spLocks noGrp="1"/>
+          </p:cNvSpPr>
+          <p:nvPr>
+            <p:ph type="body" idx="27"/>
+          </p:nvPr>
+        </p:nvSpPr>
+        <p:spPr>
+          <a:xfrm>
+            <a:off x="558924" y="2192494"/>
+            <a:ext cx="4817836" cy="1319219"/>
+          </a:xfrm>
+        </p:spPr>
+        <p:txBody>
+          <a:bodyPr>
+            <a:normAutofit/>
+          </a:bodyPr>
+          <a:lstStyle/>
+          <a:p>
+            <a:pPr marL="0" indent="0" algn="ctr">
+              <a:buNone/>
+            </a:pPr>
+            <a:r>
+              <a:rPr lang="en-US" sz="2200" b="1" dirty="0" err="1">
+                <a:solidFill>
+                  <a:schemeClr val="bg2"/>
+                </a:solidFill>
+              </a:rPr>
+              <a:t>Varias</a:t>
+            </a:r>
+            <a:r>
+              <a:rPr lang="en-US" sz="2200" b="1" dirty="0">
+                <a:solidFill>
+                  <a:schemeClr val="bg2"/>
+                </a:solidFill>
+              </a:rPr>
+              <a:t> </a:t>
+            </a:r>
+            <a:r>
+              <a:rPr lang="en-US" sz="2200" b="1" dirty="0" err="1">
+                <a:solidFill>
+                  <a:schemeClr val="bg2"/>
+                </a:solidFill>
+              </a:rPr>
+              <a:t>mecânicas</a:t>
+            </a:r>
+            <a:endParaRPr lang="en-US" sz="2200" b="1" dirty="0">
+              <a:solidFill>
+                <a:schemeClr val="bg2"/>
+              </a:solidFill>
+            </a:endParaRPr>
+          </a:p>
+          <a:p>
+            <a:pPr marL="0" indent="0" algn="ctr">
+              <a:buNone/>
+            </a:pPr>
+            <a:r>
+              <a:rPr lang="en-US" sz="2200" b="1" dirty="0">
+                <a:solidFill>
+                  <a:schemeClr val="bg2"/>
+                </a:solidFill>
+              </a:rPr>
+              <a:t> Simples e </a:t>
+            </a:r>
+            <a:r>
+              <a:rPr lang="en-US" sz="2200" b="1" dirty="0" err="1">
+                <a:solidFill>
+                  <a:schemeClr val="bg2"/>
+                </a:solidFill>
+              </a:rPr>
+              <a:t>intuitivo</a:t>
+            </a:r>
+            <a:r>
+              <a:rPr lang="en-US" sz="2200" b="1" dirty="0">
+                <a:solidFill>
+                  <a:schemeClr val="bg2"/>
+                </a:solidFill>
+              </a:rPr>
+              <a:t> </a:t>
+            </a:r>
+          </a:p>
+          <a:p>
+            <a:pPr marL="0" indent="0" algn="ctr">
+              <a:buNone/>
+            </a:pPr>
+            <a:r>
+              <a:rPr lang="en-US" sz="2200" b="1" dirty="0" err="1">
+                <a:solidFill>
+                  <a:schemeClr val="bg2"/>
+                </a:solidFill>
+              </a:rPr>
+              <a:t>Desafiador</a:t>
+            </a:r>
+            <a:endParaRPr lang="en-US" sz="2200" b="1" dirty="0">
+              <a:solidFill>
+                <a:schemeClr val="bg2"/>
+              </a:solidFill>
+            </a:endParaRPr>
+          </a:p>
+          <a:p>
+            <a:endParaRPr lang="en-US" sz="2000" dirty="0">
+              <a:solidFill>
+                <a:srgbClr val="01ACAD"/>
+              </a:solidFill>
+            </a:endParaRPr>
+          </a:p>
+          <a:p>
+            <a:pPr marL="0" indent="0">
+              <a:buNone/>
+            </a:pPr>
+            <a:endParaRPr lang="ru-RU" dirty="0"/>
+          </a:p>
+        </p:txBody>
+      </p:sp>
+    </p:spTree>
+    <p:extLst>
+      <p:ext uri="{BB962C8B-B14F-4D97-AF65-F5344CB8AC3E}">
+        <p14:creationId xmlns:p14="http://schemas.microsoft.com/office/powerpoint/2010/main" val="4125749787"/>
+      </p:ext>
+    </p:extLst>
+  </p:cSld>
+  <p:clrMapOvr>
+    <a:masterClrMapping/>
+  </p:clrMapOvr>
+</p:sld>
+</file>
+
+<file path=ppt/slides/slide16.xml><?xml version="1.0" encoding="utf-8"?>
+<p:sld xmlns:a="http://schemas.openxmlformats.org/drawingml/2006/main" xmlns:r="http://schemas.openxmlformats.org/officeDocument/2006/relationships" xmlns:p="http://schemas.openxmlformats.org/presentationml/2006/main">
+  <p:cSld>
+    <p:spTree>
+      <p:nvGrpSpPr>
+        <p:cNvPr id="1" name=""/>
+        <p:cNvGrpSpPr/>
+        <p:nvPr/>
+      </p:nvGrpSpPr>
+      <p:grpSpPr>
+        <a:xfrm>
+          <a:off x="0" y="0"/>
+          <a:ext cx="0" cy="0"/>
+          <a:chOff x="0" y="0"/>
+          <a:chExt cx="0" cy="0"/>
+        </a:xfrm>
+      </p:grpSpPr>
+      <p:sp>
+        <p:nvSpPr>
+          <p:cNvPr id="2" name="Title 1">
+            <a:extLst>
+              <a:ext uri="{FF2B5EF4-FFF2-40B4-BE49-F238E27FC236}">
+                <a16:creationId xmlns:a16="http://schemas.microsoft.com/office/drawing/2014/main" id="{134CB059-9E3B-4C24-8E61-717292C2944E}"/>
+              </a:ext>
+            </a:extLst>
+          </p:cNvPr>
+          <p:cNvSpPr>
+            <a:spLocks noGrp="1"/>
+          </p:cNvSpPr>
+          <p:nvPr>
+            <p:ph type="title"/>
+          </p:nvPr>
+        </p:nvSpPr>
+        <p:spPr/>
+        <p:txBody>
+          <a:bodyPr/>
+          <a:lstStyle/>
+          <a:p>
+            <a:r>
+              <a:rPr lang="en-US" dirty="0"/>
+              <a:t>MONETIZAÇÃO</a:t>
+            </a:r>
+            <a:endParaRPr lang="ru-RU" dirty="0"/>
+          </a:p>
+        </p:txBody>
+      </p:sp>
+      <p:sp>
+        <p:nvSpPr>
+          <p:cNvPr id="8" name="Text Placeholder 7">
+            <a:extLst>
+              <a:ext uri="{FF2B5EF4-FFF2-40B4-BE49-F238E27FC236}">
+                <a16:creationId xmlns:a16="http://schemas.microsoft.com/office/drawing/2014/main" id="{EEA947F5-DD66-4D26-BA34-D1D8F7CE9010}"/>
+              </a:ext>
+            </a:extLst>
+          </p:cNvPr>
+          <p:cNvSpPr>
+            <a:spLocks noGrp="1"/>
+          </p:cNvSpPr>
+          <p:nvPr>
+            <p:ph type="body" idx="14"/>
+          </p:nvPr>
+        </p:nvSpPr>
+        <p:spPr/>
+        <p:txBody>
+          <a:bodyPr>
+            <a:normAutofit/>
+          </a:bodyPr>
+          <a:lstStyle/>
+          <a:p>
+            <a:r>
+              <a:rPr lang="en-US" sz="2400" b="1" dirty="0">
+                <a:solidFill>
+                  <a:srgbClr val="00BBBB"/>
+                </a:solidFill>
+              </a:rPr>
+              <a:t> ADS (Propagandas</a:t>
+            </a:r>
+            <a:r>
+              <a:rPr lang="en-US" sz="1800" b="1" dirty="0">
+                <a:solidFill>
+                  <a:srgbClr val="00BBBB"/>
+                </a:solidFill>
+              </a:rPr>
+              <a:t>)</a:t>
+            </a:r>
+          </a:p>
+          <a:p>
+            <a:endParaRPr lang="pt-BR" dirty="0"/>
+          </a:p>
+          <a:p>
+            <a:endParaRPr lang="ru-RU" dirty="0"/>
+          </a:p>
+        </p:txBody>
+      </p:sp>
+      <p:pic>
+        <p:nvPicPr>
+          <p:cNvPr id="13" name="Picture Placeholder 12" descr="Abstract background">
+            <a:extLst>
+              <a:ext uri="{FF2B5EF4-FFF2-40B4-BE49-F238E27FC236}">
+                <a16:creationId xmlns:a16="http://schemas.microsoft.com/office/drawing/2014/main" id="{0B7AE772-6658-4E84-8EAA-F33DEF1CDE4F}"/>
+              </a:ext>
+            </a:extLst>
+          </p:cNvPr>
+          <p:cNvPicPr>
+            <a:picLocks noGrp="1" noChangeAspect="1"/>
+          </p:cNvPicPr>
+          <p:nvPr>
+            <p:ph type="pic" sz="quarter" idx="15"/>
+          </p:nvPr>
+        </p:nvPicPr>
+        <p:blipFill>
+          <a:blip r:embed="rId2">
+            <a:extLst>
+              <a:ext uri="{28A0092B-C50C-407E-A947-70E740481C1C}">
+                <a14:useLocalDpi xmlns:a14="http://schemas.microsoft.com/office/drawing/2010/main" val="0"/>
+              </a:ext>
+            </a:extLst>
+          </a:blip>
+          <a:srcRect/>
+          <a:stretch>
+            <a:fillRect/>
+          </a:stretch>
+        </p:blipFill>
+        <p:spPr/>
+      </p:pic>
+      <p:sp>
+        <p:nvSpPr>
+          <p:cNvPr id="6" name="Slide Number Placeholder 5">
+            <a:extLst>
+              <a:ext uri="{FF2B5EF4-FFF2-40B4-BE49-F238E27FC236}">
+                <a16:creationId xmlns:a16="http://schemas.microsoft.com/office/drawing/2014/main" id="{2B9E0CB5-2F64-4439-AFE9-1BB3ACE6FA9D}"/>
+              </a:ext>
+            </a:extLst>
+          </p:cNvPr>
+          <p:cNvSpPr>
+            <a:spLocks noGrp="1"/>
+          </p:cNvSpPr>
+          <p:nvPr>
+            <p:ph type="sldNum" sz="quarter" idx="12"/>
+          </p:nvPr>
+        </p:nvSpPr>
+        <p:spPr/>
+        <p:txBody>
+          <a:bodyPr/>
+          <a:lstStyle/>
+          <a:p>
+            <a:fld id="{8D581BC7-E183-40DB-AC97-C19EA4EB8894}" type="slidenum">
+              <a:rPr lang="ru-RU" smtClean="0"/>
+              <a:t>16</a:t>
+            </a:fld>
+            <a:endParaRPr lang="ru-RU" dirty="0"/>
+          </a:p>
+        </p:txBody>
+      </p:sp>
+      <p:sp>
+        <p:nvSpPr>
+          <p:cNvPr id="5" name="Footer Placeholder 4">
+            <a:extLst>
+              <a:ext uri="{FF2B5EF4-FFF2-40B4-BE49-F238E27FC236}">
+                <a16:creationId xmlns:a16="http://schemas.microsoft.com/office/drawing/2014/main" id="{FFFF8DFC-D37E-4FE9-81F0-77C68D469526}"/>
+              </a:ext>
+            </a:extLst>
+          </p:cNvPr>
+          <p:cNvSpPr>
+            <a:spLocks noGrp="1"/>
+          </p:cNvSpPr>
+          <p:nvPr>
+            <p:ph type="ftr" sz="quarter" idx="11"/>
+          </p:nvPr>
+        </p:nvSpPr>
+        <p:spPr/>
+        <p:txBody>
+          <a:bodyPr/>
+          <a:lstStyle/>
+          <a:p>
+            <a:r>
+              <a:rPr lang="en-US" dirty="0"/>
+              <a:t>ADD A FOOTER</a:t>
+            </a:r>
+            <a:endParaRPr lang="ru-RU" dirty="0"/>
+          </a:p>
+        </p:txBody>
+      </p:sp>
+      <p:sp>
+        <p:nvSpPr>
+          <p:cNvPr id="4" name="Date Placeholder 3">
+            <a:extLst>
+              <a:ext uri="{FF2B5EF4-FFF2-40B4-BE49-F238E27FC236}">
+                <a16:creationId xmlns:a16="http://schemas.microsoft.com/office/drawing/2014/main" id="{0BA396AE-BE46-43FB-B4E7-224D2AF39F83}"/>
+              </a:ext>
+            </a:extLst>
+          </p:cNvPr>
+          <p:cNvSpPr>
+            <a:spLocks noGrp="1"/>
+          </p:cNvSpPr>
+          <p:nvPr>
+            <p:ph type="dt" sz="half" idx="10"/>
+          </p:nvPr>
+        </p:nvSpPr>
+        <p:spPr/>
+        <p:txBody>
+          <a:bodyPr/>
+          <a:lstStyle/>
+          <a:p>
+            <a:r>
+              <a:rPr lang="en-US" dirty="0"/>
+              <a:t>MM.DD.20XX</a:t>
+            </a:r>
+            <a:endParaRPr lang="ru-RU" dirty="0"/>
+          </a:p>
+        </p:txBody>
+      </p:sp>
+      <p:pic>
+        <p:nvPicPr>
+          <p:cNvPr id="14" name="Espaço Reservado para Imagem 9">
+            <a:extLst>
+              <a:ext uri="{FF2B5EF4-FFF2-40B4-BE49-F238E27FC236}">
+                <a16:creationId xmlns:a16="http://schemas.microsoft.com/office/drawing/2014/main" id="{34A0A7F8-D44A-4769-B36C-FECC49C6CFFE}"/>
+              </a:ext>
+            </a:extLst>
+          </p:cNvPr>
+          <p:cNvPicPr>
+            <a:picLocks noGrp="1" noChangeAspect="1"/>
+          </p:cNvPicPr>
+          <p:nvPr>
+            <p:ph type="pic" sz="quarter" idx="13"/>
+          </p:nvPr>
+        </p:nvPicPr>
+        <p:blipFill>
+          <a:blip r:embed="rId3"/>
+          <a:srcRect l="579" r="579"/>
+          <a:stretch>
+            <a:fillRect/>
+          </a:stretch>
+        </p:blipFill>
+        <p:spPr>
+          <a:xfrm>
+            <a:off x="292421" y="579070"/>
+            <a:ext cx="663468" cy="537965"/>
+          </a:xfrm>
+        </p:spPr>
+      </p:pic>
+    </p:spTree>
+    <p:extLst>
+      <p:ext uri="{BB962C8B-B14F-4D97-AF65-F5344CB8AC3E}">
+        <p14:creationId xmlns:p14="http://schemas.microsoft.com/office/powerpoint/2010/main" val="3766803063"/>
+      </p:ext>
+    </p:extLst>
+  </p:cSld>
+  <p:clrMapOvr>
+    <a:masterClrMapping/>
+  </p:clrMapOvr>
+</p:sld>
+</file>
+
+<file path=ppt/slides/slide17.xml><?xml version="1.0" encoding="utf-8"?>
+<p:sld xmlns:a="http://schemas.openxmlformats.org/drawingml/2006/main" xmlns:r="http://schemas.openxmlformats.org/officeDocument/2006/relationships" xmlns:p="http://schemas.openxmlformats.org/presentationml/2006/main">
+  <p:cSld>
+    <p:spTree>
+      <p:nvGrpSpPr>
+        <p:cNvPr id="1" name=""/>
+        <p:cNvGrpSpPr/>
+        <p:nvPr/>
+      </p:nvGrpSpPr>
+      <p:grpSpPr>
+        <a:xfrm>
+          <a:off x="0" y="0"/>
+          <a:ext cx="0" cy="0"/>
+          <a:chOff x="0" y="0"/>
+          <a:chExt cx="0" cy="0"/>
+        </a:xfrm>
+      </p:grpSpPr>
+      <p:pic>
+        <p:nvPicPr>
+          <p:cNvPr id="20" name="Picture Placeholder 19" descr="Abstract background">
+            <a:extLst>
+              <a:ext uri="{FF2B5EF4-FFF2-40B4-BE49-F238E27FC236}">
+                <a16:creationId xmlns:a16="http://schemas.microsoft.com/office/drawing/2014/main" id="{B9CF847D-0BA8-4D40-B95D-DAC8A415A56D}"/>
+              </a:ext>
+            </a:extLst>
+          </p:cNvPr>
+          <p:cNvPicPr>
+            <a:picLocks noGrp="1" noChangeAspect="1"/>
+          </p:cNvPicPr>
+          <p:nvPr>
+            <p:ph type="pic" sz="quarter" idx="15"/>
+          </p:nvPr>
+        </p:nvPicPr>
+        <p:blipFill>
+          <a:blip r:embed="rId2">
+            <a:extLst>
+              <a:ext uri="{28A0092B-C50C-407E-A947-70E740481C1C}">
+                <a14:useLocalDpi xmlns:a14="http://schemas.microsoft.com/office/drawing/2010/main" val="0"/>
+              </a:ext>
+            </a:extLst>
+          </a:blip>
+          <a:srcRect/>
+          <a:stretch>
+            <a:fillRect/>
+          </a:stretch>
+        </p:blipFill>
+        <p:spPr/>
+      </p:pic>
+      <p:sp>
+        <p:nvSpPr>
+          <p:cNvPr id="5" name="Title 4">
+            <a:extLst>
+              <a:ext uri="{FF2B5EF4-FFF2-40B4-BE49-F238E27FC236}">
+                <a16:creationId xmlns:a16="http://schemas.microsoft.com/office/drawing/2014/main" id="{953F70E9-6111-446A-BD49-B6A996FA030D}"/>
+              </a:ext>
+            </a:extLst>
+          </p:cNvPr>
+          <p:cNvSpPr>
+            <a:spLocks noGrp="1"/>
+          </p:cNvSpPr>
+          <p:nvPr>
+            <p:ph type="title"/>
+          </p:nvPr>
+        </p:nvSpPr>
+        <p:spPr>
+          <a:xfrm>
+            <a:off x="6894590" y="1390615"/>
+            <a:ext cx="4494133" cy="804338"/>
+          </a:xfrm>
+        </p:spPr>
+        <p:txBody>
+          <a:bodyPr/>
+          <a:lstStyle/>
+          <a:p>
+            <a:r>
+              <a:rPr lang="en-US" dirty="0"/>
+              <a:t>DISTRIBUIÇÃO</a:t>
+            </a:r>
+            <a:endParaRPr lang="ru-RU" dirty="0"/>
+          </a:p>
+        </p:txBody>
+      </p:sp>
+      <p:sp>
+        <p:nvSpPr>
+          <p:cNvPr id="6" name="Text Placeholder 5">
+            <a:extLst>
+              <a:ext uri="{FF2B5EF4-FFF2-40B4-BE49-F238E27FC236}">
+                <a16:creationId xmlns:a16="http://schemas.microsoft.com/office/drawing/2014/main" id="{33221DE2-465E-4B89-BDBB-17EC727932B0}"/>
+              </a:ext>
+            </a:extLst>
+          </p:cNvPr>
+          <p:cNvSpPr>
+            <a:spLocks noGrp="1"/>
+          </p:cNvSpPr>
+          <p:nvPr>
+            <p:ph type="body" idx="1"/>
+          </p:nvPr>
+        </p:nvSpPr>
+        <p:spPr>
+          <a:xfrm>
+            <a:off x="6894590" y="2564785"/>
+            <a:ext cx="4992609" cy="3721609"/>
+          </a:xfrm>
+        </p:spPr>
+        <p:txBody>
+          <a:bodyPr>
+            <a:normAutofit/>
+          </a:bodyPr>
+          <a:lstStyle/>
+          <a:p>
+            <a:r>
+              <a:rPr lang="pt-BR" sz="2800" dirty="0">
+                <a:solidFill>
+                  <a:schemeClr val="bg2"/>
+                </a:solidFill>
+                <a:latin typeface="+mj-lt"/>
+              </a:rPr>
+              <a:t>PC</a:t>
+            </a:r>
+          </a:p>
+          <a:p>
+            <a:pPr marL="285750" indent="-285750">
+              <a:buFont typeface="Courier New" panose="02070309020205020404" pitchFamily="49" charset="0"/>
+              <a:buChar char="o"/>
+            </a:pPr>
+            <a:r>
+              <a:rPr lang="pt-BR" sz="2400" dirty="0" err="1"/>
+              <a:t>Itch.i.o</a:t>
+            </a:r>
+            <a:endParaRPr lang="pt-BR" sz="2400" dirty="0"/>
+          </a:p>
+          <a:p>
+            <a:pPr marL="285750" indent="-285750">
+              <a:buFont typeface="Courier New" panose="02070309020205020404" pitchFamily="49" charset="0"/>
+              <a:buChar char="o"/>
+            </a:pPr>
+            <a:r>
+              <a:rPr lang="pt-BR" sz="2400" dirty="0" err="1"/>
+              <a:t>GameJolt</a:t>
+            </a:r>
+            <a:endParaRPr lang="pt-BR" sz="2400" dirty="0"/>
+          </a:p>
+          <a:p>
+            <a:endParaRPr lang="pt-BR" sz="1600" dirty="0"/>
+          </a:p>
+          <a:p>
+            <a:r>
+              <a:rPr lang="pt-BR" sz="2800" dirty="0">
+                <a:solidFill>
+                  <a:schemeClr val="bg2"/>
+                </a:solidFill>
+                <a:latin typeface="+mj-lt"/>
+              </a:rPr>
+              <a:t>ANDROID</a:t>
+            </a:r>
+          </a:p>
+          <a:p>
+            <a:pPr marL="342900" indent="-342900">
+              <a:buFont typeface="Courier New" panose="02070309020205020404" pitchFamily="49" charset="0"/>
+              <a:buChar char="o"/>
+            </a:pPr>
+            <a:r>
+              <a:rPr lang="pt-BR" sz="2400" dirty="0"/>
+              <a:t>Google Play</a:t>
+            </a:r>
+          </a:p>
+          <a:p>
+            <a:endParaRPr lang="en-US" dirty="0"/>
+          </a:p>
+        </p:txBody>
+      </p:sp>
+      <p:sp>
+        <p:nvSpPr>
+          <p:cNvPr id="4" name="Slide Number Placeholder 3">
+            <a:extLst>
+              <a:ext uri="{FF2B5EF4-FFF2-40B4-BE49-F238E27FC236}">
+                <a16:creationId xmlns:a16="http://schemas.microsoft.com/office/drawing/2014/main" id="{F9EB9F42-DBAC-4200-A2A6-96F4D943EB76}"/>
+              </a:ext>
+            </a:extLst>
+          </p:cNvPr>
+          <p:cNvSpPr>
+            <a:spLocks noGrp="1"/>
+          </p:cNvSpPr>
+          <p:nvPr>
+            <p:ph type="sldNum" sz="quarter" idx="12"/>
+          </p:nvPr>
+        </p:nvSpPr>
+        <p:spPr/>
+        <p:txBody>
+          <a:bodyPr/>
+          <a:lstStyle/>
+          <a:p>
+            <a:fld id="{8D581BC7-E183-40DB-AC97-C19EA4EB8894}" type="slidenum">
+              <a:rPr lang="ru-RU" smtClean="0"/>
+              <a:pPr/>
+              <a:t>17</a:t>
+            </a:fld>
+            <a:endParaRPr lang="ru-RU" dirty="0"/>
+          </a:p>
+        </p:txBody>
+      </p:sp>
+      <p:sp>
+        <p:nvSpPr>
+          <p:cNvPr id="3" name="Footer Placeholder 2">
+            <a:extLst>
+              <a:ext uri="{FF2B5EF4-FFF2-40B4-BE49-F238E27FC236}">
+                <a16:creationId xmlns:a16="http://schemas.microsoft.com/office/drawing/2014/main" id="{2032CBFD-8EB3-4D94-8FDF-C4198EF11216}"/>
+              </a:ext>
+            </a:extLst>
+          </p:cNvPr>
+          <p:cNvSpPr>
+            <a:spLocks noGrp="1"/>
+          </p:cNvSpPr>
+          <p:nvPr>
+            <p:ph type="ftr" sz="quarter" idx="11"/>
+          </p:nvPr>
+        </p:nvSpPr>
+        <p:spPr/>
+        <p:txBody>
+          <a:bodyPr/>
+          <a:lstStyle/>
+          <a:p>
+            <a:r>
+              <a:rPr lang="en-US" dirty="0"/>
+              <a:t>ADD A FOOTER</a:t>
+            </a:r>
+            <a:endParaRPr lang="ru-RU" dirty="0"/>
+          </a:p>
+        </p:txBody>
+      </p:sp>
+      <p:sp>
+        <p:nvSpPr>
+          <p:cNvPr id="2" name="Date Placeholder 1">
+            <a:extLst>
+              <a:ext uri="{FF2B5EF4-FFF2-40B4-BE49-F238E27FC236}">
+                <a16:creationId xmlns:a16="http://schemas.microsoft.com/office/drawing/2014/main" id="{2ACC7CD0-CDEF-499B-929F-253562EB810A}"/>
+              </a:ext>
+            </a:extLst>
+          </p:cNvPr>
+          <p:cNvSpPr>
+            <a:spLocks noGrp="1"/>
+          </p:cNvSpPr>
+          <p:nvPr>
+            <p:ph type="dt" sz="half" idx="10"/>
+          </p:nvPr>
+        </p:nvSpPr>
+        <p:spPr/>
+        <p:txBody>
+          <a:bodyPr/>
+          <a:lstStyle/>
+          <a:p>
+            <a:r>
+              <a:rPr lang="en-US" dirty="0"/>
+              <a:t>MM.DD.20XX</a:t>
+            </a:r>
+            <a:endParaRPr lang="ru-RU" dirty="0"/>
+          </a:p>
+        </p:txBody>
+      </p:sp>
+      <p:pic>
+        <p:nvPicPr>
+          <p:cNvPr id="12" name="Espaço Reservado para Imagem 9">
+            <a:extLst>
+              <a:ext uri="{FF2B5EF4-FFF2-40B4-BE49-F238E27FC236}">
+                <a16:creationId xmlns:a16="http://schemas.microsoft.com/office/drawing/2014/main" id="{1754573B-3011-4907-9325-A72B4D71F6DA}"/>
+              </a:ext>
+            </a:extLst>
+          </p:cNvPr>
+          <p:cNvPicPr>
+            <a:picLocks noGrp="1" noChangeAspect="1"/>
+          </p:cNvPicPr>
+          <p:nvPr>
+            <p:ph type="pic" sz="quarter" idx="13"/>
+          </p:nvPr>
+        </p:nvPicPr>
+        <p:blipFill>
+          <a:blip r:embed="rId3"/>
+          <a:srcRect l="579" r="579"/>
+          <a:stretch>
+            <a:fillRect/>
+          </a:stretch>
+        </p:blipFill>
+        <p:spPr>
+          <a:xfrm>
             <a:off x="506492" y="680480"/>
             <a:ext cx="663468" cy="537965"/>
           </a:xfrm>
@@ -46482,7 +47455,7 @@
 </p:sld>
 </file>
 
-<file path=ppt/slides/slide14.xml><?xml version="1.0" encoding="utf-8"?>
+<file path=ppt/slides/slide18.xml><?xml version="1.0" encoding="utf-8"?>
 <p:sld xmlns:a="http://schemas.openxmlformats.org/drawingml/2006/main" xmlns:r="http://schemas.openxmlformats.org/officeDocument/2006/relationships" xmlns:p="http://schemas.openxmlformats.org/presentationml/2006/main">
   <p:cSld>
     <p:spTree>
@@ -49916,12 +50889,107 @@
           <a:chExt cx="0" cy="0"/>
         </a:xfrm>
       </p:grpSpPr>
+      <p:sp>
+        <p:nvSpPr>
+          <p:cNvPr id="2" name="Title 1">
+            <a:extLst>
+              <a:ext uri="{FF2B5EF4-FFF2-40B4-BE49-F238E27FC236}">
+                <a16:creationId xmlns:a16="http://schemas.microsoft.com/office/drawing/2014/main" id="{B0406C22-D0C4-4D8E-86F7-1A902F1CA7AB}"/>
+              </a:ext>
+            </a:extLst>
+          </p:cNvPr>
+          <p:cNvSpPr>
+            <a:spLocks noGrp="1"/>
+          </p:cNvSpPr>
+          <p:nvPr>
+            <p:ph type="title"/>
+          </p:nvPr>
+        </p:nvSpPr>
+        <p:spPr>
+          <a:xfrm>
+            <a:off x="203083" y="899132"/>
+            <a:ext cx="5021940" cy="804338"/>
+          </a:xfrm>
+        </p:spPr>
+        <p:txBody>
+          <a:bodyPr/>
+          <a:lstStyle/>
+          <a:p>
+            <a:pPr algn="ctr"/>
+            <a:r>
+              <a:rPr lang="en-US" dirty="0"/>
+              <a:t>Menu do Jogo</a:t>
+            </a:r>
+            <a:endParaRPr lang="ru-RU" dirty="0"/>
+          </a:p>
+        </p:txBody>
+      </p:sp>
+      <p:sp>
+        <p:nvSpPr>
+          <p:cNvPr id="7" name="Text Placeholder 6">
+            <a:extLst>
+              <a:ext uri="{FF2B5EF4-FFF2-40B4-BE49-F238E27FC236}">
+                <a16:creationId xmlns:a16="http://schemas.microsoft.com/office/drawing/2014/main" id="{1EBE5B37-5B62-411B-BD45-E04DD958A3F9}"/>
+              </a:ext>
+            </a:extLst>
+          </p:cNvPr>
+          <p:cNvSpPr>
+            <a:spLocks noGrp="1"/>
+          </p:cNvSpPr>
+          <p:nvPr>
+            <p:ph type="body" idx="14"/>
+          </p:nvPr>
+        </p:nvSpPr>
+        <p:spPr>
+          <a:xfrm>
+            <a:off x="-97014" y="2218376"/>
+            <a:ext cx="5622133" cy="4829852"/>
+          </a:xfrm>
+        </p:spPr>
+        <p:txBody>
+          <a:bodyPr>
+            <a:normAutofit/>
+          </a:bodyPr>
+          <a:lstStyle/>
+          <a:p>
+            <a:pPr marL="0" indent="0" algn="ctr">
+              <a:buNone/>
+            </a:pPr>
+            <a:r>
+              <a:rPr lang="pt-BR" sz="2800" dirty="0" err="1">
+                <a:solidFill>
+                  <a:schemeClr val="bg2"/>
+                </a:solidFill>
+                <a:latin typeface="+mj-lt"/>
+              </a:rPr>
+              <a:t>Screenshot</a:t>
+            </a:r>
+            <a:endParaRPr lang="pt-BR" sz="2800" dirty="0">
+              <a:solidFill>
+                <a:schemeClr val="bg2"/>
+              </a:solidFill>
+              <a:latin typeface="+mj-lt"/>
+            </a:endParaRPr>
+          </a:p>
+          <a:p>
+            <a:pPr marL="0" indent="0" algn="ctr">
+              <a:buNone/>
+            </a:pPr>
+            <a:endParaRPr lang="pt-BR" sz="2800" dirty="0">
+              <a:solidFill>
+                <a:schemeClr val="bg2"/>
+              </a:solidFill>
+              <a:latin typeface="+mj-lt"/>
+            </a:endParaRPr>
+          </a:p>
+        </p:txBody>
+      </p:sp>
       <p:pic>
         <p:nvPicPr>
-          <p:cNvPr id="20" name="Picture Placeholder 19">
-            <a:extLst>
-              <a:ext uri="{FF2B5EF4-FFF2-40B4-BE49-F238E27FC236}">
-                <a16:creationId xmlns:a16="http://schemas.microsoft.com/office/drawing/2014/main" id="{3330B498-1497-4DA8-99F4-8F8159B24FF9}"/>
+          <p:cNvPr id="18" name="Picture Placeholder 17">
+            <a:extLst>
+              <a:ext uri="{FF2B5EF4-FFF2-40B4-BE49-F238E27FC236}">
+                <a16:creationId xmlns:a16="http://schemas.microsoft.com/office/drawing/2014/main" id="{FA9DAA9F-5926-4BC1-8F7B-06E0B1C2F013}"/>
               </a:ext>
             </a:extLst>
           </p:cNvPr>
@@ -49940,140 +51008,17 @@
         </p:blipFill>
         <p:spPr>
           <a:xfrm>
-            <a:off x="1017802" y="1730439"/>
-            <a:ext cx="3246204" cy="4869306"/>
+            <a:off x="5047046" y="340007"/>
+            <a:ext cx="6678645" cy="3756738"/>
           </a:xfrm>
         </p:spPr>
       </p:pic>
       <p:sp>
         <p:nvSpPr>
-          <p:cNvPr id="5" name="Title 4">
-            <a:extLst>
-              <a:ext uri="{FF2B5EF4-FFF2-40B4-BE49-F238E27FC236}">
-                <a16:creationId xmlns:a16="http://schemas.microsoft.com/office/drawing/2014/main" id="{FF93F71D-1663-42FA-A91E-FA23F03F0287}"/>
-              </a:ext>
-            </a:extLst>
-          </p:cNvPr>
-          <p:cNvSpPr>
-            <a:spLocks noGrp="1"/>
-          </p:cNvSpPr>
-          <p:nvPr>
-            <p:ph type="title"/>
-          </p:nvPr>
-        </p:nvSpPr>
-        <p:spPr>
-          <a:xfrm>
-            <a:off x="6841582" y="667846"/>
-            <a:ext cx="4494133" cy="804338"/>
-          </a:xfrm>
-        </p:spPr>
-        <p:txBody>
-          <a:bodyPr/>
-          <a:lstStyle/>
-          <a:p>
-            <a:r>
-              <a:rPr lang="en-US" dirty="0"/>
-              <a:t>RENCHMARCK</a:t>
-            </a:r>
-            <a:endParaRPr lang="ru-RU" dirty="0"/>
-          </a:p>
-        </p:txBody>
-      </p:sp>
-      <p:sp>
-        <p:nvSpPr>
-          <p:cNvPr id="8" name="Text Placeholder 7">
-            <a:extLst>
-              <a:ext uri="{FF2B5EF4-FFF2-40B4-BE49-F238E27FC236}">
-                <a16:creationId xmlns:a16="http://schemas.microsoft.com/office/drawing/2014/main" id="{1C19D996-1EAD-4EC5-92CC-5A60F9A9E91F}"/>
-              </a:ext>
-            </a:extLst>
-          </p:cNvPr>
-          <p:cNvSpPr>
-            <a:spLocks noGrp="1"/>
-          </p:cNvSpPr>
-          <p:nvPr>
-            <p:ph type="body" idx="14"/>
-          </p:nvPr>
-        </p:nvSpPr>
-        <p:spPr>
-          <a:xfrm>
-            <a:off x="5061643" y="2146853"/>
-            <a:ext cx="6891819" cy="4585252"/>
-          </a:xfrm>
-        </p:spPr>
-        <p:txBody>
-          <a:bodyPr>
-            <a:normAutofit/>
-          </a:bodyPr>
-          <a:lstStyle/>
-          <a:p>
-            <a:pPr marL="0" indent="0">
-              <a:buNone/>
-            </a:pPr>
-            <a:endParaRPr lang="pt-BR" sz="2000" dirty="0">
-              <a:solidFill>
-                <a:schemeClr val="tx1"/>
-              </a:solidFill>
-            </a:endParaRPr>
-          </a:p>
-          <a:p>
-            <a:pPr marL="0" indent="0" algn="ctr">
-              <a:buNone/>
-            </a:pPr>
-            <a:r>
-              <a:rPr lang="pt-BR" sz="3600" b="1" dirty="0">
-                <a:solidFill>
-                  <a:schemeClr val="tx1"/>
-                </a:solidFill>
-              </a:rPr>
-              <a:t>1 milhão de cópias vendidas em duas semanas</a:t>
-            </a:r>
-          </a:p>
-          <a:p>
-            <a:pPr marL="0" indent="0" algn="ctr">
-              <a:buNone/>
-            </a:pPr>
-            <a:endParaRPr lang="pt-BR" sz="3600" b="1" dirty="0">
-              <a:solidFill>
-                <a:schemeClr val="tx1"/>
-              </a:solidFill>
-            </a:endParaRPr>
-          </a:p>
-          <a:p>
-            <a:pPr marL="0" indent="0" algn="ctr">
-              <a:buNone/>
-            </a:pPr>
-            <a:r>
-              <a:rPr lang="pt-BR" sz="4800" b="1" dirty="0">
-                <a:solidFill>
-                  <a:schemeClr val="bg2"/>
-                </a:solidFill>
-                <a:latin typeface="Gill Sans MT Condensed" panose="020B0506020104020203" pitchFamily="34" charset="0"/>
-              </a:rPr>
-              <a:t>Preço</a:t>
-            </a:r>
-          </a:p>
-          <a:p>
-            <a:pPr marL="0" indent="0" algn="ctr">
-              <a:buNone/>
-            </a:pPr>
-            <a:r>
-              <a:rPr lang="pt-BR" sz="3600" b="1" dirty="0">
-                <a:solidFill>
-                  <a:schemeClr val="tx1"/>
-                </a:solidFill>
-              </a:rPr>
-              <a:t>U$29,99</a:t>
-            </a:r>
-          </a:p>
-        </p:txBody>
-      </p:sp>
-      <p:sp>
-        <p:nvSpPr>
-          <p:cNvPr id="4" name="Slide Number Placeholder 3">
-            <a:extLst>
-              <a:ext uri="{FF2B5EF4-FFF2-40B4-BE49-F238E27FC236}">
-                <a16:creationId xmlns:a16="http://schemas.microsoft.com/office/drawing/2014/main" id="{494C7D40-6709-40D4-B0FB-9D6311AF439F}"/>
+          <p:cNvPr id="5" name="Slide Number Placeholder 4">
+            <a:extLst>
+              <a:ext uri="{FF2B5EF4-FFF2-40B4-BE49-F238E27FC236}">
+                <a16:creationId xmlns:a16="http://schemas.microsoft.com/office/drawing/2014/main" id="{1C5328BF-D489-4F39-BA27-5AD38E9116D8}"/>
               </a:ext>
             </a:extLst>
           </p:cNvPr>
@@ -50098,41 +51043,12 @@
           </a:p>
         </p:txBody>
       </p:sp>
-      <p:sp>
-        <p:nvSpPr>
-          <p:cNvPr id="3" name="Footer Placeholder 2">
-            <a:extLst>
-              <a:ext uri="{FF2B5EF4-FFF2-40B4-BE49-F238E27FC236}">
-                <a16:creationId xmlns:a16="http://schemas.microsoft.com/office/drawing/2014/main" id="{101DB817-586B-493A-922D-54010C888E74}"/>
-              </a:ext>
-            </a:extLst>
-          </p:cNvPr>
-          <p:cNvSpPr>
-            <a:spLocks noGrp="1"/>
-          </p:cNvSpPr>
-          <p:nvPr>
-            <p:ph type="ftr" sz="quarter" idx="11"/>
-          </p:nvPr>
-        </p:nvSpPr>
-        <p:spPr/>
-        <p:txBody>
-          <a:bodyPr/>
-          <a:lstStyle/>
-          <a:p>
-            <a:r>
-              <a:rPr lang="en-US" dirty="0"/>
-              <a:t>ADD A FOOTER</a:t>
-            </a:r>
-            <a:endParaRPr lang="ru-RU" dirty="0"/>
-          </a:p>
-        </p:txBody>
-      </p:sp>
       <p:pic>
         <p:nvPicPr>
-          <p:cNvPr id="13" name="Espaço Reservado para Imagem 9">
-            <a:extLst>
-              <a:ext uri="{FF2B5EF4-FFF2-40B4-BE49-F238E27FC236}">
-                <a16:creationId xmlns:a16="http://schemas.microsoft.com/office/drawing/2014/main" id="{EDD8FD42-C49C-4261-B0E7-B5F794D0DEE6}"/>
+          <p:cNvPr id="11" name="Espaço Reservado para Imagem 9">
+            <a:extLst>
+              <a:ext uri="{FF2B5EF4-FFF2-40B4-BE49-F238E27FC236}">
+                <a16:creationId xmlns:a16="http://schemas.microsoft.com/office/drawing/2014/main" id="{ABF365D2-3D5D-48CB-99B0-A369EB174678}"/>
               </a:ext>
             </a:extLst>
           </p:cNvPr>
@@ -50152,71 +51068,15 @@
         </p:blipFill>
         <p:spPr>
           <a:xfrm>
-            <a:off x="363272" y="296774"/>
-            <a:ext cx="654530" cy="530718"/>
+            <a:off x="466308" y="174531"/>
+            <a:ext cx="624669" cy="506506"/>
           </a:xfrm>
         </p:spPr>
       </p:pic>
-      <p:sp>
-        <p:nvSpPr>
-          <p:cNvPr id="9" name="Title 4">
-            <a:extLst>
-              <a:ext uri="{FF2B5EF4-FFF2-40B4-BE49-F238E27FC236}">
-                <a16:creationId xmlns:a16="http://schemas.microsoft.com/office/drawing/2014/main" id="{5475214E-66DA-4E23-A3F5-9E3ED988859C}"/>
-              </a:ext>
-            </a:extLst>
-          </p:cNvPr>
-          <p:cNvSpPr txBox="1">
-            <a:spLocks/>
-          </p:cNvSpPr>
-          <p:nvPr/>
-        </p:nvSpPr>
-        <p:spPr>
-          <a:xfrm>
-            <a:off x="6260485" y="1407350"/>
-            <a:ext cx="4494133" cy="804338"/>
-          </a:xfrm>
-          <a:prstGeom prst="rect">
-            <a:avLst/>
-          </a:prstGeom>
-        </p:spPr>
-        <p:txBody>
-          <a:bodyPr vert="horz" lIns="0" tIns="0" rIns="0" bIns="0" rtlCol="0" anchor="b">
-            <a:normAutofit/>
-          </a:bodyPr>
-          <a:lstStyle>
-            <a:lvl1pPr algn="l" defTabSz="914400" rtl="0" eaLnBrk="1" latinLnBrk="0" hangingPunct="1">
-              <a:lnSpc>
-                <a:spcPct val="90000"/>
-              </a:lnSpc>
-              <a:spcBef>
-                <a:spcPct val="0"/>
-              </a:spcBef>
-              <a:buNone/>
-              <a:defRPr sz="3600" b="1" kern="1200">
-                <a:solidFill>
-                  <a:schemeClr val="bg2"/>
-                </a:solidFill>
-                <a:latin typeface="+mj-lt"/>
-                <a:ea typeface="+mj-ea"/>
-                <a:cs typeface="+mj-cs"/>
-              </a:defRPr>
-            </a:lvl1pPr>
-          </a:lstStyle>
-          <a:p>
-            <a:pPr algn="ctr"/>
-            <a:r>
-              <a:rPr lang="en-US" dirty="0"/>
-              <a:t>A Way Out</a:t>
-            </a:r>
-            <a:endParaRPr lang="ru-RU" dirty="0"/>
-          </a:p>
-        </p:txBody>
-      </p:sp>
     </p:spTree>
     <p:extLst>
       <p:ext uri="{BB962C8B-B14F-4D97-AF65-F5344CB8AC3E}">
-        <p14:creationId xmlns:p14="http://schemas.microsoft.com/office/powerpoint/2010/main" val="764296182"/>
+        <p14:creationId xmlns:p14="http://schemas.microsoft.com/office/powerpoint/2010/main" val="2129955422"/>
       </p:ext>
     </p:extLst>
   </p:cSld>
@@ -50243,12 +51103,107 @@
           <a:chExt cx="0" cy="0"/>
         </a:xfrm>
       </p:grpSpPr>
+      <p:sp>
+        <p:nvSpPr>
+          <p:cNvPr id="2" name="Title 1">
+            <a:extLst>
+              <a:ext uri="{FF2B5EF4-FFF2-40B4-BE49-F238E27FC236}">
+                <a16:creationId xmlns:a16="http://schemas.microsoft.com/office/drawing/2014/main" id="{B0406C22-D0C4-4D8E-86F7-1A902F1CA7AB}"/>
+              </a:ext>
+            </a:extLst>
+          </p:cNvPr>
+          <p:cNvSpPr>
+            <a:spLocks noGrp="1"/>
+          </p:cNvSpPr>
+          <p:nvPr>
+            <p:ph type="title"/>
+          </p:nvPr>
+        </p:nvSpPr>
+        <p:spPr>
+          <a:xfrm>
+            <a:off x="203083" y="899132"/>
+            <a:ext cx="5021940" cy="804338"/>
+          </a:xfrm>
+        </p:spPr>
+        <p:txBody>
+          <a:bodyPr/>
+          <a:lstStyle/>
+          <a:p>
+            <a:pPr algn="ctr"/>
+            <a:r>
+              <a:rPr lang="en-US" dirty="0"/>
+              <a:t>Menu do Jogo</a:t>
+            </a:r>
+            <a:endParaRPr lang="ru-RU" dirty="0"/>
+          </a:p>
+        </p:txBody>
+      </p:sp>
+      <p:sp>
+        <p:nvSpPr>
+          <p:cNvPr id="7" name="Text Placeholder 6">
+            <a:extLst>
+              <a:ext uri="{FF2B5EF4-FFF2-40B4-BE49-F238E27FC236}">
+                <a16:creationId xmlns:a16="http://schemas.microsoft.com/office/drawing/2014/main" id="{1EBE5B37-5B62-411B-BD45-E04DD958A3F9}"/>
+              </a:ext>
+            </a:extLst>
+          </p:cNvPr>
+          <p:cNvSpPr>
+            <a:spLocks noGrp="1"/>
+          </p:cNvSpPr>
+          <p:nvPr>
+            <p:ph type="body" idx="14"/>
+          </p:nvPr>
+        </p:nvSpPr>
+        <p:spPr>
+          <a:xfrm>
+            <a:off x="-97014" y="2218376"/>
+            <a:ext cx="5622133" cy="4829852"/>
+          </a:xfrm>
+        </p:spPr>
+        <p:txBody>
+          <a:bodyPr>
+            <a:normAutofit/>
+          </a:bodyPr>
+          <a:lstStyle/>
+          <a:p>
+            <a:pPr marL="0" indent="0" algn="ctr">
+              <a:buNone/>
+            </a:pPr>
+            <a:r>
+              <a:rPr lang="pt-BR" sz="2800" dirty="0" err="1">
+                <a:solidFill>
+                  <a:schemeClr val="bg2"/>
+                </a:solidFill>
+                <a:latin typeface="+mj-lt"/>
+              </a:rPr>
+              <a:t>Screenshot</a:t>
+            </a:r>
+            <a:endParaRPr lang="pt-BR" sz="2800" dirty="0">
+              <a:solidFill>
+                <a:schemeClr val="bg2"/>
+              </a:solidFill>
+              <a:latin typeface="+mj-lt"/>
+            </a:endParaRPr>
+          </a:p>
+          <a:p>
+            <a:pPr marL="0" indent="0" algn="ctr">
+              <a:buNone/>
+            </a:pPr>
+            <a:endParaRPr lang="pt-BR" sz="2800" dirty="0">
+              <a:solidFill>
+                <a:schemeClr val="bg2"/>
+              </a:solidFill>
+              <a:latin typeface="+mj-lt"/>
+            </a:endParaRPr>
+          </a:p>
+        </p:txBody>
+      </p:sp>
       <p:pic>
         <p:nvPicPr>
-          <p:cNvPr id="20" name="Picture Placeholder 19">
-            <a:extLst>
-              <a:ext uri="{FF2B5EF4-FFF2-40B4-BE49-F238E27FC236}">
-                <a16:creationId xmlns:a16="http://schemas.microsoft.com/office/drawing/2014/main" id="{3330B498-1497-4DA8-99F4-8F8159B24FF9}"/>
+          <p:cNvPr id="18" name="Picture Placeholder 17">
+            <a:extLst>
+              <a:ext uri="{FF2B5EF4-FFF2-40B4-BE49-F238E27FC236}">
+                <a16:creationId xmlns:a16="http://schemas.microsoft.com/office/drawing/2014/main" id="{FA9DAA9F-5926-4BC1-8F7B-06E0B1C2F013}"/>
               </a:ext>
             </a:extLst>
           </p:cNvPr>
@@ -50267,140 +51222,17 @@
         </p:blipFill>
         <p:spPr>
           <a:xfrm>
-            <a:off x="1017802" y="1930140"/>
-            <a:ext cx="3246204" cy="4469903"/>
+            <a:off x="5047046" y="340007"/>
+            <a:ext cx="6678645" cy="3756737"/>
           </a:xfrm>
         </p:spPr>
       </p:pic>
       <p:sp>
         <p:nvSpPr>
-          <p:cNvPr id="5" name="Title 4">
-            <a:extLst>
-              <a:ext uri="{FF2B5EF4-FFF2-40B4-BE49-F238E27FC236}">
-                <a16:creationId xmlns:a16="http://schemas.microsoft.com/office/drawing/2014/main" id="{FF93F71D-1663-42FA-A91E-FA23F03F0287}"/>
-              </a:ext>
-            </a:extLst>
-          </p:cNvPr>
-          <p:cNvSpPr>
-            <a:spLocks noGrp="1"/>
-          </p:cNvSpPr>
-          <p:nvPr>
-            <p:ph type="title"/>
-          </p:nvPr>
-        </p:nvSpPr>
-        <p:spPr>
-          <a:xfrm>
-            <a:off x="6841582" y="667846"/>
-            <a:ext cx="4494133" cy="804338"/>
-          </a:xfrm>
-        </p:spPr>
-        <p:txBody>
-          <a:bodyPr/>
-          <a:lstStyle/>
-          <a:p>
-            <a:r>
-              <a:rPr lang="en-US" dirty="0"/>
-              <a:t>RENCHMARCK</a:t>
-            </a:r>
-            <a:endParaRPr lang="ru-RU" dirty="0"/>
-          </a:p>
-        </p:txBody>
-      </p:sp>
-      <p:sp>
-        <p:nvSpPr>
-          <p:cNvPr id="8" name="Text Placeholder 7">
-            <a:extLst>
-              <a:ext uri="{FF2B5EF4-FFF2-40B4-BE49-F238E27FC236}">
-                <a16:creationId xmlns:a16="http://schemas.microsoft.com/office/drawing/2014/main" id="{1C19D996-1EAD-4EC5-92CC-5A60F9A9E91F}"/>
-              </a:ext>
-            </a:extLst>
-          </p:cNvPr>
-          <p:cNvSpPr>
-            <a:spLocks noGrp="1"/>
-          </p:cNvSpPr>
-          <p:nvPr>
-            <p:ph type="body" idx="14"/>
-          </p:nvPr>
-        </p:nvSpPr>
-        <p:spPr>
-          <a:xfrm>
-            <a:off x="5061643" y="2146853"/>
-            <a:ext cx="6891819" cy="4585252"/>
-          </a:xfrm>
-        </p:spPr>
-        <p:txBody>
-          <a:bodyPr>
-            <a:normAutofit/>
-          </a:bodyPr>
-          <a:lstStyle/>
-          <a:p>
-            <a:pPr marL="0" indent="0">
-              <a:buNone/>
-            </a:pPr>
-            <a:endParaRPr lang="pt-BR" sz="2000" dirty="0">
-              <a:solidFill>
-                <a:schemeClr val="tx1"/>
-              </a:solidFill>
-            </a:endParaRPr>
-          </a:p>
-          <a:p>
-            <a:pPr marL="0" indent="0" algn="ctr">
-              <a:buNone/>
-            </a:pPr>
-            <a:r>
-              <a:rPr lang="pt-BR" sz="3600" b="1" dirty="0">
-                <a:solidFill>
-                  <a:schemeClr val="tx1"/>
-                </a:solidFill>
-              </a:rPr>
-              <a:t>Entre 5 à 10 Milhões de cópias vendidas</a:t>
-            </a:r>
-          </a:p>
-          <a:p>
-            <a:pPr marL="0" indent="0" algn="ctr">
-              <a:buNone/>
-            </a:pPr>
-            <a:endParaRPr lang="pt-BR" sz="3600" b="1" dirty="0">
-              <a:solidFill>
-                <a:schemeClr val="tx1"/>
-              </a:solidFill>
-            </a:endParaRPr>
-          </a:p>
-          <a:p>
-            <a:pPr marL="0" indent="0" algn="ctr">
-              <a:buNone/>
-            </a:pPr>
-            <a:r>
-              <a:rPr lang="pt-BR" sz="4800" dirty="0">
-                <a:solidFill>
-                  <a:schemeClr val="bg2"/>
-                </a:solidFill>
-                <a:latin typeface="Gill Sans MT Condensed" panose="020B0506020104020203" pitchFamily="34" charset="0"/>
-              </a:rPr>
-              <a:t>Preço</a:t>
-            </a:r>
-          </a:p>
-          <a:p>
-            <a:pPr marL="0" indent="0" algn="ctr">
-              <a:buNone/>
-            </a:pPr>
-            <a:r>
-              <a:rPr lang="pt-BR" sz="3600" b="1" dirty="0">
-                <a:solidFill>
-                  <a:schemeClr val="tx1"/>
-                </a:solidFill>
-              </a:rPr>
-              <a:t>U$14,99</a:t>
-            </a:r>
-          </a:p>
-        </p:txBody>
-      </p:sp>
-      <p:sp>
-        <p:nvSpPr>
-          <p:cNvPr id="4" name="Slide Number Placeholder 3">
-            <a:extLst>
-              <a:ext uri="{FF2B5EF4-FFF2-40B4-BE49-F238E27FC236}">
-                <a16:creationId xmlns:a16="http://schemas.microsoft.com/office/drawing/2014/main" id="{494C7D40-6709-40D4-B0FB-9D6311AF439F}"/>
+          <p:cNvPr id="5" name="Slide Number Placeholder 4">
+            <a:extLst>
+              <a:ext uri="{FF2B5EF4-FFF2-40B4-BE49-F238E27FC236}">
+                <a16:creationId xmlns:a16="http://schemas.microsoft.com/office/drawing/2014/main" id="{1C5328BF-D489-4F39-BA27-5AD38E9116D8}"/>
               </a:ext>
             </a:extLst>
           </p:cNvPr>
@@ -50425,41 +51257,12 @@
           </a:p>
         </p:txBody>
       </p:sp>
-      <p:sp>
-        <p:nvSpPr>
-          <p:cNvPr id="3" name="Footer Placeholder 2">
-            <a:extLst>
-              <a:ext uri="{FF2B5EF4-FFF2-40B4-BE49-F238E27FC236}">
-                <a16:creationId xmlns:a16="http://schemas.microsoft.com/office/drawing/2014/main" id="{101DB817-586B-493A-922D-54010C888E74}"/>
-              </a:ext>
-            </a:extLst>
-          </p:cNvPr>
-          <p:cNvSpPr>
-            <a:spLocks noGrp="1"/>
-          </p:cNvSpPr>
-          <p:nvPr>
-            <p:ph type="ftr" sz="quarter" idx="11"/>
-          </p:nvPr>
-        </p:nvSpPr>
-        <p:spPr/>
-        <p:txBody>
-          <a:bodyPr/>
-          <a:lstStyle/>
-          <a:p>
-            <a:r>
-              <a:rPr lang="en-US" dirty="0"/>
-              <a:t>ADD A FOOTER</a:t>
-            </a:r>
-            <a:endParaRPr lang="ru-RU" dirty="0"/>
-          </a:p>
-        </p:txBody>
-      </p:sp>
       <p:pic>
         <p:nvPicPr>
-          <p:cNvPr id="13" name="Espaço Reservado para Imagem 9">
-            <a:extLst>
-              <a:ext uri="{FF2B5EF4-FFF2-40B4-BE49-F238E27FC236}">
-                <a16:creationId xmlns:a16="http://schemas.microsoft.com/office/drawing/2014/main" id="{EDD8FD42-C49C-4261-B0E7-B5F794D0DEE6}"/>
+          <p:cNvPr id="11" name="Espaço Reservado para Imagem 9">
+            <a:extLst>
+              <a:ext uri="{FF2B5EF4-FFF2-40B4-BE49-F238E27FC236}">
+                <a16:creationId xmlns:a16="http://schemas.microsoft.com/office/drawing/2014/main" id="{ABF365D2-3D5D-48CB-99B0-A369EB174678}"/>
               </a:ext>
             </a:extLst>
           </p:cNvPr>
@@ -50479,71 +51282,15 @@
         </p:blipFill>
         <p:spPr>
           <a:xfrm>
-            <a:off x="363272" y="296774"/>
-            <a:ext cx="654530" cy="530718"/>
+            <a:off x="466308" y="174531"/>
+            <a:ext cx="624669" cy="506506"/>
           </a:xfrm>
         </p:spPr>
       </p:pic>
-      <p:sp>
-        <p:nvSpPr>
-          <p:cNvPr id="9" name="Title 4">
-            <a:extLst>
-              <a:ext uri="{FF2B5EF4-FFF2-40B4-BE49-F238E27FC236}">
-                <a16:creationId xmlns:a16="http://schemas.microsoft.com/office/drawing/2014/main" id="{5475214E-66DA-4E23-A3F5-9E3ED988859C}"/>
-              </a:ext>
-            </a:extLst>
-          </p:cNvPr>
-          <p:cNvSpPr txBox="1">
-            <a:spLocks/>
-          </p:cNvSpPr>
-          <p:nvPr/>
-        </p:nvSpPr>
-        <p:spPr>
-          <a:xfrm>
-            <a:off x="6260485" y="1407350"/>
-            <a:ext cx="4494133" cy="804338"/>
-          </a:xfrm>
-          <a:prstGeom prst="rect">
-            <a:avLst/>
-          </a:prstGeom>
-        </p:spPr>
-        <p:txBody>
-          <a:bodyPr vert="horz" lIns="0" tIns="0" rIns="0" bIns="0" rtlCol="0" anchor="b">
-            <a:normAutofit fontScale="92500"/>
-          </a:bodyPr>
-          <a:lstStyle>
-            <a:lvl1pPr algn="l" defTabSz="914400" rtl="0" eaLnBrk="1" latinLnBrk="0" hangingPunct="1">
-              <a:lnSpc>
-                <a:spcPct val="90000"/>
-              </a:lnSpc>
-              <a:spcBef>
-                <a:spcPct val="0"/>
-              </a:spcBef>
-              <a:buNone/>
-              <a:defRPr sz="3600" b="1" kern="1200">
-                <a:solidFill>
-                  <a:schemeClr val="bg2"/>
-                </a:solidFill>
-                <a:latin typeface="+mj-lt"/>
-                <a:ea typeface="+mj-ea"/>
-                <a:cs typeface="+mj-cs"/>
-              </a:defRPr>
-            </a:lvl1pPr>
-          </a:lstStyle>
-          <a:p>
-            <a:pPr algn="ctr"/>
-            <a:r>
-              <a:rPr lang="en-US" dirty="0"/>
-              <a:t>Don´t Starve Together</a:t>
-            </a:r>
-            <a:endParaRPr lang="ru-RU" dirty="0"/>
-          </a:p>
-        </p:txBody>
-      </p:sp>
     </p:spTree>
     <p:extLst>
       <p:ext uri="{BB962C8B-B14F-4D97-AF65-F5344CB8AC3E}">
-        <p14:creationId xmlns:p14="http://schemas.microsoft.com/office/powerpoint/2010/main" val="965884530"/>
+        <p14:creationId xmlns:p14="http://schemas.microsoft.com/office/powerpoint/2010/main" val="3956837220"/>
       </p:ext>
     </p:extLst>
   </p:cSld>
